--- a/gr2_lhj/메인화면_일반회원 관리.pptx
+++ b/gr2_lhj/메인화면_일반회원 관리.pptx
@@ -8,6 +8,8 @@
     <p:sldId id="256" r:id="rId2"/>
     <p:sldId id="257" r:id="rId3"/>
     <p:sldId id="258" r:id="rId4"/>
+    <p:sldId id="259" r:id="rId5"/>
+    <p:sldId id="260" r:id="rId6"/>
   </p:sldIdLst>
   <p:sldSz cx="9144000" cy="6858000" type="screen4x3"/>
   <p:notesSz cx="6858000" cy="9144000"/>
@@ -106,6 +108,22 @@
       </a:defRPr>
     </a:lvl9pPr>
   </p:defaultTextStyle>
+  <p:extLst>
+    <p:ext uri="{EFAFB233-063F-42B5-8137-9DF3F51BA10A}">
+      <p15:sldGuideLst xmlns:p15="http://schemas.microsoft.com/office/powerpoint/2012/main">
+        <p15:guide id="1" orient="horz" pos="2160">
+          <p15:clr>
+            <a:srgbClr val="A4A3A4"/>
+          </p15:clr>
+        </p15:guide>
+        <p15:guide id="2" pos="2880">
+          <p15:clr>
+            <a:srgbClr val="A4A3A4"/>
+          </p15:clr>
+        </p15:guide>
+      </p15:sldGuideLst>
+    </p:ext>
+  </p:extLst>
 </p:presentation>
 </file>
 
@@ -147,10 +165,9 @@
           <a:lstStyle/>
           <a:p>
             <a:r>
-              <a:rPr lang="ko-KR" altLang="en-US" smtClean="0"/>
+              <a:rPr lang="ko-KR" altLang="en-US"/>
               <a:t>마스터 제목 스타일 편집</a:t>
             </a:r>
-            <a:endParaRPr lang="ko-KR" altLang="en-US"/>
           </a:p>
         </p:txBody>
       </p:sp>
@@ -266,10 +283,9 @@
           </a:lstStyle>
           <a:p>
             <a:r>
-              <a:rPr lang="ko-KR" altLang="en-US" smtClean="0"/>
+              <a:rPr lang="ko-KR" altLang="en-US"/>
               <a:t>마스터 부제목 스타일 편집</a:t>
             </a:r>
-            <a:endParaRPr lang="ko-KR" altLang="en-US"/>
           </a:p>
         </p:txBody>
       </p:sp>
@@ -379,10 +395,9 @@
           <a:lstStyle/>
           <a:p>
             <a:r>
-              <a:rPr lang="ko-KR" altLang="en-US" smtClean="0"/>
+              <a:rPr lang="ko-KR" altLang="en-US"/>
               <a:t>마스터 제목 스타일 편집</a:t>
             </a:r>
-            <a:endParaRPr lang="ko-KR" altLang="en-US"/>
           </a:p>
         </p:txBody>
       </p:sp>
@@ -403,38 +418,37 @@
           <a:p>
             <a:pPr lvl="0"/>
             <a:r>
-              <a:rPr lang="ko-KR" altLang="en-US" smtClean="0"/>
+              <a:rPr lang="ko-KR" altLang="en-US"/>
               <a:t>마스터 텍스트 스타일을 편집합니다</a:t>
             </a:r>
           </a:p>
           <a:p>
             <a:pPr lvl="1"/>
             <a:r>
-              <a:rPr lang="ko-KR" altLang="en-US" smtClean="0"/>
+              <a:rPr lang="ko-KR" altLang="en-US"/>
               <a:t>둘째 수준</a:t>
             </a:r>
           </a:p>
           <a:p>
             <a:pPr lvl="2"/>
             <a:r>
-              <a:rPr lang="ko-KR" altLang="en-US" smtClean="0"/>
+              <a:rPr lang="ko-KR" altLang="en-US"/>
               <a:t>셋째 수준</a:t>
             </a:r>
           </a:p>
           <a:p>
             <a:pPr lvl="3"/>
             <a:r>
-              <a:rPr lang="ko-KR" altLang="en-US" smtClean="0"/>
+              <a:rPr lang="ko-KR" altLang="en-US"/>
               <a:t>넷째 수준</a:t>
             </a:r>
           </a:p>
           <a:p>
             <a:pPr lvl="4"/>
             <a:r>
-              <a:rPr lang="ko-KR" altLang="en-US" smtClean="0"/>
+              <a:rPr lang="ko-KR" altLang="en-US"/>
               <a:t>다섯째 수준</a:t>
             </a:r>
-            <a:endParaRPr lang="ko-KR" altLang="en-US"/>
           </a:p>
         </p:txBody>
       </p:sp>
@@ -549,10 +563,9 @@
           <a:lstStyle/>
           <a:p>
             <a:r>
-              <a:rPr lang="ko-KR" altLang="en-US" smtClean="0"/>
+              <a:rPr lang="ko-KR" altLang="en-US"/>
               <a:t>마스터 제목 스타일 편집</a:t>
             </a:r>
-            <a:endParaRPr lang="ko-KR" altLang="en-US"/>
           </a:p>
         </p:txBody>
       </p:sp>
@@ -578,38 +591,37 @@
           <a:p>
             <a:pPr lvl="0"/>
             <a:r>
-              <a:rPr lang="ko-KR" altLang="en-US" smtClean="0"/>
+              <a:rPr lang="ko-KR" altLang="en-US"/>
               <a:t>마스터 텍스트 스타일을 편집합니다</a:t>
             </a:r>
           </a:p>
           <a:p>
             <a:pPr lvl="1"/>
             <a:r>
-              <a:rPr lang="ko-KR" altLang="en-US" smtClean="0"/>
+              <a:rPr lang="ko-KR" altLang="en-US"/>
               <a:t>둘째 수준</a:t>
             </a:r>
           </a:p>
           <a:p>
             <a:pPr lvl="2"/>
             <a:r>
-              <a:rPr lang="ko-KR" altLang="en-US" smtClean="0"/>
+              <a:rPr lang="ko-KR" altLang="en-US"/>
               <a:t>셋째 수준</a:t>
             </a:r>
           </a:p>
           <a:p>
             <a:pPr lvl="3"/>
             <a:r>
-              <a:rPr lang="ko-KR" altLang="en-US" smtClean="0"/>
+              <a:rPr lang="ko-KR" altLang="en-US"/>
               <a:t>넷째 수준</a:t>
             </a:r>
           </a:p>
           <a:p>
             <a:pPr lvl="4"/>
             <a:r>
-              <a:rPr lang="ko-KR" altLang="en-US" smtClean="0"/>
+              <a:rPr lang="ko-KR" altLang="en-US"/>
               <a:t>다섯째 수준</a:t>
             </a:r>
-            <a:endParaRPr lang="ko-KR" altLang="en-US"/>
           </a:p>
         </p:txBody>
       </p:sp>
@@ -719,10 +731,9 @@
           <a:lstStyle/>
           <a:p>
             <a:r>
-              <a:rPr lang="ko-KR" altLang="en-US" smtClean="0"/>
+              <a:rPr lang="ko-KR" altLang="en-US"/>
               <a:t>마스터 제목 스타일 편집</a:t>
             </a:r>
-            <a:endParaRPr lang="ko-KR" altLang="en-US"/>
           </a:p>
         </p:txBody>
       </p:sp>
@@ -743,38 +754,37 @@
           <a:p>
             <a:pPr lvl="0"/>
             <a:r>
-              <a:rPr lang="ko-KR" altLang="en-US" smtClean="0"/>
+              <a:rPr lang="ko-KR" altLang="en-US"/>
               <a:t>마스터 텍스트 스타일을 편집합니다</a:t>
             </a:r>
           </a:p>
           <a:p>
             <a:pPr lvl="1"/>
             <a:r>
-              <a:rPr lang="ko-KR" altLang="en-US" smtClean="0"/>
+              <a:rPr lang="ko-KR" altLang="en-US"/>
               <a:t>둘째 수준</a:t>
             </a:r>
           </a:p>
           <a:p>
             <a:pPr lvl="2"/>
             <a:r>
-              <a:rPr lang="ko-KR" altLang="en-US" smtClean="0"/>
+              <a:rPr lang="ko-KR" altLang="en-US"/>
               <a:t>셋째 수준</a:t>
             </a:r>
           </a:p>
           <a:p>
             <a:pPr lvl="3"/>
             <a:r>
-              <a:rPr lang="ko-KR" altLang="en-US" smtClean="0"/>
+              <a:rPr lang="ko-KR" altLang="en-US"/>
               <a:t>넷째 수준</a:t>
             </a:r>
           </a:p>
           <a:p>
             <a:pPr lvl="4"/>
             <a:r>
-              <a:rPr lang="ko-KR" altLang="en-US" smtClean="0"/>
+              <a:rPr lang="ko-KR" altLang="en-US"/>
               <a:t>다섯째 수준</a:t>
             </a:r>
-            <a:endParaRPr lang="ko-KR" altLang="en-US"/>
           </a:p>
         </p:txBody>
       </p:sp>
@@ -893,10 +903,9 @@
           </a:lstStyle>
           <a:p>
             <a:r>
-              <a:rPr lang="ko-KR" altLang="en-US" smtClean="0"/>
+              <a:rPr lang="ko-KR" altLang="en-US"/>
               <a:t>마스터 제목 스타일 편집</a:t>
             </a:r>
-            <a:endParaRPr lang="ko-KR" altLang="en-US"/>
           </a:p>
         </p:txBody>
       </p:sp>
@@ -1013,7 +1022,7 @@
           <a:p>
             <a:pPr lvl="0"/>
             <a:r>
-              <a:rPr lang="ko-KR" altLang="en-US" smtClean="0"/>
+              <a:rPr lang="ko-KR" altLang="en-US"/>
               <a:t>마스터 텍스트 스타일을 편집합니다</a:t>
             </a:r>
           </a:p>
@@ -1125,10 +1134,9 @@
           <a:lstStyle/>
           <a:p>
             <a:r>
-              <a:rPr lang="ko-KR" altLang="en-US" smtClean="0"/>
+              <a:rPr lang="ko-KR" altLang="en-US"/>
               <a:t>마스터 제목 스타일 편집</a:t>
             </a:r>
-            <a:endParaRPr lang="ko-KR" altLang="en-US"/>
           </a:p>
         </p:txBody>
       </p:sp>
@@ -1182,38 +1190,37 @@
           <a:p>
             <a:pPr lvl="0"/>
             <a:r>
-              <a:rPr lang="ko-KR" altLang="en-US" smtClean="0"/>
+              <a:rPr lang="ko-KR" altLang="en-US"/>
               <a:t>마스터 텍스트 스타일을 편집합니다</a:t>
             </a:r>
           </a:p>
           <a:p>
             <a:pPr lvl="1"/>
             <a:r>
-              <a:rPr lang="ko-KR" altLang="en-US" smtClean="0"/>
+              <a:rPr lang="ko-KR" altLang="en-US"/>
               <a:t>둘째 수준</a:t>
             </a:r>
           </a:p>
           <a:p>
             <a:pPr lvl="2"/>
             <a:r>
-              <a:rPr lang="ko-KR" altLang="en-US" smtClean="0"/>
+              <a:rPr lang="ko-KR" altLang="en-US"/>
               <a:t>셋째 수준</a:t>
             </a:r>
           </a:p>
           <a:p>
             <a:pPr lvl="3"/>
             <a:r>
-              <a:rPr lang="ko-KR" altLang="en-US" smtClean="0"/>
+              <a:rPr lang="ko-KR" altLang="en-US"/>
               <a:t>넷째 수준</a:t>
             </a:r>
           </a:p>
           <a:p>
             <a:pPr lvl="4"/>
             <a:r>
-              <a:rPr lang="ko-KR" altLang="en-US" smtClean="0"/>
+              <a:rPr lang="ko-KR" altLang="en-US"/>
               <a:t>다섯째 수준</a:t>
             </a:r>
-            <a:endParaRPr lang="ko-KR" altLang="en-US"/>
           </a:p>
         </p:txBody>
       </p:sp>
@@ -1267,38 +1274,37 @@
           <a:p>
             <a:pPr lvl="0"/>
             <a:r>
-              <a:rPr lang="ko-KR" altLang="en-US" smtClean="0"/>
+              <a:rPr lang="ko-KR" altLang="en-US"/>
               <a:t>마스터 텍스트 스타일을 편집합니다</a:t>
             </a:r>
           </a:p>
           <a:p>
             <a:pPr lvl="1"/>
             <a:r>
-              <a:rPr lang="ko-KR" altLang="en-US" smtClean="0"/>
+              <a:rPr lang="ko-KR" altLang="en-US"/>
               <a:t>둘째 수준</a:t>
             </a:r>
           </a:p>
           <a:p>
             <a:pPr lvl="2"/>
             <a:r>
-              <a:rPr lang="ko-KR" altLang="en-US" smtClean="0"/>
+              <a:rPr lang="ko-KR" altLang="en-US"/>
               <a:t>셋째 수준</a:t>
             </a:r>
           </a:p>
           <a:p>
             <a:pPr lvl="3"/>
             <a:r>
-              <a:rPr lang="ko-KR" altLang="en-US" smtClean="0"/>
+              <a:rPr lang="ko-KR" altLang="en-US"/>
               <a:t>넷째 수준</a:t>
             </a:r>
           </a:p>
           <a:p>
             <a:pPr lvl="4"/>
             <a:r>
-              <a:rPr lang="ko-KR" altLang="en-US" smtClean="0"/>
+              <a:rPr lang="ko-KR" altLang="en-US"/>
               <a:t>다섯째 수준</a:t>
             </a:r>
-            <a:endParaRPr lang="ko-KR" altLang="en-US"/>
           </a:p>
         </p:txBody>
       </p:sp>
@@ -1412,10 +1418,9 @@
           </a:lstStyle>
           <a:p>
             <a:r>
-              <a:rPr lang="ko-KR" altLang="en-US" smtClean="0"/>
+              <a:rPr lang="ko-KR" altLang="en-US"/>
               <a:t>마스터 제목 스타일 편집</a:t>
             </a:r>
-            <a:endParaRPr lang="ko-KR" altLang="en-US"/>
           </a:p>
         </p:txBody>
       </p:sp>
@@ -1478,7 +1483,7 @@
           <a:p>
             <a:pPr lvl="0"/>
             <a:r>
-              <a:rPr lang="ko-KR" altLang="en-US" smtClean="0"/>
+              <a:rPr lang="ko-KR" altLang="en-US"/>
               <a:t>마스터 텍스트 스타일을 편집합니다</a:t>
             </a:r>
           </a:p>
@@ -1534,38 +1539,37 @@
           <a:p>
             <a:pPr lvl="0"/>
             <a:r>
-              <a:rPr lang="ko-KR" altLang="en-US" smtClean="0"/>
+              <a:rPr lang="ko-KR" altLang="en-US"/>
               <a:t>마스터 텍스트 스타일을 편집합니다</a:t>
             </a:r>
           </a:p>
           <a:p>
             <a:pPr lvl="1"/>
             <a:r>
-              <a:rPr lang="ko-KR" altLang="en-US" smtClean="0"/>
+              <a:rPr lang="ko-KR" altLang="en-US"/>
               <a:t>둘째 수준</a:t>
             </a:r>
           </a:p>
           <a:p>
             <a:pPr lvl="2"/>
             <a:r>
-              <a:rPr lang="ko-KR" altLang="en-US" smtClean="0"/>
+              <a:rPr lang="ko-KR" altLang="en-US"/>
               <a:t>셋째 수준</a:t>
             </a:r>
           </a:p>
           <a:p>
             <a:pPr lvl="3"/>
             <a:r>
-              <a:rPr lang="ko-KR" altLang="en-US" smtClean="0"/>
+              <a:rPr lang="ko-KR" altLang="en-US"/>
               <a:t>넷째 수준</a:t>
             </a:r>
           </a:p>
           <a:p>
             <a:pPr lvl="4"/>
             <a:r>
-              <a:rPr lang="ko-KR" altLang="en-US" smtClean="0"/>
+              <a:rPr lang="ko-KR" altLang="en-US"/>
               <a:t>다섯째 수준</a:t>
             </a:r>
-            <a:endParaRPr lang="ko-KR" altLang="en-US"/>
           </a:p>
         </p:txBody>
       </p:sp>
@@ -1628,7 +1632,7 @@
           <a:p>
             <a:pPr lvl="0"/>
             <a:r>
-              <a:rPr lang="ko-KR" altLang="en-US" smtClean="0"/>
+              <a:rPr lang="ko-KR" altLang="en-US"/>
               <a:t>마스터 텍스트 스타일을 편집합니다</a:t>
             </a:r>
           </a:p>
@@ -1684,38 +1688,37 @@
           <a:p>
             <a:pPr lvl="0"/>
             <a:r>
-              <a:rPr lang="ko-KR" altLang="en-US" smtClean="0"/>
+              <a:rPr lang="ko-KR" altLang="en-US"/>
               <a:t>마스터 텍스트 스타일을 편집합니다</a:t>
             </a:r>
           </a:p>
           <a:p>
             <a:pPr lvl="1"/>
             <a:r>
-              <a:rPr lang="ko-KR" altLang="en-US" smtClean="0"/>
+              <a:rPr lang="ko-KR" altLang="en-US"/>
               <a:t>둘째 수준</a:t>
             </a:r>
           </a:p>
           <a:p>
             <a:pPr lvl="2"/>
             <a:r>
-              <a:rPr lang="ko-KR" altLang="en-US" smtClean="0"/>
+              <a:rPr lang="ko-KR" altLang="en-US"/>
               <a:t>셋째 수준</a:t>
             </a:r>
           </a:p>
           <a:p>
             <a:pPr lvl="3"/>
             <a:r>
-              <a:rPr lang="ko-KR" altLang="en-US" smtClean="0"/>
+              <a:rPr lang="ko-KR" altLang="en-US"/>
               <a:t>넷째 수준</a:t>
             </a:r>
           </a:p>
           <a:p>
             <a:pPr lvl="4"/>
             <a:r>
-              <a:rPr lang="ko-KR" altLang="en-US" smtClean="0"/>
+              <a:rPr lang="ko-KR" altLang="en-US"/>
               <a:t>다섯째 수준</a:t>
             </a:r>
-            <a:endParaRPr lang="ko-KR" altLang="en-US"/>
           </a:p>
         </p:txBody>
       </p:sp>
@@ -1825,10 +1828,9 @@
           <a:lstStyle/>
           <a:p>
             <a:r>
-              <a:rPr lang="ko-KR" altLang="en-US" smtClean="0"/>
+              <a:rPr lang="ko-KR" altLang="en-US"/>
               <a:t>마스터 제목 스타일 편집</a:t>
             </a:r>
-            <a:endParaRPr lang="ko-KR" altLang="en-US"/>
           </a:p>
         </p:txBody>
       </p:sp>
@@ -2037,10 +2039,9 @@
           </a:lstStyle>
           <a:p>
             <a:r>
-              <a:rPr lang="ko-KR" altLang="en-US" smtClean="0"/>
+              <a:rPr lang="ko-KR" altLang="en-US"/>
               <a:t>마스터 제목 스타일 편집</a:t>
             </a:r>
-            <a:endParaRPr lang="ko-KR" altLang="en-US"/>
           </a:p>
         </p:txBody>
       </p:sp>
@@ -2094,38 +2095,37 @@
           <a:p>
             <a:pPr lvl="0"/>
             <a:r>
-              <a:rPr lang="ko-KR" altLang="en-US" smtClean="0"/>
+              <a:rPr lang="ko-KR" altLang="en-US"/>
               <a:t>마스터 텍스트 스타일을 편집합니다</a:t>
             </a:r>
           </a:p>
           <a:p>
             <a:pPr lvl="1"/>
             <a:r>
-              <a:rPr lang="ko-KR" altLang="en-US" smtClean="0"/>
+              <a:rPr lang="ko-KR" altLang="en-US"/>
               <a:t>둘째 수준</a:t>
             </a:r>
           </a:p>
           <a:p>
             <a:pPr lvl="2"/>
             <a:r>
-              <a:rPr lang="ko-KR" altLang="en-US" smtClean="0"/>
+              <a:rPr lang="ko-KR" altLang="en-US"/>
               <a:t>셋째 수준</a:t>
             </a:r>
           </a:p>
           <a:p>
             <a:pPr lvl="3"/>
             <a:r>
-              <a:rPr lang="ko-KR" altLang="en-US" smtClean="0"/>
+              <a:rPr lang="ko-KR" altLang="en-US"/>
               <a:t>넷째 수준</a:t>
             </a:r>
           </a:p>
           <a:p>
             <a:pPr lvl="4"/>
             <a:r>
-              <a:rPr lang="ko-KR" altLang="en-US" smtClean="0"/>
+              <a:rPr lang="ko-KR" altLang="en-US"/>
               <a:t>다섯째 수준</a:t>
             </a:r>
-            <a:endParaRPr lang="ko-KR" altLang="en-US"/>
           </a:p>
         </p:txBody>
       </p:sp>
@@ -2188,7 +2188,7 @@
           <a:p>
             <a:pPr lvl="0"/>
             <a:r>
-              <a:rPr lang="ko-KR" altLang="en-US" smtClean="0"/>
+              <a:rPr lang="ko-KR" altLang="en-US"/>
               <a:t>마스터 텍스트 스타일을 편집합니다</a:t>
             </a:r>
           </a:p>
@@ -2309,10 +2309,9 @@
           </a:lstStyle>
           <a:p>
             <a:r>
-              <a:rPr lang="ko-KR" altLang="en-US" smtClean="0"/>
+              <a:rPr lang="ko-KR" altLang="en-US"/>
               <a:t>마스터 제목 스타일 편집</a:t>
             </a:r>
-            <a:endParaRPr lang="ko-KR" altLang="en-US"/>
           </a:p>
         </p:txBody>
       </p:sp>
@@ -2436,7 +2435,7 @@
           <a:p>
             <a:pPr lvl="0"/>
             <a:r>
-              <a:rPr lang="ko-KR" altLang="en-US" smtClean="0"/>
+              <a:rPr lang="ko-KR" altLang="en-US"/>
               <a:t>마스터 텍스트 스타일을 편집합니다</a:t>
             </a:r>
           </a:p>
@@ -2563,10 +2562,9 @@
           <a:lstStyle/>
           <a:p>
             <a:r>
-              <a:rPr lang="ko-KR" altLang="en-US" smtClean="0"/>
+              <a:rPr lang="ko-KR" altLang="en-US"/>
               <a:t>마스터 제목 스타일 편집</a:t>
             </a:r>
-            <a:endParaRPr lang="ko-KR" altLang="en-US"/>
           </a:p>
         </p:txBody>
       </p:sp>
@@ -2597,38 +2595,37 @@
           <a:p>
             <a:pPr lvl="0"/>
             <a:r>
-              <a:rPr lang="ko-KR" altLang="en-US" smtClean="0"/>
+              <a:rPr lang="ko-KR" altLang="en-US"/>
               <a:t>마스터 텍스트 스타일을 편집합니다</a:t>
             </a:r>
           </a:p>
           <a:p>
             <a:pPr lvl="1"/>
             <a:r>
-              <a:rPr lang="ko-KR" altLang="en-US" smtClean="0"/>
+              <a:rPr lang="ko-KR" altLang="en-US"/>
               <a:t>둘째 수준</a:t>
             </a:r>
           </a:p>
           <a:p>
             <a:pPr lvl="2"/>
             <a:r>
-              <a:rPr lang="ko-KR" altLang="en-US" smtClean="0"/>
+              <a:rPr lang="ko-KR" altLang="en-US"/>
               <a:t>셋째 수준</a:t>
             </a:r>
           </a:p>
           <a:p>
             <a:pPr lvl="3"/>
             <a:r>
-              <a:rPr lang="ko-KR" altLang="en-US" smtClean="0"/>
+              <a:rPr lang="ko-KR" altLang="en-US"/>
               <a:t>넷째 수준</a:t>
             </a:r>
           </a:p>
           <a:p>
             <a:pPr lvl="4"/>
             <a:r>
-              <a:rPr lang="ko-KR" altLang="en-US" smtClean="0"/>
+              <a:rPr lang="ko-KR" altLang="en-US"/>
               <a:t>다섯째 수준</a:t>
             </a:r>
-            <a:endParaRPr lang="ko-KR" altLang="en-US"/>
           </a:p>
         </p:txBody>
       </p:sp>
@@ -3088,7 +3085,7 @@
           <p:cNvPr id="10" name="TextBox 9">
             <a:extLst>
               <a:ext uri="{FF2B5EF4-FFF2-40B4-BE49-F238E27FC236}">
-                <a16:creationId xmlns:a16="http://schemas.microsoft.com/office/drawing/2014/main" xmlns="" id="{A99AB9D3-C706-4670-8F19-553BC73F9C7B}"/>
+                <a16:creationId xmlns:a16="http://schemas.microsoft.com/office/drawing/2014/main" id="{A99AB9D3-C706-4670-8F19-553BC73F9C7B}"/>
               </a:ext>
             </a:extLst>
           </p:cNvPr>
@@ -3112,7 +3109,7 @@
           <a:lstStyle/>
           <a:p>
             <a:r>
-              <a:rPr lang="ko-KR" altLang="en-US" sz="3200" b="1" dirty="0" err="1" smtClean="0"/>
+              <a:rPr lang="ko-KR" altLang="en-US" sz="3200" b="1" dirty="0" err="1"/>
               <a:t>메인화면</a:t>
             </a:r>
             <a:endParaRPr lang="ko-KR" altLang="en-US" sz="3200" b="1" dirty="0"/>
@@ -3124,7 +3121,7 @@
           <p:cNvPr id="11" name="TextBox 10">
             <a:extLst>
               <a:ext uri="{FF2B5EF4-FFF2-40B4-BE49-F238E27FC236}">
-                <a16:creationId xmlns:a16="http://schemas.microsoft.com/office/drawing/2014/main" xmlns="" id="{A99AB9D3-C706-4670-8F19-553BC73F9C7B}"/>
+                <a16:creationId xmlns:a16="http://schemas.microsoft.com/office/drawing/2014/main" id="{A99AB9D3-C706-4670-8F19-553BC73F9C7B}"/>
               </a:ext>
             </a:extLst>
           </p:cNvPr>
@@ -3151,23 +3148,23 @@
               <a:buAutoNum type="arabicPeriod"/>
             </a:pPr>
             <a:r>
-              <a:rPr lang="ko-KR" altLang="en-US" b="1" dirty="0" err="1" smtClean="0"/>
+              <a:rPr lang="ko-KR" altLang="en-US" b="1" dirty="0" err="1"/>
               <a:t>네비게이션</a:t>
             </a:r>
             <a:r>
-              <a:rPr lang="ko-KR" altLang="en-US" b="1" dirty="0" smtClean="0"/>
+              <a:rPr lang="ko-KR" altLang="en-US" b="1" dirty="0"/>
               <a:t> 메뉴</a:t>
             </a:r>
             <a:r>
-              <a:rPr lang="en-US" altLang="ko-KR" b="1" dirty="0" smtClean="0"/>
+              <a:rPr lang="en-US" altLang="ko-KR" b="1" dirty="0"/>
               <a:t>(</a:t>
             </a:r>
             <a:r>
-              <a:rPr lang="ko-KR" altLang="en-US" b="1" dirty="0" smtClean="0"/>
+              <a:rPr lang="ko-KR" altLang="en-US" b="1" dirty="0"/>
               <a:t>애니메이션</a:t>
             </a:r>
             <a:r>
-              <a:rPr lang="en-US" altLang="ko-KR" b="1" dirty="0" smtClean="0"/>
+              <a:rPr lang="en-US" altLang="ko-KR" b="1" dirty="0"/>
               <a:t>)</a:t>
             </a:r>
           </a:p>
@@ -3182,31 +3179,27 @@
               <a:buAutoNum type="arabicPeriod"/>
             </a:pPr>
             <a:r>
-              <a:rPr lang="ko-KR" altLang="en-US" b="1" dirty="0" smtClean="0"/>
-              <a:t>내용화면</a:t>
-            </a:r>
-            <a:r>
-              <a:rPr lang="en-US" altLang="ko-KR" b="1" dirty="0" smtClean="0"/>
+              <a:rPr lang="ko-KR" altLang="en-US" b="1" dirty="0" err="1"/>
+              <a:t>위젯화면</a:t>
+            </a:r>
+            <a:r>
+              <a:rPr lang="en-US" altLang="ko-KR" b="1" dirty="0"/>
               <a:t>(</a:t>
             </a:r>
             <a:r>
-              <a:rPr lang="ko-KR" altLang="en-US" b="1" dirty="0" smtClean="0"/>
+              <a:rPr lang="ko-KR" altLang="en-US" b="1" dirty="0"/>
               <a:t>비디오</a:t>
             </a:r>
             <a:r>
-              <a:rPr lang="en-US" altLang="ko-KR" b="1" dirty="0" smtClean="0"/>
+              <a:rPr lang="en-US" altLang="ko-KR" b="1" dirty="0"/>
               <a:t>, </a:t>
             </a:r>
             <a:r>
-              <a:rPr lang="ko-KR" altLang="en-US" b="1" dirty="0" err="1" smtClean="0"/>
+              <a:rPr lang="ko-KR" altLang="en-US" b="1" dirty="0"/>
               <a:t>위젯</a:t>
             </a:r>
             <a:r>
-              <a:rPr lang="ko-KR" altLang="en-US" b="1" dirty="0" smtClean="0"/>
-              <a:t> 겹침</a:t>
-            </a:r>
-            <a:r>
-              <a:rPr lang="en-US" altLang="ko-KR" b="1" dirty="0" smtClean="0"/>
+              <a:rPr lang="en-US" altLang="ko-KR" b="1" dirty="0"/>
               <a:t>)</a:t>
             </a:r>
             <a:endParaRPr lang="ko-KR" altLang="en-US" b="1" dirty="0"/>
@@ -3223,13 +3216,6 @@
   <p:clrMapOvr>
     <a:masterClrMapping/>
   </p:clrMapOvr>
-  <p:timing>
-    <p:tnLst>
-      <p:par>
-        <p:cTn id="1" dur="indefinite" restart="never" nodeType="tmRoot"/>
-      </p:par>
-    </p:tnLst>
-  </p:timing>
 </p:sld>
 </file>
 
@@ -3255,7 +3241,7 @@
           <p:cNvPr id="10" name="TextBox 9">
             <a:extLst>
               <a:ext uri="{FF2B5EF4-FFF2-40B4-BE49-F238E27FC236}">
-                <a16:creationId xmlns:a16="http://schemas.microsoft.com/office/drawing/2014/main" xmlns="" id="{A99AB9D3-C706-4670-8F19-553BC73F9C7B}"/>
+                <a16:creationId xmlns:a16="http://schemas.microsoft.com/office/drawing/2014/main" id="{A99AB9D3-C706-4670-8F19-553BC73F9C7B}"/>
               </a:ext>
             </a:extLst>
           </p:cNvPr>
@@ -3279,23 +3265,23 @@
           <a:lstStyle/>
           <a:p>
             <a:r>
-              <a:rPr lang="ko-KR" altLang="en-US" sz="3200" b="1" dirty="0" err="1" smtClean="0"/>
+              <a:rPr lang="ko-KR" altLang="en-US" sz="3200" b="1" dirty="0" err="1"/>
               <a:t>메인화면</a:t>
             </a:r>
             <a:r>
-              <a:rPr lang="en-US" altLang="ko-KR" sz="3200" b="1" dirty="0" smtClean="0"/>
+              <a:rPr lang="en-US" altLang="ko-KR" sz="3200" b="1" dirty="0"/>
               <a:t>(</a:t>
             </a:r>
             <a:r>
-              <a:rPr lang="ko-KR" altLang="en-US" sz="3200" b="1" dirty="0" err="1" smtClean="0"/>
+              <a:rPr lang="ko-KR" altLang="en-US" sz="3200" b="1" dirty="0" err="1"/>
               <a:t>네비게이션</a:t>
             </a:r>
             <a:r>
-              <a:rPr lang="ko-KR" altLang="en-US" sz="3200" b="1" dirty="0" smtClean="0"/>
+              <a:rPr lang="ko-KR" altLang="en-US" sz="3200" b="1" dirty="0"/>
               <a:t> 메뉴</a:t>
             </a:r>
             <a:r>
-              <a:rPr lang="en-US" altLang="ko-KR" sz="3200" b="1" dirty="0" smtClean="0"/>
+              <a:rPr lang="en-US" altLang="ko-KR" sz="3200" b="1" dirty="0"/>
               <a:t>)</a:t>
             </a:r>
             <a:endParaRPr lang="ko-KR" altLang="en-US" sz="3200" b="1" dirty="0"/>
@@ -3307,7 +3293,7 @@
           <p:cNvPr id="11" name="TextBox 10">
             <a:extLst>
               <a:ext uri="{FF2B5EF4-FFF2-40B4-BE49-F238E27FC236}">
-                <a16:creationId xmlns:a16="http://schemas.microsoft.com/office/drawing/2014/main" xmlns="" id="{A99AB9D3-C706-4670-8F19-553BC73F9C7B}"/>
+                <a16:creationId xmlns:a16="http://schemas.microsoft.com/office/drawing/2014/main" id="{A99AB9D3-C706-4670-8F19-553BC73F9C7B}"/>
               </a:ext>
             </a:extLst>
           </p:cNvPr>
@@ -3331,44 +3317,12 @@
           <a:lstStyle/>
           <a:p>
             <a:r>
-              <a:rPr lang="ko-KR" altLang="en-US" b="1" dirty="0" smtClean="0"/>
+              <a:rPr lang="ko-KR" altLang="en-US" b="1" dirty="0"/>
               <a:t>구조 </a:t>
             </a:r>
             <a:r>
-              <a:rPr lang="en-US" altLang="ko-KR" b="1" dirty="0" smtClean="0"/>
-              <a:t>- &lt;div&gt;  &lt;</a:t>
-            </a:r>
-            <a:r>
-              <a:rPr lang="en-US" altLang="ko-KR" b="1" dirty="0" err="1" smtClean="0"/>
-              <a:t>ul</a:t>
-            </a:r>
-            <a:r>
-              <a:rPr lang="en-US" altLang="ko-KR" b="1" dirty="0" smtClean="0"/>
-              <a:t>&gt;  &lt;</a:t>
-            </a:r>
-            <a:r>
-              <a:rPr lang="en-US" altLang="ko-KR" b="1" dirty="0" err="1" smtClean="0"/>
-              <a:t>ul</a:t>
-            </a:r>
-            <a:r>
-              <a:rPr lang="en-US" altLang="ko-KR" b="1" dirty="0" smtClean="0"/>
-              <a:t>&gt;  &lt;</a:t>
-            </a:r>
-            <a:r>
-              <a:rPr lang="en-US" altLang="ko-KR" b="1" dirty="0" err="1" smtClean="0"/>
-              <a:t>ul</a:t>
-            </a:r>
-            <a:r>
-              <a:rPr lang="en-US" altLang="ko-KR" b="1" dirty="0" smtClean="0"/>
-              <a:t>&gt;  &lt;</a:t>
-            </a:r>
-            <a:r>
-              <a:rPr lang="en-US" altLang="ko-KR" b="1" dirty="0" err="1" smtClean="0"/>
-              <a:t>ul</a:t>
-            </a:r>
-            <a:r>
-              <a:rPr lang="en-US" altLang="ko-KR" b="1" dirty="0" smtClean="0"/>
-              <a:t>&gt;  &lt;div&gt;</a:t>
+              <a:rPr lang="en-US" altLang="ko-KR" b="1" dirty="0"/>
+              <a:t>- &lt;div&gt;  &lt;ul&gt;  &lt;ul&gt;  &lt;ul&gt;  &lt;ul&gt;  &lt;/div&gt;</a:t>
             </a:r>
             <a:endParaRPr lang="ko-KR" altLang="en-US" b="1" dirty="0"/>
           </a:p>
@@ -3415,11 +3369,534 @@
           </a:extLst>
         </p:spPr>
       </p:pic>
+      <p:sp>
+        <p:nvSpPr>
+          <p:cNvPr id="2" name="TextBox 1"/>
+          <p:cNvSpPr txBox="1"/>
+          <p:nvPr/>
+        </p:nvSpPr>
+        <p:spPr>
+          <a:xfrm>
+            <a:off x="539552" y="4149080"/>
+            <a:ext cx="8136904" cy="1569660"/>
+          </a:xfrm>
+          <a:prstGeom prst="rect">
+            <a:avLst/>
+          </a:prstGeom>
+          <a:noFill/>
+        </p:spPr>
+        <p:txBody>
+          <a:bodyPr wrap="square" rtlCol="0">
+            <a:spAutoFit/>
+          </a:bodyPr>
+          <a:lstStyle/>
+          <a:p>
+            <a:r>
+              <a:rPr lang="en-US" altLang="ko-KR" sz="1600" dirty="0" err="1"/>
+              <a:t>ul</a:t>
+            </a:r>
+            <a:r>
+              <a:rPr lang="en-US" altLang="ko-KR" sz="1600" dirty="0"/>
+              <a:t>(</a:t>
+            </a:r>
+            <a:r>
+              <a:rPr lang="en-US" altLang="ko-KR" sz="1600" dirty="0" err="1"/>
+              <a:t>undordered</a:t>
+            </a:r>
+            <a:r>
+              <a:rPr lang="en-US" altLang="ko-KR" sz="1600" dirty="0"/>
+              <a:t> list)</a:t>
+            </a:r>
+            <a:r>
+              <a:rPr lang="ko-KR" altLang="en-US" sz="1600" dirty="0"/>
+              <a:t>에 마우스가 들어가고 나가는 것을 감지하는 </a:t>
+            </a:r>
+            <a:r>
+              <a:rPr lang="en-US" altLang="ko-KR" sz="1600" dirty="0" err="1"/>
+              <a:t>eventListener</a:t>
+            </a:r>
+            <a:r>
+              <a:rPr lang="ko-KR" altLang="en-US" sz="1600" dirty="0"/>
+              <a:t>를 설정</a:t>
+            </a:r>
+            <a:endParaRPr lang="en-US" altLang="ko-KR" sz="1600" dirty="0"/>
+          </a:p>
+          <a:p>
+            <a:endParaRPr lang="en-US" altLang="ko-KR" sz="1600" dirty="0"/>
+          </a:p>
+          <a:p>
+            <a:r>
+              <a:rPr lang="ko-KR" altLang="en-US" sz="1600" dirty="0"/>
+              <a:t> 들어올 때</a:t>
+            </a:r>
+            <a:r>
+              <a:rPr lang="en-US" altLang="ko-KR" sz="1600" dirty="0"/>
+              <a:t>(background-color: </a:t>
+            </a:r>
+            <a:r>
+              <a:rPr lang="ko-KR" altLang="en-US" sz="1600" dirty="0"/>
+              <a:t>투명</a:t>
+            </a:r>
+            <a:r>
+              <a:rPr lang="en-US" altLang="ko-KR" sz="1600" dirty="0"/>
+              <a:t> -&gt; </a:t>
+            </a:r>
+            <a:r>
+              <a:rPr lang="ko-KR" altLang="en-US" sz="1600" dirty="0"/>
+              <a:t>흰색</a:t>
+            </a:r>
+            <a:r>
+              <a:rPr lang="en-US" altLang="ko-KR" sz="1600" dirty="0"/>
+              <a:t>)</a:t>
+            </a:r>
+          </a:p>
+          <a:p>
+            <a:r>
+              <a:rPr lang="ko-KR" altLang="en-US" sz="1600" dirty="0"/>
+              <a:t> 나갈 때</a:t>
+            </a:r>
+            <a:r>
+              <a:rPr lang="en-US" altLang="ko-KR" sz="1600" dirty="0"/>
+              <a:t>(background-color: </a:t>
+            </a:r>
+            <a:r>
+              <a:rPr lang="ko-KR" altLang="en-US" sz="1600" dirty="0"/>
+              <a:t>흰색</a:t>
+            </a:r>
+            <a:r>
+              <a:rPr lang="en-US" altLang="ko-KR" sz="1600" dirty="0"/>
+              <a:t> -&gt; </a:t>
+            </a:r>
+            <a:r>
+              <a:rPr lang="ko-KR" altLang="en-US" sz="1600" dirty="0"/>
+              <a:t>투명</a:t>
+            </a:r>
+            <a:r>
+              <a:rPr lang="en-US" altLang="ko-KR" sz="1600" dirty="0"/>
+              <a:t>)</a:t>
+            </a:r>
+          </a:p>
+          <a:p>
+            <a:endParaRPr lang="en-US" altLang="ko-KR" sz="1600" dirty="0"/>
+          </a:p>
+          <a:p>
+            <a:r>
+              <a:rPr lang="ko-KR" altLang="en-US" sz="1600" dirty="0"/>
+              <a:t>세부 메뉴 </a:t>
+            </a:r>
+            <a:r>
+              <a:rPr lang="en-US" altLang="ko-KR" sz="1600" dirty="0"/>
+              <a:t>&lt;li&gt;</a:t>
+            </a:r>
+            <a:r>
+              <a:rPr lang="ko-KR" altLang="en-US" sz="1600" dirty="0"/>
+              <a:t>각각에도 설정하여 마우스 </a:t>
+            </a:r>
+            <a:r>
+              <a:rPr lang="ko-KR" altLang="en-US" sz="1600" dirty="0" err="1"/>
+              <a:t>위치시</a:t>
+            </a:r>
+            <a:r>
+              <a:rPr lang="ko-KR" altLang="en-US" sz="1600" dirty="0"/>
+              <a:t> 주황색으로 </a:t>
+            </a:r>
+            <a:r>
+              <a:rPr lang="ko-KR" altLang="en-US" sz="1600" dirty="0" err="1"/>
+              <a:t>글자색</a:t>
+            </a:r>
+            <a:r>
+              <a:rPr lang="ko-KR" altLang="en-US" sz="1600" dirty="0"/>
+              <a:t> 변하도록</a:t>
+            </a:r>
+          </a:p>
+        </p:txBody>
+      </p:sp>
+      <p:grpSp>
+        <p:nvGrpSpPr>
+          <p:cNvPr id="3" name="그룹 2">
+            <a:extLst>
+              <a:ext uri="{FF2B5EF4-FFF2-40B4-BE49-F238E27FC236}">
+                <a16:creationId xmlns:a16="http://schemas.microsoft.com/office/drawing/2014/main" id="{E74FB973-E970-48FC-BC0C-548E47C43B5D}"/>
+              </a:ext>
+            </a:extLst>
+          </p:cNvPr>
+          <p:cNvGrpSpPr/>
+          <p:nvPr/>
+        </p:nvGrpSpPr>
+        <p:grpSpPr>
+          <a:xfrm>
+            <a:off x="539552" y="2276872"/>
+            <a:ext cx="8136904" cy="1294179"/>
+            <a:chOff x="539552" y="2276872"/>
+            <a:chExt cx="8136904" cy="1294179"/>
+          </a:xfrm>
+        </p:grpSpPr>
+        <p:pic>
+          <p:nvPicPr>
+            <p:cNvPr id="2051" name="Picture 3" descr="C:\Users\ezen-033\Desktop\ezen2\TripMate\gr2_lhj\캡처2.PNG"/>
+            <p:cNvPicPr>
+              <a:picLocks noChangeAspect="1" noChangeArrowheads="1"/>
+            </p:cNvPicPr>
+            <p:nvPr/>
+          </p:nvPicPr>
+          <p:blipFill>
+            <a:blip r:embed="rId3">
+              <a:extLst>
+                <a:ext uri="{28A0092B-C50C-407E-A947-70E740481C1C}">
+                  <a14:useLocalDpi xmlns:a14="http://schemas.microsoft.com/office/drawing/2010/main" val="0"/>
+                </a:ext>
+              </a:extLst>
+            </a:blip>
+            <a:srcRect/>
+            <a:stretch>
+              <a:fillRect/>
+            </a:stretch>
+          </p:blipFill>
+          <p:spPr bwMode="auto">
+            <a:xfrm>
+              <a:off x="539552" y="2276872"/>
+              <a:ext cx="8136904" cy="1294179"/>
+            </a:xfrm>
+            <a:prstGeom prst="rect">
+              <a:avLst/>
+            </a:prstGeom>
+            <a:noFill/>
+            <a:extLst>
+              <a:ext uri="{909E8E84-426E-40DD-AFC4-6F175D3DCCD1}">
+                <a14:hiddenFill xmlns:a14="http://schemas.microsoft.com/office/drawing/2010/main">
+                  <a:solidFill>
+                    <a:srgbClr val="FFFFFF"/>
+                  </a:solidFill>
+                </a14:hiddenFill>
+              </a:ext>
+            </a:extLst>
+          </p:spPr>
+        </p:pic>
+        <p:sp>
+          <p:nvSpPr>
+            <p:cNvPr id="4" name="직사각형 3"/>
+            <p:cNvSpPr/>
+            <p:nvPr/>
+          </p:nvSpPr>
+          <p:spPr>
+            <a:xfrm>
+              <a:off x="1403648" y="2564904"/>
+              <a:ext cx="1872208" cy="1006147"/>
+            </a:xfrm>
+            <a:prstGeom prst="rect">
+              <a:avLst/>
+            </a:prstGeom>
+            <a:noFill/>
+            <a:ln>
+              <a:solidFill>
+                <a:srgbClr val="FF0000"/>
+              </a:solidFill>
+            </a:ln>
+          </p:spPr>
+          <p:style>
+            <a:lnRef idx="2">
+              <a:schemeClr val="accent1">
+                <a:shade val="50000"/>
+              </a:schemeClr>
+            </a:lnRef>
+            <a:fillRef idx="1">
+              <a:schemeClr val="accent1"/>
+            </a:fillRef>
+            <a:effectRef idx="0">
+              <a:schemeClr val="accent1"/>
+            </a:effectRef>
+            <a:fontRef idx="minor">
+              <a:schemeClr val="lt1"/>
+            </a:fontRef>
+          </p:style>
+          <p:txBody>
+            <a:bodyPr rtlCol="0" anchor="ctr"/>
+            <a:lstStyle/>
+            <a:p>
+              <a:pPr algn="ctr"/>
+              <a:endParaRPr lang="ko-KR" altLang="en-US"/>
+            </a:p>
+          </p:txBody>
+        </p:sp>
+      </p:grpSp>
+    </p:spTree>
+    <p:extLst>
+      <p:ext uri="{BB962C8B-B14F-4D97-AF65-F5344CB8AC3E}">
+        <p14:creationId xmlns:p14="http://schemas.microsoft.com/office/powerpoint/2010/main" val="1249309407"/>
+      </p:ext>
+    </p:extLst>
+  </p:cSld>
+  <p:clrMapOvr>
+    <a:masterClrMapping/>
+  </p:clrMapOvr>
+</p:sld>
+</file>
+
+<file path=ppt/slides/slide3.xml><?xml version="1.0" encoding="utf-8"?>
+<p:sld xmlns:a="http://schemas.openxmlformats.org/drawingml/2006/main" xmlns:r="http://schemas.openxmlformats.org/officeDocument/2006/relationships" xmlns:p="http://schemas.openxmlformats.org/presentationml/2006/main">
+  <p:cSld>
+    <p:spTree>
+      <p:nvGrpSpPr>
+        <p:cNvPr id="1" name=""/>
+        <p:cNvGrpSpPr/>
+        <p:nvPr/>
+      </p:nvGrpSpPr>
+      <p:grpSpPr>
+        <a:xfrm>
+          <a:off x="0" y="0"/>
+          <a:ext cx="0" cy="0"/>
+          <a:chOff x="0" y="0"/>
+          <a:chExt cx="0" cy="0"/>
+        </a:xfrm>
+      </p:grpSpPr>
+      <p:sp>
+        <p:nvSpPr>
+          <p:cNvPr id="10" name="TextBox 9">
+            <a:extLst>
+              <a:ext uri="{FF2B5EF4-FFF2-40B4-BE49-F238E27FC236}">
+                <a16:creationId xmlns:a16="http://schemas.microsoft.com/office/drawing/2014/main" id="{A99AB9D3-C706-4670-8F19-553BC73F9C7B}"/>
+              </a:ext>
+            </a:extLst>
+          </p:cNvPr>
+          <p:cNvSpPr txBox="1"/>
+          <p:nvPr/>
+        </p:nvSpPr>
+        <p:spPr>
+          <a:xfrm>
+            <a:off x="390309" y="260648"/>
+            <a:ext cx="7305773" cy="584775"/>
+          </a:xfrm>
+          <a:prstGeom prst="rect">
+            <a:avLst/>
+          </a:prstGeom>
+          <a:noFill/>
+        </p:spPr>
+        <p:txBody>
+          <a:bodyPr wrap="square" rtlCol="0">
+            <a:spAutoFit/>
+          </a:bodyPr>
+          <a:lstStyle/>
+          <a:p>
+            <a:r>
+              <a:rPr lang="ko-KR" altLang="en-US" sz="3200" b="1" dirty="0" err="1"/>
+              <a:t>메인화면</a:t>
+            </a:r>
+            <a:r>
+              <a:rPr lang="en-US" altLang="ko-KR" sz="3200" b="1" dirty="0"/>
+              <a:t>(</a:t>
+            </a:r>
+            <a:r>
+              <a:rPr lang="ko-KR" altLang="en-US" sz="3200" b="1" dirty="0" err="1"/>
+              <a:t>네비게이션</a:t>
+            </a:r>
+            <a:r>
+              <a:rPr lang="ko-KR" altLang="en-US" sz="3200" b="1" dirty="0"/>
+              <a:t> 메뉴</a:t>
+            </a:r>
+            <a:r>
+              <a:rPr lang="en-US" altLang="ko-KR" sz="3200" b="1" dirty="0"/>
+              <a:t>)</a:t>
+            </a:r>
+            <a:endParaRPr lang="ko-KR" altLang="en-US" sz="3200" b="1" dirty="0"/>
+          </a:p>
+        </p:txBody>
+      </p:sp>
+      <p:sp>
+        <p:nvSpPr>
+          <p:cNvPr id="2" name="TextBox 1"/>
+          <p:cNvSpPr txBox="1"/>
+          <p:nvPr/>
+        </p:nvSpPr>
+        <p:spPr>
+          <a:xfrm>
+            <a:off x="401877" y="2439779"/>
+            <a:ext cx="8136904" cy="584775"/>
+          </a:xfrm>
+          <a:prstGeom prst="rect">
+            <a:avLst/>
+          </a:prstGeom>
+          <a:noFill/>
+        </p:spPr>
+        <p:txBody>
+          <a:bodyPr wrap="square" rtlCol="0">
+            <a:spAutoFit/>
+          </a:bodyPr>
+          <a:lstStyle/>
+          <a:p>
+            <a:r>
+              <a:rPr lang="en-US" altLang="ko-KR" sz="1600" b="1" dirty="0"/>
+              <a:t>Transition</a:t>
+            </a:r>
+            <a:r>
+              <a:rPr lang="ko-KR" altLang="en-US" sz="1600" b="1" dirty="0"/>
+              <a:t>을 이용한 간단한 애니메이션 구현</a:t>
+            </a:r>
+            <a:endParaRPr lang="en-US" altLang="ko-KR" sz="1600" b="1" dirty="0"/>
+          </a:p>
+          <a:p>
+            <a:r>
+              <a:rPr lang="en-US" altLang="ko-KR" sz="1600" b="1" dirty="0"/>
+              <a:t>(</a:t>
+            </a:r>
+            <a:r>
+              <a:rPr lang="ko-KR" altLang="en-US" sz="1600" b="1" dirty="0"/>
+              <a:t>모양</a:t>
+            </a:r>
+            <a:r>
+              <a:rPr lang="en-US" altLang="ko-KR" sz="1600" b="1" dirty="0"/>
+              <a:t>, </a:t>
+            </a:r>
+            <a:r>
+              <a:rPr lang="ko-KR" altLang="en-US" sz="1600" b="1" dirty="0"/>
+              <a:t>크기</a:t>
+            </a:r>
+            <a:r>
+              <a:rPr lang="en-US" altLang="ko-KR" sz="1600" b="1" dirty="0"/>
+              <a:t>, </a:t>
+            </a:r>
+            <a:r>
+              <a:rPr lang="ko-KR" altLang="en-US" sz="1600" b="1" dirty="0"/>
+              <a:t>색상의 변화를 일정시간에 걸쳐서 일어나게 하는 속성</a:t>
+            </a:r>
+            <a:r>
+              <a:rPr lang="en-US" altLang="ko-KR" sz="1600" b="1" dirty="0"/>
+              <a:t>)                                            </a:t>
+            </a:r>
+            <a:endParaRPr lang="ko-KR" altLang="en-US" sz="1600" b="1" dirty="0"/>
+          </a:p>
+        </p:txBody>
+      </p:sp>
+      <p:grpSp>
+        <p:nvGrpSpPr>
+          <p:cNvPr id="6" name="그룹 5">
+            <a:extLst>
+              <a:ext uri="{FF2B5EF4-FFF2-40B4-BE49-F238E27FC236}">
+                <a16:creationId xmlns:a16="http://schemas.microsoft.com/office/drawing/2014/main" id="{19FD3E5F-AD47-4CF5-9C62-01C43E51F47C}"/>
+              </a:ext>
+            </a:extLst>
+          </p:cNvPr>
+          <p:cNvGrpSpPr/>
+          <p:nvPr/>
+        </p:nvGrpSpPr>
+        <p:grpSpPr>
+          <a:xfrm>
+            <a:off x="503548" y="980728"/>
+            <a:ext cx="8136904" cy="1294179"/>
+            <a:chOff x="539552" y="2276872"/>
+            <a:chExt cx="8136904" cy="1294179"/>
+          </a:xfrm>
+        </p:grpSpPr>
+        <p:pic>
+          <p:nvPicPr>
+            <p:cNvPr id="7" name="Picture 3" descr="C:\Users\ezen-033\Desktop\ezen2\TripMate\gr2_lhj\캡처2.PNG">
+              <a:extLst>
+                <a:ext uri="{FF2B5EF4-FFF2-40B4-BE49-F238E27FC236}">
+                  <a16:creationId xmlns:a16="http://schemas.microsoft.com/office/drawing/2014/main" id="{C4148ABC-46BA-4CF6-B4B0-97A53963A6D7}"/>
+                </a:ext>
+              </a:extLst>
+            </p:cNvPr>
+            <p:cNvPicPr>
+              <a:picLocks noChangeAspect="1" noChangeArrowheads="1"/>
+            </p:cNvPicPr>
+            <p:nvPr/>
+          </p:nvPicPr>
+          <p:blipFill>
+            <a:blip r:embed="rId2">
+              <a:extLst>
+                <a:ext uri="{28A0092B-C50C-407E-A947-70E740481C1C}">
+                  <a14:useLocalDpi xmlns:a14="http://schemas.microsoft.com/office/drawing/2010/main" val="0"/>
+                </a:ext>
+              </a:extLst>
+            </a:blip>
+            <a:srcRect/>
+            <a:stretch>
+              <a:fillRect/>
+            </a:stretch>
+          </p:blipFill>
+          <p:spPr bwMode="auto">
+            <a:xfrm>
+              <a:off x="539552" y="2276872"/>
+              <a:ext cx="8136904" cy="1294179"/>
+            </a:xfrm>
+            <a:prstGeom prst="rect">
+              <a:avLst/>
+            </a:prstGeom>
+            <a:noFill/>
+            <a:extLst>
+              <a:ext uri="{909E8E84-426E-40DD-AFC4-6F175D3DCCD1}">
+                <a14:hiddenFill xmlns:a14="http://schemas.microsoft.com/office/drawing/2010/main">
+                  <a:solidFill>
+                    <a:srgbClr val="FFFFFF"/>
+                  </a:solidFill>
+                </a14:hiddenFill>
+              </a:ext>
+            </a:extLst>
+          </p:spPr>
+        </p:pic>
+        <p:sp>
+          <p:nvSpPr>
+            <p:cNvPr id="8" name="직사각형 7">
+              <a:extLst>
+                <a:ext uri="{FF2B5EF4-FFF2-40B4-BE49-F238E27FC236}">
+                  <a16:creationId xmlns:a16="http://schemas.microsoft.com/office/drawing/2014/main" id="{BCF731FC-1FC0-4835-A82A-9CA1BE1D2339}"/>
+                </a:ext>
+              </a:extLst>
+            </p:cNvPr>
+            <p:cNvSpPr/>
+            <p:nvPr/>
+          </p:nvSpPr>
+          <p:spPr>
+            <a:xfrm>
+              <a:off x="1403648" y="2564904"/>
+              <a:ext cx="1872208" cy="1006147"/>
+            </a:xfrm>
+            <a:prstGeom prst="rect">
+              <a:avLst/>
+            </a:prstGeom>
+            <a:noFill/>
+            <a:ln>
+              <a:solidFill>
+                <a:srgbClr val="FF0000"/>
+              </a:solidFill>
+            </a:ln>
+          </p:spPr>
+          <p:style>
+            <a:lnRef idx="2">
+              <a:schemeClr val="accent1">
+                <a:shade val="50000"/>
+              </a:schemeClr>
+            </a:lnRef>
+            <a:fillRef idx="1">
+              <a:schemeClr val="accent1"/>
+            </a:fillRef>
+            <a:effectRef idx="0">
+              <a:schemeClr val="accent1"/>
+            </a:effectRef>
+            <a:fontRef idx="minor">
+              <a:schemeClr val="lt1"/>
+            </a:fontRef>
+          </p:style>
+          <p:txBody>
+            <a:bodyPr rtlCol="0" anchor="ctr"/>
+            <a:lstStyle/>
+            <a:p>
+              <a:pPr algn="ctr"/>
+              <a:endParaRPr lang="ko-KR" altLang="en-US"/>
+            </a:p>
+          </p:txBody>
+        </p:sp>
+      </p:grpSp>
       <p:pic>
         <p:nvPicPr>
-          <p:cNvPr id="2051" name="Picture 3" descr="C:\Users\ezen-033\Desktop\ezen2\TripMate\gr2_lhj\캡처2.PNG"/>
+          <p:cNvPr id="4" name="그림 3">
+            <a:extLst>
+              <a:ext uri="{FF2B5EF4-FFF2-40B4-BE49-F238E27FC236}">
+                <a16:creationId xmlns:a16="http://schemas.microsoft.com/office/drawing/2014/main" id="{5D643D9C-2813-44BA-879B-793774AEEEA7}"/>
+              </a:ext>
+            </a:extLst>
+          </p:cNvPr>
           <p:cNvPicPr>
-            <a:picLocks noChangeAspect="1" noChangeArrowheads="1"/>
+            <a:picLocks noChangeAspect="1"/>
           </p:cNvPicPr>
           <p:nvPr/>
         </p:nvPicPr>
@@ -3431,41 +3908,72 @@
               </a:ext>
             </a:extLst>
           </a:blip>
-          <a:srcRect/>
           <a:stretch>
             <a:fillRect/>
           </a:stretch>
         </p:blipFill>
-        <p:spPr bwMode="auto">
+        <p:spPr>
           <a:xfrm>
-            <a:off x="539552" y="2276872"/>
-            <a:ext cx="8136904" cy="1294179"/>
+            <a:off x="390309" y="3212976"/>
+            <a:ext cx="3272895" cy="2430012"/>
           </a:xfrm>
           <a:prstGeom prst="rect">
             <a:avLst/>
           </a:prstGeom>
-          <a:noFill/>
-          <a:extLst>
-            <a:ext uri="{909E8E84-426E-40DD-AFC4-6F175D3DCCD1}">
-              <a14:hiddenFill xmlns:a14="http://schemas.microsoft.com/office/drawing/2010/main">
-                <a:solidFill>
-                  <a:srgbClr val="FFFFFF"/>
-                </a:solidFill>
-              </a14:hiddenFill>
-            </a:ext>
-          </a:extLst>
         </p:spPr>
       </p:pic>
-      <p:sp>
-        <p:nvSpPr>
-          <p:cNvPr id="2" name="TextBox 1"/>
+      <p:pic>
+        <p:nvPicPr>
+          <p:cNvPr id="12" name="그림 11">
+            <a:extLst>
+              <a:ext uri="{FF2B5EF4-FFF2-40B4-BE49-F238E27FC236}">
+                <a16:creationId xmlns:a16="http://schemas.microsoft.com/office/drawing/2014/main" id="{2BA8C4AA-DFC1-4360-9D1C-21281209C64B}"/>
+              </a:ext>
+            </a:extLst>
+          </p:cNvPr>
+          <p:cNvPicPr>
+            <a:picLocks noChangeAspect="1"/>
+          </p:cNvPicPr>
+          <p:nvPr/>
+        </p:nvPicPr>
+        <p:blipFill>
+          <a:blip r:embed="rId4">
+            <a:extLst>
+              <a:ext uri="{28A0092B-C50C-407E-A947-70E740481C1C}">
+                <a14:useLocalDpi xmlns:a14="http://schemas.microsoft.com/office/drawing/2010/main" val="0"/>
+              </a:ext>
+            </a:extLst>
+          </a:blip>
+          <a:stretch>
+            <a:fillRect/>
+          </a:stretch>
+        </p:blipFill>
+        <p:spPr>
+          <a:xfrm>
+            <a:off x="4043195" y="3284984"/>
+            <a:ext cx="4680680" cy="2049632"/>
+          </a:xfrm>
+          <a:prstGeom prst="rect">
+            <a:avLst/>
+          </a:prstGeom>
+        </p:spPr>
+      </p:pic>
+      <p:sp>
+        <p:nvSpPr>
+          <p:cNvPr id="15" name="TextBox 14">
+            <a:extLst>
+              <a:ext uri="{FF2B5EF4-FFF2-40B4-BE49-F238E27FC236}">
+                <a16:creationId xmlns:a16="http://schemas.microsoft.com/office/drawing/2014/main" id="{C0E44709-549B-4F6B-AB38-C5B26F89772A}"/>
+              </a:ext>
+            </a:extLst>
+          </p:cNvPr>
           <p:cNvSpPr txBox="1"/>
           <p:nvPr/>
         </p:nvSpPr>
         <p:spPr>
           <a:xfrm>
-            <a:off x="539552" y="4149080"/>
-            <a:ext cx="8136904" cy="1569660"/>
+            <a:off x="3663204" y="5030003"/>
+            <a:ext cx="5261812" cy="338554"/>
           </a:xfrm>
           <a:prstGeom prst="rect">
             <a:avLst/>
@@ -3479,164 +3987,48 @@
           <a:lstStyle/>
           <a:p>
             <a:r>
-              <a:rPr lang="en-US" altLang="ko-KR" sz="1600" dirty="0" err="1" smtClean="0"/>
-              <a:t>ul</a:t>
-            </a:r>
-            <a:r>
-              <a:rPr lang="en-US" altLang="ko-KR" sz="1600" dirty="0" smtClean="0"/>
-              <a:t>(</a:t>
-            </a:r>
-            <a:r>
-              <a:rPr lang="en-US" altLang="ko-KR" sz="1600" dirty="0" err="1" smtClean="0"/>
-              <a:t>undordered</a:t>
-            </a:r>
-            <a:r>
-              <a:rPr lang="en-US" altLang="ko-KR" sz="1600" dirty="0" smtClean="0"/>
-              <a:t> list)</a:t>
-            </a:r>
-            <a:r>
-              <a:rPr lang="ko-KR" altLang="en-US" sz="1600" dirty="0" smtClean="0"/>
-              <a:t>에 마우스가 들어가고 나가는 것을 감지하는 </a:t>
-            </a:r>
-            <a:r>
-              <a:rPr lang="en-US" altLang="ko-KR" sz="1600" dirty="0" err="1" smtClean="0"/>
-              <a:t>eventListener</a:t>
-            </a:r>
-            <a:r>
-              <a:rPr lang="ko-KR" altLang="en-US" sz="1600" dirty="0" smtClean="0"/>
-              <a:t>를 설정</a:t>
-            </a:r>
-            <a:endParaRPr lang="en-US" altLang="ko-KR" sz="1600" dirty="0" smtClean="0"/>
-          </a:p>
-          <a:p>
-            <a:endParaRPr lang="en-US" altLang="ko-KR" sz="1600" dirty="0"/>
-          </a:p>
-          <a:p>
-            <a:r>
-              <a:rPr lang="ko-KR" altLang="en-US" sz="1600" dirty="0" smtClean="0"/>
-              <a:t> 들어올 때</a:t>
-            </a:r>
-            <a:r>
-              <a:rPr lang="en-US" altLang="ko-KR" sz="1600" dirty="0" smtClean="0"/>
-              <a:t>(background-color: </a:t>
-            </a:r>
-            <a:r>
-              <a:rPr lang="ko-KR" altLang="en-US" sz="1600" dirty="0" smtClean="0"/>
-              <a:t>투명</a:t>
-            </a:r>
-            <a:r>
               <a:rPr lang="en-US" altLang="ko-KR" sz="1600" dirty="0"/>
-              <a:t> </a:t>
-            </a:r>
-            <a:r>
-              <a:rPr lang="en-US" altLang="ko-KR" sz="1600" dirty="0" smtClean="0"/>
-              <a:t>-&gt; </a:t>
-            </a:r>
-            <a:r>
-              <a:rPr lang="ko-KR" altLang="en-US" sz="1600" dirty="0" smtClean="0"/>
-              <a:t>흰색</a:t>
-            </a:r>
-            <a:r>
-              <a:rPr lang="en-US" altLang="ko-KR" sz="1600" dirty="0" smtClean="0"/>
-              <a:t>)</a:t>
-            </a:r>
-          </a:p>
-          <a:p>
+              <a:t>Opacity – </a:t>
+            </a:r>
             <a:r>
               <a:rPr lang="ko-KR" altLang="en-US" sz="1600" dirty="0"/>
-              <a:t> </a:t>
-            </a:r>
-            <a:r>
-              <a:rPr lang="ko-KR" altLang="en-US" sz="1600" dirty="0" smtClean="0"/>
-              <a:t>나</a:t>
+              <a:t>요소의 투명도 </a:t>
+            </a:r>
+            <a:r>
+              <a:rPr lang="en-US" altLang="ko-KR" sz="1600" dirty="0"/>
+              <a:t>1</a:t>
             </a:r>
             <a:r>
               <a:rPr lang="ko-KR" altLang="en-US" sz="1600" dirty="0"/>
-              <a:t>갈</a:t>
-            </a:r>
-            <a:r>
-              <a:rPr lang="ko-KR" altLang="en-US" sz="1600" dirty="0" smtClean="0"/>
-              <a:t> </a:t>
+              <a:t>이 기본값</a:t>
+            </a:r>
+            <a:r>
+              <a:rPr lang="en-US" altLang="ko-KR" sz="1600" dirty="0"/>
+              <a:t>, 0</a:t>
             </a:r>
             <a:r>
               <a:rPr lang="ko-KR" altLang="en-US" sz="1600" dirty="0"/>
-              <a:t>때</a:t>
-            </a:r>
-            <a:r>
-              <a:rPr lang="en-US" altLang="ko-KR" sz="1600" dirty="0"/>
-              <a:t>(background-color: </a:t>
-            </a:r>
-            <a:r>
-              <a:rPr lang="ko-KR" altLang="en-US" sz="1600" dirty="0" smtClean="0"/>
-              <a:t>흰</a:t>
-            </a:r>
-            <a:r>
-              <a:rPr lang="ko-KR" altLang="en-US" sz="1600" dirty="0"/>
-              <a:t>색</a:t>
-            </a:r>
-            <a:r>
-              <a:rPr lang="en-US" altLang="ko-KR" sz="1600" dirty="0" smtClean="0"/>
-              <a:t> </a:t>
-            </a:r>
-            <a:r>
-              <a:rPr lang="en-US" altLang="ko-KR" sz="1600" dirty="0"/>
-              <a:t>-&gt; </a:t>
-            </a:r>
-            <a:r>
-              <a:rPr lang="ko-KR" altLang="en-US" sz="1600" dirty="0" smtClean="0"/>
-              <a:t>투명</a:t>
-            </a:r>
-            <a:r>
-              <a:rPr lang="en-US" altLang="ko-KR" sz="1600" dirty="0" smtClean="0"/>
-              <a:t>)</a:t>
-            </a:r>
-          </a:p>
-          <a:p>
-            <a:endParaRPr lang="en-US" altLang="ko-KR" sz="1600" dirty="0"/>
-          </a:p>
-          <a:p>
-            <a:r>
-              <a:rPr lang="ko-KR" altLang="en-US" sz="1600" dirty="0" smtClean="0"/>
-              <a:t>세부 메뉴 </a:t>
-            </a:r>
-            <a:r>
-              <a:rPr lang="en-US" altLang="ko-KR" sz="1600" dirty="0" smtClean="0"/>
-              <a:t>&lt;li&gt;</a:t>
-            </a:r>
-            <a:r>
-              <a:rPr lang="ko-KR" altLang="en-US" sz="1600" dirty="0" smtClean="0"/>
-              <a:t>각각에도 설정하여 마우스 </a:t>
-            </a:r>
-            <a:r>
-              <a:rPr lang="ko-KR" altLang="en-US" sz="1600" dirty="0" err="1" smtClean="0"/>
-              <a:t>위치시</a:t>
-            </a:r>
-            <a:r>
-              <a:rPr lang="ko-KR" altLang="en-US" sz="1600" dirty="0" smtClean="0"/>
-              <a:t> 주황색으로 </a:t>
-            </a:r>
-            <a:r>
-              <a:rPr lang="ko-KR" altLang="en-US" sz="1600" dirty="0" err="1" smtClean="0"/>
-              <a:t>글자색</a:t>
-            </a:r>
-            <a:r>
-              <a:rPr lang="ko-KR" altLang="en-US" sz="1600" dirty="0" smtClean="0"/>
-              <a:t> 변하도록</a:t>
-            </a:r>
-            <a:endParaRPr lang="ko-KR" altLang="en-US" sz="1600" dirty="0"/>
-          </a:p>
-        </p:txBody>
-      </p:sp>
-      <p:sp>
-        <p:nvSpPr>
-          <p:cNvPr id="4" name="직사각형 3"/>
+              <a:t>일 때 완전 투명</a:t>
+            </a:r>
+          </a:p>
+        </p:txBody>
+      </p:sp>
+      <p:sp>
+        <p:nvSpPr>
+          <p:cNvPr id="3" name="직사각형 2">
+            <a:extLst>
+              <a:ext uri="{FF2B5EF4-FFF2-40B4-BE49-F238E27FC236}">
+                <a16:creationId xmlns:a16="http://schemas.microsoft.com/office/drawing/2014/main" id="{81B5BB20-A6FC-40C2-B247-CCAE84A65832}"/>
+              </a:ext>
+            </a:extLst>
+          </p:cNvPr>
           <p:cNvSpPr/>
           <p:nvPr/>
         </p:nvSpPr>
         <p:spPr>
           <a:xfrm>
-            <a:off x="1403648" y="2564904"/>
-            <a:ext cx="1872208" cy="1006147"/>
+            <a:off x="899592" y="4725144"/>
+            <a:ext cx="2160240" cy="304859"/>
           </a:xfrm>
           <a:prstGeom prst="rect">
             <a:avLst/>
@@ -3673,27 +4065,72 @@
           </a:p>
         </p:txBody>
       </p:sp>
+      <p:sp>
+        <p:nvSpPr>
+          <p:cNvPr id="13" name="직사각형 12">
+            <a:extLst>
+              <a:ext uri="{FF2B5EF4-FFF2-40B4-BE49-F238E27FC236}">
+                <a16:creationId xmlns:a16="http://schemas.microsoft.com/office/drawing/2014/main" id="{451BC8D3-0A7B-47F3-A74B-35580F97562F}"/>
+              </a:ext>
+            </a:extLst>
+          </p:cNvPr>
+          <p:cNvSpPr/>
+          <p:nvPr/>
+        </p:nvSpPr>
+        <p:spPr>
+          <a:xfrm>
+            <a:off x="4067944" y="3412173"/>
+            <a:ext cx="3816424" cy="457090"/>
+          </a:xfrm>
+          <a:prstGeom prst="rect">
+            <a:avLst/>
+          </a:prstGeom>
+          <a:noFill/>
+          <a:ln>
+            <a:solidFill>
+              <a:srgbClr val="FF0000"/>
+            </a:solidFill>
+          </a:ln>
+        </p:spPr>
+        <p:style>
+          <a:lnRef idx="2">
+            <a:schemeClr val="accent1">
+              <a:shade val="50000"/>
+            </a:schemeClr>
+          </a:lnRef>
+          <a:fillRef idx="1">
+            <a:schemeClr val="accent1"/>
+          </a:fillRef>
+          <a:effectRef idx="0">
+            <a:schemeClr val="accent1"/>
+          </a:effectRef>
+          <a:fontRef idx="minor">
+            <a:schemeClr val="lt1"/>
+          </a:fontRef>
+        </p:style>
+        <p:txBody>
+          <a:bodyPr rtlCol="0" anchor="ctr"/>
+          <a:lstStyle/>
+          <a:p>
+            <a:pPr algn="ctr"/>
+            <a:endParaRPr lang="ko-KR" altLang="en-US"/>
+          </a:p>
+        </p:txBody>
+      </p:sp>
     </p:spTree>
     <p:extLst>
       <p:ext uri="{BB962C8B-B14F-4D97-AF65-F5344CB8AC3E}">
-        <p14:creationId xmlns:p14="http://schemas.microsoft.com/office/powerpoint/2010/main" val="1249309407"/>
+        <p14:creationId xmlns:p14="http://schemas.microsoft.com/office/powerpoint/2010/main" val="1691350354"/>
       </p:ext>
     </p:extLst>
   </p:cSld>
   <p:clrMapOvr>
     <a:masterClrMapping/>
   </p:clrMapOvr>
-  <p:timing>
-    <p:tnLst>
-      <p:par>
-        <p:cTn id="1" dur="indefinite" restart="never" nodeType="tmRoot"/>
-      </p:par>
-    </p:tnLst>
-  </p:timing>
 </p:sld>
 </file>
 
-<file path=ppt/slides/slide3.xml><?xml version="1.0" encoding="utf-8"?>
+<file path=ppt/slides/slide4.xml><?xml version="1.0" encoding="utf-8"?>
 <p:sld xmlns:a="http://schemas.openxmlformats.org/drawingml/2006/main" xmlns:r="http://schemas.openxmlformats.org/officeDocument/2006/relationships" xmlns:p="http://schemas.openxmlformats.org/presentationml/2006/main">
   <p:cSld>
     <p:spTree>
@@ -3715,7 +4152,7 @@
           <p:cNvPr id="10" name="TextBox 9">
             <a:extLst>
               <a:ext uri="{FF2B5EF4-FFF2-40B4-BE49-F238E27FC236}">
-                <a16:creationId xmlns:a16="http://schemas.microsoft.com/office/drawing/2014/main" xmlns="" id="{A99AB9D3-C706-4670-8F19-553BC73F9C7B}"/>
+                <a16:creationId xmlns:a16="http://schemas.microsoft.com/office/drawing/2014/main" id="{A99AB9D3-C706-4670-8F19-553BC73F9C7B}"/>
               </a:ext>
             </a:extLst>
           </p:cNvPr>
@@ -3739,35 +4176,67 @@
           <a:lstStyle/>
           <a:p>
             <a:r>
-              <a:rPr lang="ko-KR" altLang="en-US" sz="3200" b="1" dirty="0" err="1" smtClean="0"/>
+              <a:rPr lang="ko-KR" altLang="en-US" sz="3200" b="1" dirty="0" err="1"/>
               <a:t>메인화면</a:t>
             </a:r>
             <a:r>
-              <a:rPr lang="en-US" altLang="ko-KR" sz="3200" b="1" dirty="0" smtClean="0"/>
+              <a:rPr lang="en-US" altLang="ko-KR" sz="3200" b="1" dirty="0"/>
               <a:t>(</a:t>
             </a:r>
             <a:r>
-              <a:rPr lang="ko-KR" altLang="en-US" sz="3200" b="1" dirty="0" err="1" smtClean="0"/>
-              <a:t>네비게이션</a:t>
-            </a:r>
-            <a:r>
-              <a:rPr lang="ko-KR" altLang="en-US" sz="3200" b="1" dirty="0" smtClean="0"/>
-              <a:t> 메뉴</a:t>
-            </a:r>
-            <a:r>
-              <a:rPr lang="en-US" altLang="ko-KR" sz="3200" b="1" dirty="0" smtClean="0"/>
+              <a:rPr lang="ko-KR" altLang="en-US" sz="3200" b="1" dirty="0" err="1"/>
+              <a:t>위젯화면</a:t>
+            </a:r>
+            <a:r>
+              <a:rPr lang="en-US" altLang="ko-KR" sz="3200" b="1" dirty="0"/>
               <a:t>)</a:t>
             </a:r>
             <a:endParaRPr lang="ko-KR" altLang="en-US" sz="3200" b="1" dirty="0"/>
           </a:p>
         </p:txBody>
       </p:sp>
-      <p:sp>
-        <p:nvSpPr>
-          <p:cNvPr id="11" name="TextBox 10">
+      <p:pic>
+        <p:nvPicPr>
+          <p:cNvPr id="11" name="그림 10">
             <a:extLst>
               <a:ext uri="{FF2B5EF4-FFF2-40B4-BE49-F238E27FC236}">
-                <a16:creationId xmlns:a16="http://schemas.microsoft.com/office/drawing/2014/main" xmlns="" id="{A99AB9D3-C706-4670-8F19-553BC73F9C7B}"/>
+                <a16:creationId xmlns:a16="http://schemas.microsoft.com/office/drawing/2014/main" id="{4626B8BF-E89F-4C5F-B5CC-4902E974A0C8}"/>
+              </a:ext>
+            </a:extLst>
+          </p:cNvPr>
+          <p:cNvPicPr>
+            <a:picLocks noChangeAspect="1"/>
+          </p:cNvPicPr>
+          <p:nvPr/>
+        </p:nvPicPr>
+        <p:blipFill>
+          <a:blip r:embed="rId2">
+            <a:extLst>
+              <a:ext uri="{28A0092B-C50C-407E-A947-70E740481C1C}">
+                <a14:useLocalDpi xmlns:a14="http://schemas.microsoft.com/office/drawing/2010/main" val="0"/>
+              </a:ext>
+            </a:extLst>
+          </a:blip>
+          <a:stretch>
+            <a:fillRect/>
+          </a:stretch>
+        </p:blipFill>
+        <p:spPr>
+          <a:xfrm>
+            <a:off x="422275" y="909054"/>
+            <a:ext cx="8299450" cy="3312034"/>
+          </a:xfrm>
+          <a:prstGeom prst="rect">
+            <a:avLst/>
+          </a:prstGeom>
+        </p:spPr>
+      </p:pic>
+      <p:sp>
+        <p:nvSpPr>
+          <p:cNvPr id="14" name="TextBox 13">
+            <a:extLst>
+              <a:ext uri="{FF2B5EF4-FFF2-40B4-BE49-F238E27FC236}">
+                <a16:creationId xmlns:a16="http://schemas.microsoft.com/office/drawing/2014/main" id="{07E281A5-FE2E-4CE2-B5DE-312C1255B303}"/>
               </a:ext>
             </a:extLst>
           </p:cNvPr>
@@ -3776,8 +4245,8 @@
         </p:nvSpPr>
         <p:spPr>
           <a:xfrm>
-            <a:off x="539552" y="3645024"/>
-            <a:ext cx="8136904" cy="369332"/>
+            <a:off x="401877" y="4509120"/>
+            <a:ext cx="8136904" cy="1015663"/>
           </a:xfrm>
           <a:prstGeom prst="rect">
             <a:avLst/>
@@ -3791,59 +4260,89 @@
           <a:lstStyle/>
           <a:p>
             <a:r>
-              <a:rPr lang="ko-KR" altLang="en-US" b="1" dirty="0" smtClean="0"/>
-              <a:t>구조 </a:t>
-            </a:r>
-            <a:r>
-              <a:rPr lang="en-US" altLang="ko-KR" b="1" dirty="0" smtClean="0"/>
-              <a:t>- &lt;div&gt;  &lt;</a:t>
-            </a:r>
-            <a:r>
-              <a:rPr lang="en-US" altLang="ko-KR" b="1" dirty="0" err="1" smtClean="0"/>
-              <a:t>ul</a:t>
-            </a:r>
-            <a:r>
-              <a:rPr lang="en-US" altLang="ko-KR" b="1" dirty="0" smtClean="0"/>
-              <a:t>&gt;  &lt;</a:t>
-            </a:r>
-            <a:r>
-              <a:rPr lang="en-US" altLang="ko-KR" b="1" dirty="0" err="1" smtClean="0"/>
-              <a:t>ul</a:t>
-            </a:r>
-            <a:r>
-              <a:rPr lang="en-US" altLang="ko-KR" b="1" dirty="0" smtClean="0"/>
-              <a:t>&gt;  &lt;</a:t>
-            </a:r>
-            <a:r>
-              <a:rPr lang="en-US" altLang="ko-KR" b="1" dirty="0" err="1" smtClean="0"/>
-              <a:t>ul</a:t>
-            </a:r>
-            <a:r>
-              <a:rPr lang="en-US" altLang="ko-KR" b="1" dirty="0" smtClean="0"/>
-              <a:t>&gt;  &lt;</a:t>
-            </a:r>
-            <a:r>
-              <a:rPr lang="en-US" altLang="ko-KR" b="1" dirty="0" err="1" smtClean="0"/>
-              <a:t>ul</a:t>
-            </a:r>
-            <a:r>
-              <a:rPr lang="en-US" altLang="ko-KR" b="1" dirty="0" smtClean="0"/>
-              <a:t>&gt;  &lt;div&gt;</a:t>
-            </a:r>
-            <a:endParaRPr lang="ko-KR" altLang="en-US" b="1" dirty="0"/>
-          </a:p>
-        </p:txBody>
-      </p:sp>
-      <p:sp>
-        <p:nvSpPr>
-          <p:cNvPr id="2" name="TextBox 1"/>
+              <a:rPr lang="en-US" altLang="ko-KR" sz="2000" b="1" dirty="0"/>
+              <a:t>3</a:t>
+            </a:r>
+            <a:r>
+              <a:rPr lang="ko-KR" altLang="en-US" sz="2000" b="1" dirty="0"/>
+              <a:t>개의 태그가 겹쳐진 화면</a:t>
+            </a:r>
+            <a:endParaRPr lang="en-US" altLang="ko-KR" sz="2000" b="1" dirty="0"/>
+          </a:p>
+          <a:p>
+            <a:endParaRPr lang="en-US" altLang="ko-KR" sz="2000" b="1" dirty="0"/>
+          </a:p>
+          <a:p>
+            <a:r>
+              <a:rPr lang="ko-KR" altLang="en-US" sz="2000" b="1" dirty="0"/>
+              <a:t>안쪽부터    비디오</a:t>
+            </a:r>
+            <a:r>
+              <a:rPr lang="en-US" altLang="ko-KR" sz="2000" b="1" dirty="0"/>
+              <a:t>-</a:t>
+            </a:r>
+            <a:r>
+              <a:rPr lang="ko-KR" altLang="en-US" sz="2000" b="1" dirty="0"/>
+              <a:t>위젯</a:t>
+            </a:r>
+            <a:r>
+              <a:rPr lang="en-US" altLang="ko-KR" sz="2000" b="1" dirty="0"/>
+              <a:t>-</a:t>
+            </a:r>
+            <a:r>
+              <a:rPr lang="ko-KR" altLang="en-US" sz="2000" b="1" dirty="0" err="1"/>
+              <a:t>네비게이션메뉴</a:t>
+            </a:r>
+            <a:endParaRPr lang="ko-KR" altLang="en-US" sz="2000" b="1" dirty="0"/>
+          </a:p>
+        </p:txBody>
+      </p:sp>
+    </p:spTree>
+    <p:extLst>
+      <p:ext uri="{BB962C8B-B14F-4D97-AF65-F5344CB8AC3E}">
+        <p14:creationId xmlns:p14="http://schemas.microsoft.com/office/powerpoint/2010/main" val="431838405"/>
+      </p:ext>
+    </p:extLst>
+  </p:cSld>
+  <p:clrMapOvr>
+    <a:masterClrMapping/>
+  </p:clrMapOvr>
+</p:sld>
+</file>
+
+<file path=ppt/slides/slide5.xml><?xml version="1.0" encoding="utf-8"?>
+<p:sld xmlns:a="http://schemas.openxmlformats.org/drawingml/2006/main" xmlns:r="http://schemas.openxmlformats.org/officeDocument/2006/relationships" xmlns:p="http://schemas.openxmlformats.org/presentationml/2006/main">
+  <p:cSld>
+    <p:spTree>
+      <p:nvGrpSpPr>
+        <p:cNvPr id="1" name=""/>
+        <p:cNvGrpSpPr/>
+        <p:nvPr/>
+      </p:nvGrpSpPr>
+      <p:grpSpPr>
+        <a:xfrm>
+          <a:off x="0" y="0"/>
+          <a:ext cx="0" cy="0"/>
+          <a:chOff x="0" y="0"/>
+          <a:chExt cx="0" cy="0"/>
+        </a:xfrm>
+      </p:grpSpPr>
+      <p:sp>
+        <p:nvSpPr>
+          <p:cNvPr id="10" name="TextBox 9">
+            <a:extLst>
+              <a:ext uri="{FF2B5EF4-FFF2-40B4-BE49-F238E27FC236}">
+                <a16:creationId xmlns:a16="http://schemas.microsoft.com/office/drawing/2014/main" id="{A99AB9D3-C706-4670-8F19-553BC73F9C7B}"/>
+              </a:ext>
+            </a:extLst>
+          </p:cNvPr>
           <p:cNvSpPr txBox="1"/>
           <p:nvPr/>
         </p:nvSpPr>
         <p:spPr>
           <a:xfrm>
-            <a:off x="539552" y="4149080"/>
-            <a:ext cx="8136904" cy="1569660"/>
+            <a:off x="390309" y="260648"/>
+            <a:ext cx="7305773" cy="584775"/>
           </a:xfrm>
           <a:prstGeom prst="rect">
             <a:avLst/>
@@ -3857,171 +4356,453 @@
           <a:lstStyle/>
           <a:p>
             <a:r>
-              <a:rPr lang="en-US" altLang="ko-KR" sz="1600" dirty="0" err="1" smtClean="0"/>
-              <a:t>ul</a:t>
-            </a:r>
-            <a:r>
-              <a:rPr lang="en-US" altLang="ko-KR" sz="1600" dirty="0" smtClean="0"/>
+              <a:rPr lang="ko-KR" altLang="en-US" sz="3200" b="1" dirty="0" err="1"/>
+              <a:t>메인화면</a:t>
+            </a:r>
+            <a:r>
+              <a:rPr lang="en-US" altLang="ko-KR" sz="3200" b="1" dirty="0"/>
               <a:t>(</a:t>
             </a:r>
             <a:r>
-              <a:rPr lang="en-US" altLang="ko-KR" sz="1600" dirty="0" err="1" smtClean="0"/>
-              <a:t>undordered</a:t>
-            </a:r>
-            <a:r>
-              <a:rPr lang="en-US" altLang="ko-KR" sz="1600" dirty="0" smtClean="0"/>
-              <a:t> list)</a:t>
-            </a:r>
-            <a:r>
-              <a:rPr lang="ko-KR" altLang="en-US" sz="1600" dirty="0" smtClean="0"/>
-              <a:t>에 마우스가 들어가고 나가는 것을 감지하는 </a:t>
-            </a:r>
-            <a:r>
-              <a:rPr lang="en-US" altLang="ko-KR" sz="1600" dirty="0" err="1" smtClean="0"/>
-              <a:t>eventListener</a:t>
-            </a:r>
-            <a:r>
-              <a:rPr lang="ko-KR" altLang="en-US" sz="1600" dirty="0" smtClean="0"/>
-              <a:t>를 설정</a:t>
-            </a:r>
-            <a:endParaRPr lang="en-US" altLang="ko-KR" sz="1600" dirty="0" smtClean="0"/>
-          </a:p>
-          <a:p>
-            <a:endParaRPr lang="en-US" altLang="ko-KR" sz="1600" dirty="0"/>
-          </a:p>
-          <a:p>
-            <a:r>
-              <a:rPr lang="ko-KR" altLang="en-US" sz="1600" dirty="0" smtClean="0"/>
-              <a:t> 들어올 때</a:t>
-            </a:r>
-            <a:r>
-              <a:rPr lang="en-US" altLang="ko-KR" sz="1600" dirty="0" smtClean="0"/>
-              <a:t>(background-color: </a:t>
-            </a:r>
-            <a:r>
-              <a:rPr lang="ko-KR" altLang="en-US" sz="1600" dirty="0" smtClean="0"/>
-              <a:t>투명</a:t>
-            </a:r>
-            <a:r>
-              <a:rPr lang="en-US" altLang="ko-KR" sz="1600" dirty="0"/>
-              <a:t> </a:t>
-            </a:r>
-            <a:r>
-              <a:rPr lang="en-US" altLang="ko-KR" sz="1600" dirty="0" smtClean="0"/>
-              <a:t>-&gt; </a:t>
-            </a:r>
-            <a:r>
-              <a:rPr lang="ko-KR" altLang="en-US" sz="1600" dirty="0" smtClean="0"/>
-              <a:t>흰색</a:t>
-            </a:r>
-            <a:r>
-              <a:rPr lang="en-US" altLang="ko-KR" sz="1600" dirty="0" smtClean="0"/>
+              <a:rPr lang="ko-KR" altLang="en-US" sz="3200" b="1" dirty="0" err="1"/>
+              <a:t>위젯화면</a:t>
+            </a:r>
+            <a:r>
+              <a:rPr lang="en-US" altLang="ko-KR" sz="3200" b="1" dirty="0"/>
               <a:t>)</a:t>
             </a:r>
-          </a:p>
-          <a:p>
-            <a:r>
-              <a:rPr lang="ko-KR" altLang="en-US" sz="1600" dirty="0"/>
-              <a:t> </a:t>
-            </a:r>
-            <a:r>
-              <a:rPr lang="ko-KR" altLang="en-US" sz="1600" dirty="0" smtClean="0"/>
-              <a:t>나</a:t>
-            </a:r>
-            <a:r>
-              <a:rPr lang="ko-KR" altLang="en-US" sz="1600" dirty="0"/>
-              <a:t>갈</a:t>
-            </a:r>
-            <a:r>
-              <a:rPr lang="ko-KR" altLang="en-US" sz="1600" dirty="0" smtClean="0"/>
-              <a:t> </a:t>
-            </a:r>
-            <a:r>
-              <a:rPr lang="ko-KR" altLang="en-US" sz="1600" dirty="0"/>
-              <a:t>때</a:t>
-            </a:r>
-            <a:r>
-              <a:rPr lang="en-US" altLang="ko-KR" sz="1600" dirty="0"/>
-              <a:t>(background-color: </a:t>
-            </a:r>
-            <a:r>
-              <a:rPr lang="ko-KR" altLang="en-US" sz="1600" dirty="0" smtClean="0"/>
-              <a:t>흰</a:t>
-            </a:r>
-            <a:r>
-              <a:rPr lang="ko-KR" altLang="en-US" sz="1600" dirty="0"/>
-              <a:t>색</a:t>
-            </a:r>
-            <a:r>
-              <a:rPr lang="en-US" altLang="ko-KR" sz="1600" dirty="0" smtClean="0"/>
-              <a:t> </a:t>
-            </a:r>
-            <a:r>
-              <a:rPr lang="en-US" altLang="ko-KR" sz="1600" dirty="0"/>
-              <a:t>-&gt; </a:t>
-            </a:r>
-            <a:r>
-              <a:rPr lang="ko-KR" altLang="en-US" sz="1600" dirty="0" smtClean="0"/>
-              <a:t>투명</a:t>
-            </a:r>
-            <a:r>
-              <a:rPr lang="en-US" altLang="ko-KR" sz="1600" dirty="0" smtClean="0"/>
-              <a:t>)</a:t>
-            </a:r>
-          </a:p>
-          <a:p>
-            <a:endParaRPr lang="en-US" altLang="ko-KR" sz="1600" dirty="0"/>
-          </a:p>
-          <a:p>
-            <a:r>
-              <a:rPr lang="ko-KR" altLang="en-US" sz="1600" dirty="0" smtClean="0"/>
-              <a:t>세부 메뉴 </a:t>
-            </a:r>
-            <a:r>
-              <a:rPr lang="en-US" altLang="ko-KR" sz="1600" dirty="0" smtClean="0"/>
-              <a:t>&lt;li&gt;</a:t>
-            </a:r>
-            <a:r>
-              <a:rPr lang="ko-KR" altLang="en-US" sz="1600" dirty="0" smtClean="0"/>
-              <a:t>각각에도 설정하여 마우스 </a:t>
-            </a:r>
-            <a:r>
-              <a:rPr lang="ko-KR" altLang="en-US" sz="1600" dirty="0" err="1" smtClean="0"/>
-              <a:t>위치시</a:t>
-            </a:r>
-            <a:r>
-              <a:rPr lang="ko-KR" altLang="en-US" sz="1600" dirty="0" smtClean="0"/>
-              <a:t> 주황색으로 </a:t>
-            </a:r>
-            <a:r>
-              <a:rPr lang="ko-KR" altLang="en-US" sz="1600" dirty="0" err="1" smtClean="0"/>
-              <a:t>글자색</a:t>
-            </a:r>
-            <a:r>
-              <a:rPr lang="ko-KR" altLang="en-US" sz="1600" dirty="0" smtClean="0"/>
-              <a:t> 변하도록</a:t>
-            </a:r>
-            <a:endParaRPr lang="ko-KR" altLang="en-US" sz="1600" dirty="0"/>
+            <a:endParaRPr lang="ko-KR" altLang="en-US" sz="3200" b="1" dirty="0"/>
+          </a:p>
+        </p:txBody>
+      </p:sp>
+      <p:sp>
+        <p:nvSpPr>
+          <p:cNvPr id="14" name="TextBox 13">
+            <a:extLst>
+              <a:ext uri="{FF2B5EF4-FFF2-40B4-BE49-F238E27FC236}">
+                <a16:creationId xmlns:a16="http://schemas.microsoft.com/office/drawing/2014/main" id="{07E281A5-FE2E-4CE2-B5DE-312C1255B303}"/>
+              </a:ext>
+            </a:extLst>
+          </p:cNvPr>
+          <p:cNvSpPr txBox="1"/>
+          <p:nvPr/>
+        </p:nvSpPr>
+        <p:spPr>
+          <a:xfrm>
+            <a:off x="364489" y="1052736"/>
+            <a:ext cx="4063495" cy="2554545"/>
+          </a:xfrm>
+          <a:prstGeom prst="rect">
+            <a:avLst/>
+          </a:prstGeom>
+          <a:noFill/>
+        </p:spPr>
+        <p:txBody>
+          <a:bodyPr wrap="square" rtlCol="0">
+            <a:spAutoFit/>
+          </a:bodyPr>
+          <a:lstStyle/>
+          <a:p>
+            <a:r>
+              <a:rPr lang="en-US" altLang="ko-KR" sz="2000" b="1" dirty="0"/>
+              <a:t>&lt;div class=“parent”&gt;</a:t>
+            </a:r>
+          </a:p>
+          <a:p>
+            <a:r>
+              <a:rPr lang="en-US" altLang="ko-KR" sz="2000" b="1" dirty="0"/>
+              <a:t>  &lt;video&gt; &lt;/video&gt;</a:t>
+            </a:r>
+          </a:p>
+          <a:p>
+            <a:r>
+              <a:rPr lang="en-US" altLang="ko-KR" sz="2000" b="1" dirty="0"/>
+              <a:t>  &lt;div class=“widget”&gt;&lt;/div&gt;</a:t>
+            </a:r>
+          </a:p>
+          <a:p>
+            <a:r>
+              <a:rPr lang="en-US" altLang="ko-KR" sz="2000" b="1" dirty="0"/>
+              <a:t>  &lt;div class=“</a:t>
+            </a:r>
+            <a:r>
+              <a:rPr lang="en-US" altLang="ko-KR" sz="2000" b="1" dirty="0" err="1"/>
+              <a:t>navi</a:t>
+            </a:r>
+            <a:r>
+              <a:rPr lang="en-US" altLang="ko-KR" sz="2000" b="1" dirty="0"/>
+              <a:t>”&gt;&lt;/div&gt;</a:t>
+            </a:r>
+          </a:p>
+          <a:p>
+            <a:r>
+              <a:rPr lang="en-US" altLang="ko-KR" sz="2000" b="1" dirty="0"/>
+              <a:t>&lt;/div&gt;</a:t>
+            </a:r>
+          </a:p>
+          <a:p>
+            <a:r>
+              <a:rPr lang="ko-KR" altLang="en-US" sz="2000" b="1" dirty="0"/>
+              <a:t>      아래로 쌓임</a:t>
+            </a:r>
+            <a:r>
+              <a:rPr lang="en-US" altLang="ko-KR" sz="2000" b="1" dirty="0"/>
+              <a:t>..</a:t>
+            </a:r>
+          </a:p>
+          <a:p>
+            <a:endParaRPr lang="en-US" altLang="ko-KR" sz="2000" b="1" dirty="0"/>
+          </a:p>
+          <a:p>
+            <a:endParaRPr lang="ko-KR" altLang="en-US" sz="2000" b="1" dirty="0"/>
+          </a:p>
+        </p:txBody>
+      </p:sp>
+      <p:pic>
+        <p:nvPicPr>
+          <p:cNvPr id="3" name="그림 2">
+            <a:extLst>
+              <a:ext uri="{FF2B5EF4-FFF2-40B4-BE49-F238E27FC236}">
+                <a16:creationId xmlns:a16="http://schemas.microsoft.com/office/drawing/2014/main" id="{1F92FA2D-E502-4F24-B229-E9A4F7DDFEB7}"/>
+              </a:ext>
+            </a:extLst>
+          </p:cNvPr>
+          <p:cNvPicPr>
+            <a:picLocks noChangeAspect="1"/>
+          </p:cNvPicPr>
+          <p:nvPr/>
+        </p:nvPicPr>
+        <p:blipFill>
+          <a:blip r:embed="rId2">
+            <a:extLst>
+              <a:ext uri="{28A0092B-C50C-407E-A947-70E740481C1C}">
+                <a14:useLocalDpi xmlns:a14="http://schemas.microsoft.com/office/drawing/2010/main" val="0"/>
+              </a:ext>
+            </a:extLst>
+          </a:blip>
+          <a:stretch>
+            <a:fillRect/>
+          </a:stretch>
+        </p:blipFill>
+        <p:spPr>
+          <a:xfrm>
+            <a:off x="450866" y="3439131"/>
+            <a:ext cx="3581400" cy="2848877"/>
+          </a:xfrm>
+          <a:prstGeom prst="rect">
+            <a:avLst/>
+          </a:prstGeom>
+        </p:spPr>
+      </p:pic>
+      <p:sp>
+        <p:nvSpPr>
+          <p:cNvPr id="4" name="직사각형 3">
+            <a:extLst>
+              <a:ext uri="{FF2B5EF4-FFF2-40B4-BE49-F238E27FC236}">
+                <a16:creationId xmlns:a16="http://schemas.microsoft.com/office/drawing/2014/main" id="{9BE9E7EF-C9C5-4BCA-92BE-C4ABCF4DFF21}"/>
+              </a:ext>
+            </a:extLst>
+          </p:cNvPr>
+          <p:cNvSpPr/>
+          <p:nvPr/>
+        </p:nvSpPr>
+        <p:spPr>
+          <a:xfrm>
+            <a:off x="827584" y="3933056"/>
+            <a:ext cx="1872208" cy="273511"/>
+          </a:xfrm>
+          <a:prstGeom prst="rect">
+            <a:avLst/>
+          </a:prstGeom>
+          <a:noFill/>
+          <a:ln>
+            <a:solidFill>
+              <a:srgbClr val="FF0000"/>
+            </a:solidFill>
+          </a:ln>
+        </p:spPr>
+        <p:style>
+          <a:lnRef idx="2">
+            <a:schemeClr val="accent1">
+              <a:shade val="50000"/>
+            </a:schemeClr>
+          </a:lnRef>
+          <a:fillRef idx="1">
+            <a:schemeClr val="accent1"/>
+          </a:fillRef>
+          <a:effectRef idx="0">
+            <a:schemeClr val="accent1"/>
+          </a:effectRef>
+          <a:fontRef idx="minor">
+            <a:schemeClr val="lt1"/>
+          </a:fontRef>
+        </p:style>
+        <p:txBody>
+          <a:bodyPr rtlCol="0" anchor="ctr"/>
+          <a:lstStyle/>
+          <a:p>
+            <a:pPr algn="ctr"/>
+            <a:endParaRPr lang="ko-KR" altLang="en-US"/>
+          </a:p>
+        </p:txBody>
+      </p:sp>
+      <p:sp>
+        <p:nvSpPr>
+          <p:cNvPr id="8" name="TextBox 7">
+            <a:extLst>
+              <a:ext uri="{FF2B5EF4-FFF2-40B4-BE49-F238E27FC236}">
+                <a16:creationId xmlns:a16="http://schemas.microsoft.com/office/drawing/2014/main" id="{973114C0-CB8C-49BE-BC14-1ED455151F7F}"/>
+              </a:ext>
+            </a:extLst>
+          </p:cNvPr>
+          <p:cNvSpPr txBox="1"/>
+          <p:nvPr/>
+        </p:nvSpPr>
+        <p:spPr>
+          <a:xfrm>
+            <a:off x="4572001" y="980728"/>
+            <a:ext cx="3888432" cy="1015663"/>
+          </a:xfrm>
+          <a:prstGeom prst="rect">
+            <a:avLst/>
+          </a:prstGeom>
+          <a:noFill/>
+        </p:spPr>
+        <p:txBody>
+          <a:bodyPr wrap="square" rtlCol="0">
+            <a:spAutoFit/>
+          </a:bodyPr>
+          <a:lstStyle/>
+          <a:p>
+            <a:r>
+              <a:rPr lang="ko-KR" altLang="en-US" sz="2000" b="1" dirty="0"/>
+              <a:t>요소의 </a:t>
+            </a:r>
+            <a:r>
+              <a:rPr lang="en-US" altLang="ko-KR" sz="2000" b="1" dirty="0"/>
+              <a:t>z</a:t>
+            </a:r>
+            <a:r>
+              <a:rPr lang="ko-KR" altLang="en-US" sz="2000" b="1" dirty="0" err="1"/>
+              <a:t>축이변함</a:t>
+            </a:r>
+            <a:endParaRPr lang="en-US" altLang="ko-KR" sz="2000" b="1" dirty="0"/>
+          </a:p>
+          <a:p>
+            <a:r>
+              <a:rPr lang="en-US" altLang="ko-KR" sz="2000" b="1" dirty="0">
+                <a:sym typeface="Wingdings" panose="05000000000000000000" pitchFamily="2" charset="2"/>
+              </a:rPr>
+              <a:t></a:t>
+            </a:r>
+            <a:r>
+              <a:rPr lang="ko-KR" altLang="en-US" sz="2000" b="1" dirty="0">
+                <a:sym typeface="Wingdings" panose="05000000000000000000" pitchFamily="2" charset="2"/>
+              </a:rPr>
+              <a:t>부모 요소 내에서 자유롭게 이동</a:t>
+            </a:r>
+            <a:r>
+              <a:rPr lang="en-US" altLang="ko-KR" sz="2000" b="1" dirty="0">
+                <a:sym typeface="Wingdings" panose="05000000000000000000" pitchFamily="2" charset="2"/>
+              </a:rPr>
+              <a:t>.</a:t>
+            </a:r>
+            <a:endParaRPr lang="ko-KR" altLang="en-US" sz="2000" b="1" dirty="0"/>
+          </a:p>
+        </p:txBody>
+      </p:sp>
+      <p:sp>
+        <p:nvSpPr>
+          <p:cNvPr id="9" name="TextBox 8">
+            <a:extLst>
+              <a:ext uri="{FF2B5EF4-FFF2-40B4-BE49-F238E27FC236}">
+                <a16:creationId xmlns:a16="http://schemas.microsoft.com/office/drawing/2014/main" id="{C4FC6407-3243-4B7D-B982-C802939B666A}"/>
+              </a:ext>
+            </a:extLst>
+          </p:cNvPr>
+          <p:cNvSpPr txBox="1"/>
+          <p:nvPr/>
+        </p:nvSpPr>
+        <p:spPr>
+          <a:xfrm>
+            <a:off x="4644008" y="2492896"/>
+            <a:ext cx="3888432" cy="584775"/>
+          </a:xfrm>
+          <a:prstGeom prst="rect">
+            <a:avLst/>
+          </a:prstGeom>
+          <a:noFill/>
+        </p:spPr>
+        <p:txBody>
+          <a:bodyPr wrap="square" rtlCol="0">
+            <a:spAutoFit/>
+          </a:bodyPr>
+          <a:lstStyle/>
+          <a:p>
+            <a:r>
+              <a:rPr lang="en-US" altLang="ko-KR" sz="3200" b="1" dirty="0"/>
+              <a:t>&lt;video&gt;&lt;/video&gt;</a:t>
+            </a:r>
+            <a:endParaRPr lang="en-US" altLang="ko-KR" sz="2000" b="1" dirty="0"/>
+          </a:p>
+        </p:txBody>
+      </p:sp>
+      <p:sp>
+        <p:nvSpPr>
+          <p:cNvPr id="12" name="TextBox 11">
+            <a:extLst>
+              <a:ext uri="{FF2B5EF4-FFF2-40B4-BE49-F238E27FC236}">
+                <a16:creationId xmlns:a16="http://schemas.microsoft.com/office/drawing/2014/main" id="{B14112A4-D786-4E42-AC71-C12378233452}"/>
+              </a:ext>
+            </a:extLst>
+          </p:cNvPr>
+          <p:cNvSpPr txBox="1"/>
+          <p:nvPr/>
+        </p:nvSpPr>
+        <p:spPr>
+          <a:xfrm>
+            <a:off x="4796408" y="2645296"/>
+            <a:ext cx="4240088" cy="584775"/>
+          </a:xfrm>
+          <a:prstGeom prst="rect">
+            <a:avLst/>
+          </a:prstGeom>
+          <a:noFill/>
+        </p:spPr>
+        <p:txBody>
+          <a:bodyPr wrap="square" rtlCol="0">
+            <a:spAutoFit/>
+          </a:bodyPr>
+          <a:lstStyle/>
+          <a:p>
+            <a:r>
+              <a:rPr lang="en-US" altLang="ko-KR" sz="3200" b="1" dirty="0"/>
+              <a:t>&lt;widget&gt;&lt;/widget&gt;</a:t>
+            </a:r>
+            <a:endParaRPr lang="en-US" altLang="ko-KR" sz="2000" b="1" dirty="0"/>
+          </a:p>
+        </p:txBody>
+      </p:sp>
+      <p:sp>
+        <p:nvSpPr>
+          <p:cNvPr id="13" name="TextBox 12">
+            <a:extLst>
+              <a:ext uri="{FF2B5EF4-FFF2-40B4-BE49-F238E27FC236}">
+                <a16:creationId xmlns:a16="http://schemas.microsoft.com/office/drawing/2014/main" id="{8427E105-6A8E-45D9-BE6C-A98E002E72FF}"/>
+              </a:ext>
+            </a:extLst>
+          </p:cNvPr>
+          <p:cNvSpPr txBox="1"/>
+          <p:nvPr/>
+        </p:nvSpPr>
+        <p:spPr>
+          <a:xfrm>
+            <a:off x="4948808" y="2797696"/>
+            <a:ext cx="4240088" cy="584775"/>
+          </a:xfrm>
+          <a:prstGeom prst="rect">
+            <a:avLst/>
+          </a:prstGeom>
+          <a:noFill/>
+        </p:spPr>
+        <p:txBody>
+          <a:bodyPr wrap="square" rtlCol="0">
+            <a:spAutoFit/>
+          </a:bodyPr>
+          <a:lstStyle/>
+          <a:p>
+            <a:r>
+              <a:rPr lang="en-US" altLang="ko-KR" sz="3200" b="1" dirty="0"/>
+              <a:t>&lt;</a:t>
+            </a:r>
+            <a:r>
+              <a:rPr lang="en-US" altLang="ko-KR" sz="3200" b="1" dirty="0" err="1"/>
+              <a:t>navi</a:t>
+            </a:r>
+            <a:r>
+              <a:rPr lang="en-US" altLang="ko-KR" sz="3200" b="1" dirty="0"/>
+              <a:t>&gt;&lt;/</a:t>
+            </a:r>
+            <a:r>
+              <a:rPr lang="en-US" altLang="ko-KR" sz="3200" b="1" dirty="0" err="1"/>
+              <a:t>navi</a:t>
+            </a:r>
+            <a:r>
+              <a:rPr lang="en-US" altLang="ko-KR" sz="3200" b="1" dirty="0"/>
+              <a:t>&gt;</a:t>
+            </a:r>
+            <a:endParaRPr lang="en-US" altLang="ko-KR" sz="2000" b="1" dirty="0"/>
+          </a:p>
+        </p:txBody>
+      </p:sp>
+      <p:sp>
+        <p:nvSpPr>
+          <p:cNvPr id="15" name="TextBox 14">
+            <a:extLst>
+              <a:ext uri="{FF2B5EF4-FFF2-40B4-BE49-F238E27FC236}">
+                <a16:creationId xmlns:a16="http://schemas.microsoft.com/office/drawing/2014/main" id="{D637CFB7-ACBC-43D8-996D-002ECAF10759}"/>
+              </a:ext>
+            </a:extLst>
+          </p:cNvPr>
+          <p:cNvSpPr txBox="1"/>
+          <p:nvPr/>
+        </p:nvSpPr>
+        <p:spPr>
+          <a:xfrm>
+            <a:off x="4724401" y="3637473"/>
+            <a:ext cx="3888432" cy="1015663"/>
+          </a:xfrm>
+          <a:prstGeom prst="rect">
+            <a:avLst/>
+          </a:prstGeom>
+          <a:noFill/>
+        </p:spPr>
+        <p:txBody>
+          <a:bodyPr wrap="square" rtlCol="0">
+            <a:spAutoFit/>
+          </a:bodyPr>
+          <a:lstStyle/>
+          <a:p>
+            <a:r>
+              <a:rPr lang="en-US" altLang="ko-KR" sz="2000" b="1" dirty="0"/>
+              <a:t>Z-index</a:t>
+            </a:r>
+            <a:r>
+              <a:rPr lang="ko-KR" altLang="en-US" sz="2000" b="1" dirty="0"/>
+              <a:t>속성을 조정하여</a:t>
+            </a:r>
+            <a:endParaRPr lang="en-US" altLang="ko-KR" sz="2000" b="1" dirty="0"/>
+          </a:p>
+          <a:p>
+            <a:r>
+              <a:rPr lang="ko-KR" altLang="en-US" sz="2000" b="1" dirty="0"/>
+              <a:t>위에 오는 요소를 선택 가능</a:t>
+            </a:r>
+            <a:endParaRPr lang="en-US" altLang="ko-KR" sz="2000" b="1" dirty="0"/>
+          </a:p>
+          <a:p>
+            <a:r>
+              <a:rPr lang="ko-KR" altLang="en-US" sz="2000" b="1" dirty="0"/>
+              <a:t>크면 위에 옴</a:t>
+            </a:r>
+            <a:r>
+              <a:rPr lang="en-US" altLang="ko-KR" sz="2000" b="1" dirty="0"/>
+              <a:t>.</a:t>
+            </a:r>
+            <a:endParaRPr lang="ko-KR" altLang="en-US" sz="2000" b="1" dirty="0"/>
           </a:p>
         </p:txBody>
       </p:sp>
     </p:spTree>
     <p:extLst>
       <p:ext uri="{BB962C8B-B14F-4D97-AF65-F5344CB8AC3E}">
-        <p14:creationId xmlns:p14="http://schemas.microsoft.com/office/powerpoint/2010/main" val="1691350354"/>
+        <p14:creationId xmlns:p14="http://schemas.microsoft.com/office/powerpoint/2010/main" val="3670841216"/>
       </p:ext>
     </p:extLst>
   </p:cSld>
   <p:clrMapOvr>
     <a:masterClrMapping/>
   </p:clrMapOvr>
-  <p:timing>
-    <p:tnLst>
-      <p:par>
-        <p:cTn id="1" dur="indefinite" restart="never" nodeType="tmRoot"/>
-      </p:par>
-    </p:tnLst>
-  </p:timing>
 </p:sld>
 </file>
 

--- a/gr2_lhj/메인화면_일반회원 관리.pptx
+++ b/gr2_lhj/메인화면_일반회원 관리.pptx
@@ -8,8 +8,6 @@
     <p:sldId id="256" r:id="rId2"/>
     <p:sldId id="257" r:id="rId3"/>
     <p:sldId id="258" r:id="rId4"/>
-    <p:sldId id="259" r:id="rId5"/>
-    <p:sldId id="260" r:id="rId6"/>
   </p:sldIdLst>
   <p:sldSz cx="9144000" cy="6858000" type="screen4x3"/>
   <p:notesSz cx="6858000" cy="9144000"/>
@@ -108,22 +106,6 @@
       </a:defRPr>
     </a:lvl9pPr>
   </p:defaultTextStyle>
-  <p:extLst>
-    <p:ext uri="{EFAFB233-063F-42B5-8137-9DF3F51BA10A}">
-      <p15:sldGuideLst xmlns:p15="http://schemas.microsoft.com/office/powerpoint/2012/main">
-        <p15:guide id="1" orient="horz" pos="2160">
-          <p15:clr>
-            <a:srgbClr val="A4A3A4"/>
-          </p15:clr>
-        </p15:guide>
-        <p15:guide id="2" pos="2880">
-          <p15:clr>
-            <a:srgbClr val="A4A3A4"/>
-          </p15:clr>
-        </p15:guide>
-      </p15:sldGuideLst>
-    </p:ext>
-  </p:extLst>
 </p:presentation>
 </file>
 
@@ -165,9 +147,10 @@
           <a:lstStyle/>
           <a:p>
             <a:r>
-              <a:rPr lang="ko-KR" altLang="en-US"/>
+              <a:rPr lang="ko-KR" altLang="en-US" smtClean="0"/>
               <a:t>마스터 제목 스타일 편집</a:t>
             </a:r>
+            <a:endParaRPr lang="ko-KR" altLang="en-US"/>
           </a:p>
         </p:txBody>
       </p:sp>
@@ -283,9 +266,10 @@
           </a:lstStyle>
           <a:p>
             <a:r>
-              <a:rPr lang="ko-KR" altLang="en-US"/>
+              <a:rPr lang="ko-KR" altLang="en-US" smtClean="0"/>
               <a:t>마스터 부제목 스타일 편집</a:t>
             </a:r>
+            <a:endParaRPr lang="ko-KR" altLang="en-US"/>
           </a:p>
         </p:txBody>
       </p:sp>
@@ -395,9 +379,10 @@
           <a:lstStyle/>
           <a:p>
             <a:r>
-              <a:rPr lang="ko-KR" altLang="en-US"/>
+              <a:rPr lang="ko-KR" altLang="en-US" smtClean="0"/>
               <a:t>마스터 제목 스타일 편집</a:t>
             </a:r>
+            <a:endParaRPr lang="ko-KR" altLang="en-US"/>
           </a:p>
         </p:txBody>
       </p:sp>
@@ -418,37 +403,38 @@
           <a:p>
             <a:pPr lvl="0"/>
             <a:r>
-              <a:rPr lang="ko-KR" altLang="en-US"/>
+              <a:rPr lang="ko-KR" altLang="en-US" smtClean="0"/>
               <a:t>마스터 텍스트 스타일을 편집합니다</a:t>
             </a:r>
           </a:p>
           <a:p>
             <a:pPr lvl="1"/>
             <a:r>
-              <a:rPr lang="ko-KR" altLang="en-US"/>
+              <a:rPr lang="ko-KR" altLang="en-US" smtClean="0"/>
               <a:t>둘째 수준</a:t>
             </a:r>
           </a:p>
           <a:p>
             <a:pPr lvl="2"/>
             <a:r>
-              <a:rPr lang="ko-KR" altLang="en-US"/>
+              <a:rPr lang="ko-KR" altLang="en-US" smtClean="0"/>
               <a:t>셋째 수준</a:t>
             </a:r>
           </a:p>
           <a:p>
             <a:pPr lvl="3"/>
             <a:r>
-              <a:rPr lang="ko-KR" altLang="en-US"/>
+              <a:rPr lang="ko-KR" altLang="en-US" smtClean="0"/>
               <a:t>넷째 수준</a:t>
             </a:r>
           </a:p>
           <a:p>
             <a:pPr lvl="4"/>
             <a:r>
-              <a:rPr lang="ko-KR" altLang="en-US"/>
+              <a:rPr lang="ko-KR" altLang="en-US" smtClean="0"/>
               <a:t>다섯째 수준</a:t>
             </a:r>
+            <a:endParaRPr lang="ko-KR" altLang="en-US"/>
           </a:p>
         </p:txBody>
       </p:sp>
@@ -563,9 +549,10 @@
           <a:lstStyle/>
           <a:p>
             <a:r>
-              <a:rPr lang="ko-KR" altLang="en-US"/>
+              <a:rPr lang="ko-KR" altLang="en-US" smtClean="0"/>
               <a:t>마스터 제목 스타일 편집</a:t>
             </a:r>
+            <a:endParaRPr lang="ko-KR" altLang="en-US"/>
           </a:p>
         </p:txBody>
       </p:sp>
@@ -591,37 +578,38 @@
           <a:p>
             <a:pPr lvl="0"/>
             <a:r>
-              <a:rPr lang="ko-KR" altLang="en-US"/>
+              <a:rPr lang="ko-KR" altLang="en-US" smtClean="0"/>
               <a:t>마스터 텍스트 스타일을 편집합니다</a:t>
             </a:r>
           </a:p>
           <a:p>
             <a:pPr lvl="1"/>
             <a:r>
-              <a:rPr lang="ko-KR" altLang="en-US"/>
+              <a:rPr lang="ko-KR" altLang="en-US" smtClean="0"/>
               <a:t>둘째 수준</a:t>
             </a:r>
           </a:p>
           <a:p>
             <a:pPr lvl="2"/>
             <a:r>
-              <a:rPr lang="ko-KR" altLang="en-US"/>
+              <a:rPr lang="ko-KR" altLang="en-US" smtClean="0"/>
               <a:t>셋째 수준</a:t>
             </a:r>
           </a:p>
           <a:p>
             <a:pPr lvl="3"/>
             <a:r>
-              <a:rPr lang="ko-KR" altLang="en-US"/>
+              <a:rPr lang="ko-KR" altLang="en-US" smtClean="0"/>
               <a:t>넷째 수준</a:t>
             </a:r>
           </a:p>
           <a:p>
             <a:pPr lvl="4"/>
             <a:r>
-              <a:rPr lang="ko-KR" altLang="en-US"/>
+              <a:rPr lang="ko-KR" altLang="en-US" smtClean="0"/>
               <a:t>다섯째 수준</a:t>
             </a:r>
+            <a:endParaRPr lang="ko-KR" altLang="en-US"/>
           </a:p>
         </p:txBody>
       </p:sp>
@@ -731,9 +719,10 @@
           <a:lstStyle/>
           <a:p>
             <a:r>
-              <a:rPr lang="ko-KR" altLang="en-US"/>
+              <a:rPr lang="ko-KR" altLang="en-US" smtClean="0"/>
               <a:t>마스터 제목 스타일 편집</a:t>
             </a:r>
+            <a:endParaRPr lang="ko-KR" altLang="en-US"/>
           </a:p>
         </p:txBody>
       </p:sp>
@@ -754,37 +743,38 @@
           <a:p>
             <a:pPr lvl="0"/>
             <a:r>
-              <a:rPr lang="ko-KR" altLang="en-US"/>
+              <a:rPr lang="ko-KR" altLang="en-US" smtClean="0"/>
               <a:t>마스터 텍스트 스타일을 편집합니다</a:t>
             </a:r>
           </a:p>
           <a:p>
             <a:pPr lvl="1"/>
             <a:r>
-              <a:rPr lang="ko-KR" altLang="en-US"/>
+              <a:rPr lang="ko-KR" altLang="en-US" smtClean="0"/>
               <a:t>둘째 수준</a:t>
             </a:r>
           </a:p>
           <a:p>
             <a:pPr lvl="2"/>
             <a:r>
-              <a:rPr lang="ko-KR" altLang="en-US"/>
+              <a:rPr lang="ko-KR" altLang="en-US" smtClean="0"/>
               <a:t>셋째 수준</a:t>
             </a:r>
           </a:p>
           <a:p>
             <a:pPr lvl="3"/>
             <a:r>
-              <a:rPr lang="ko-KR" altLang="en-US"/>
+              <a:rPr lang="ko-KR" altLang="en-US" smtClean="0"/>
               <a:t>넷째 수준</a:t>
             </a:r>
           </a:p>
           <a:p>
             <a:pPr lvl="4"/>
             <a:r>
-              <a:rPr lang="ko-KR" altLang="en-US"/>
+              <a:rPr lang="ko-KR" altLang="en-US" smtClean="0"/>
               <a:t>다섯째 수준</a:t>
             </a:r>
+            <a:endParaRPr lang="ko-KR" altLang="en-US"/>
           </a:p>
         </p:txBody>
       </p:sp>
@@ -903,9 +893,10 @@
           </a:lstStyle>
           <a:p>
             <a:r>
-              <a:rPr lang="ko-KR" altLang="en-US"/>
+              <a:rPr lang="ko-KR" altLang="en-US" smtClean="0"/>
               <a:t>마스터 제목 스타일 편집</a:t>
             </a:r>
+            <a:endParaRPr lang="ko-KR" altLang="en-US"/>
           </a:p>
         </p:txBody>
       </p:sp>
@@ -1022,7 +1013,7 @@
           <a:p>
             <a:pPr lvl="0"/>
             <a:r>
-              <a:rPr lang="ko-KR" altLang="en-US"/>
+              <a:rPr lang="ko-KR" altLang="en-US" smtClean="0"/>
               <a:t>마스터 텍스트 스타일을 편집합니다</a:t>
             </a:r>
           </a:p>
@@ -1134,9 +1125,10 @@
           <a:lstStyle/>
           <a:p>
             <a:r>
-              <a:rPr lang="ko-KR" altLang="en-US"/>
+              <a:rPr lang="ko-KR" altLang="en-US" smtClean="0"/>
               <a:t>마스터 제목 스타일 편집</a:t>
             </a:r>
+            <a:endParaRPr lang="ko-KR" altLang="en-US"/>
           </a:p>
         </p:txBody>
       </p:sp>
@@ -1190,37 +1182,38 @@
           <a:p>
             <a:pPr lvl="0"/>
             <a:r>
-              <a:rPr lang="ko-KR" altLang="en-US"/>
+              <a:rPr lang="ko-KR" altLang="en-US" smtClean="0"/>
               <a:t>마스터 텍스트 스타일을 편집합니다</a:t>
             </a:r>
           </a:p>
           <a:p>
             <a:pPr lvl="1"/>
             <a:r>
-              <a:rPr lang="ko-KR" altLang="en-US"/>
+              <a:rPr lang="ko-KR" altLang="en-US" smtClean="0"/>
               <a:t>둘째 수준</a:t>
             </a:r>
           </a:p>
           <a:p>
             <a:pPr lvl="2"/>
             <a:r>
-              <a:rPr lang="ko-KR" altLang="en-US"/>
+              <a:rPr lang="ko-KR" altLang="en-US" smtClean="0"/>
               <a:t>셋째 수준</a:t>
             </a:r>
           </a:p>
           <a:p>
             <a:pPr lvl="3"/>
             <a:r>
-              <a:rPr lang="ko-KR" altLang="en-US"/>
+              <a:rPr lang="ko-KR" altLang="en-US" smtClean="0"/>
               <a:t>넷째 수준</a:t>
             </a:r>
           </a:p>
           <a:p>
             <a:pPr lvl="4"/>
             <a:r>
-              <a:rPr lang="ko-KR" altLang="en-US"/>
+              <a:rPr lang="ko-KR" altLang="en-US" smtClean="0"/>
               <a:t>다섯째 수준</a:t>
             </a:r>
+            <a:endParaRPr lang="ko-KR" altLang="en-US"/>
           </a:p>
         </p:txBody>
       </p:sp>
@@ -1274,37 +1267,38 @@
           <a:p>
             <a:pPr lvl="0"/>
             <a:r>
-              <a:rPr lang="ko-KR" altLang="en-US"/>
+              <a:rPr lang="ko-KR" altLang="en-US" smtClean="0"/>
               <a:t>마스터 텍스트 스타일을 편집합니다</a:t>
             </a:r>
           </a:p>
           <a:p>
             <a:pPr lvl="1"/>
             <a:r>
-              <a:rPr lang="ko-KR" altLang="en-US"/>
+              <a:rPr lang="ko-KR" altLang="en-US" smtClean="0"/>
               <a:t>둘째 수준</a:t>
             </a:r>
           </a:p>
           <a:p>
             <a:pPr lvl="2"/>
             <a:r>
-              <a:rPr lang="ko-KR" altLang="en-US"/>
+              <a:rPr lang="ko-KR" altLang="en-US" smtClean="0"/>
               <a:t>셋째 수준</a:t>
             </a:r>
           </a:p>
           <a:p>
             <a:pPr lvl="3"/>
             <a:r>
-              <a:rPr lang="ko-KR" altLang="en-US"/>
+              <a:rPr lang="ko-KR" altLang="en-US" smtClean="0"/>
               <a:t>넷째 수준</a:t>
             </a:r>
           </a:p>
           <a:p>
             <a:pPr lvl="4"/>
             <a:r>
-              <a:rPr lang="ko-KR" altLang="en-US"/>
+              <a:rPr lang="ko-KR" altLang="en-US" smtClean="0"/>
               <a:t>다섯째 수준</a:t>
             </a:r>
+            <a:endParaRPr lang="ko-KR" altLang="en-US"/>
           </a:p>
         </p:txBody>
       </p:sp>
@@ -1418,9 +1412,10 @@
           </a:lstStyle>
           <a:p>
             <a:r>
-              <a:rPr lang="ko-KR" altLang="en-US"/>
+              <a:rPr lang="ko-KR" altLang="en-US" smtClean="0"/>
               <a:t>마스터 제목 스타일 편집</a:t>
             </a:r>
+            <a:endParaRPr lang="ko-KR" altLang="en-US"/>
           </a:p>
         </p:txBody>
       </p:sp>
@@ -1483,7 +1478,7 @@
           <a:p>
             <a:pPr lvl="0"/>
             <a:r>
-              <a:rPr lang="ko-KR" altLang="en-US"/>
+              <a:rPr lang="ko-KR" altLang="en-US" smtClean="0"/>
               <a:t>마스터 텍스트 스타일을 편집합니다</a:t>
             </a:r>
           </a:p>
@@ -1539,37 +1534,38 @@
           <a:p>
             <a:pPr lvl="0"/>
             <a:r>
-              <a:rPr lang="ko-KR" altLang="en-US"/>
+              <a:rPr lang="ko-KR" altLang="en-US" smtClean="0"/>
               <a:t>마스터 텍스트 스타일을 편집합니다</a:t>
             </a:r>
           </a:p>
           <a:p>
             <a:pPr lvl="1"/>
             <a:r>
-              <a:rPr lang="ko-KR" altLang="en-US"/>
+              <a:rPr lang="ko-KR" altLang="en-US" smtClean="0"/>
               <a:t>둘째 수준</a:t>
             </a:r>
           </a:p>
           <a:p>
             <a:pPr lvl="2"/>
             <a:r>
-              <a:rPr lang="ko-KR" altLang="en-US"/>
+              <a:rPr lang="ko-KR" altLang="en-US" smtClean="0"/>
               <a:t>셋째 수준</a:t>
             </a:r>
           </a:p>
           <a:p>
             <a:pPr lvl="3"/>
             <a:r>
-              <a:rPr lang="ko-KR" altLang="en-US"/>
+              <a:rPr lang="ko-KR" altLang="en-US" smtClean="0"/>
               <a:t>넷째 수준</a:t>
             </a:r>
           </a:p>
           <a:p>
             <a:pPr lvl="4"/>
             <a:r>
-              <a:rPr lang="ko-KR" altLang="en-US"/>
+              <a:rPr lang="ko-KR" altLang="en-US" smtClean="0"/>
               <a:t>다섯째 수준</a:t>
             </a:r>
+            <a:endParaRPr lang="ko-KR" altLang="en-US"/>
           </a:p>
         </p:txBody>
       </p:sp>
@@ -1632,7 +1628,7 @@
           <a:p>
             <a:pPr lvl="0"/>
             <a:r>
-              <a:rPr lang="ko-KR" altLang="en-US"/>
+              <a:rPr lang="ko-KR" altLang="en-US" smtClean="0"/>
               <a:t>마스터 텍스트 스타일을 편집합니다</a:t>
             </a:r>
           </a:p>
@@ -1688,37 +1684,38 @@
           <a:p>
             <a:pPr lvl="0"/>
             <a:r>
-              <a:rPr lang="ko-KR" altLang="en-US"/>
+              <a:rPr lang="ko-KR" altLang="en-US" smtClean="0"/>
               <a:t>마스터 텍스트 스타일을 편집합니다</a:t>
             </a:r>
           </a:p>
           <a:p>
             <a:pPr lvl="1"/>
             <a:r>
-              <a:rPr lang="ko-KR" altLang="en-US"/>
+              <a:rPr lang="ko-KR" altLang="en-US" smtClean="0"/>
               <a:t>둘째 수준</a:t>
             </a:r>
           </a:p>
           <a:p>
             <a:pPr lvl="2"/>
             <a:r>
-              <a:rPr lang="ko-KR" altLang="en-US"/>
+              <a:rPr lang="ko-KR" altLang="en-US" smtClean="0"/>
               <a:t>셋째 수준</a:t>
             </a:r>
           </a:p>
           <a:p>
             <a:pPr lvl="3"/>
             <a:r>
-              <a:rPr lang="ko-KR" altLang="en-US"/>
+              <a:rPr lang="ko-KR" altLang="en-US" smtClean="0"/>
               <a:t>넷째 수준</a:t>
             </a:r>
           </a:p>
           <a:p>
             <a:pPr lvl="4"/>
             <a:r>
-              <a:rPr lang="ko-KR" altLang="en-US"/>
+              <a:rPr lang="ko-KR" altLang="en-US" smtClean="0"/>
               <a:t>다섯째 수준</a:t>
             </a:r>
+            <a:endParaRPr lang="ko-KR" altLang="en-US"/>
           </a:p>
         </p:txBody>
       </p:sp>
@@ -1828,9 +1825,10 @@
           <a:lstStyle/>
           <a:p>
             <a:r>
-              <a:rPr lang="ko-KR" altLang="en-US"/>
+              <a:rPr lang="ko-KR" altLang="en-US" smtClean="0"/>
               <a:t>마스터 제목 스타일 편집</a:t>
             </a:r>
+            <a:endParaRPr lang="ko-KR" altLang="en-US"/>
           </a:p>
         </p:txBody>
       </p:sp>
@@ -2039,9 +2037,10 @@
           </a:lstStyle>
           <a:p>
             <a:r>
-              <a:rPr lang="ko-KR" altLang="en-US"/>
+              <a:rPr lang="ko-KR" altLang="en-US" smtClean="0"/>
               <a:t>마스터 제목 스타일 편집</a:t>
             </a:r>
+            <a:endParaRPr lang="ko-KR" altLang="en-US"/>
           </a:p>
         </p:txBody>
       </p:sp>
@@ -2095,37 +2094,38 @@
           <a:p>
             <a:pPr lvl="0"/>
             <a:r>
-              <a:rPr lang="ko-KR" altLang="en-US"/>
+              <a:rPr lang="ko-KR" altLang="en-US" smtClean="0"/>
               <a:t>마스터 텍스트 스타일을 편집합니다</a:t>
             </a:r>
           </a:p>
           <a:p>
             <a:pPr lvl="1"/>
             <a:r>
-              <a:rPr lang="ko-KR" altLang="en-US"/>
+              <a:rPr lang="ko-KR" altLang="en-US" smtClean="0"/>
               <a:t>둘째 수준</a:t>
             </a:r>
           </a:p>
           <a:p>
             <a:pPr lvl="2"/>
             <a:r>
-              <a:rPr lang="ko-KR" altLang="en-US"/>
+              <a:rPr lang="ko-KR" altLang="en-US" smtClean="0"/>
               <a:t>셋째 수준</a:t>
             </a:r>
           </a:p>
           <a:p>
             <a:pPr lvl="3"/>
             <a:r>
-              <a:rPr lang="ko-KR" altLang="en-US"/>
+              <a:rPr lang="ko-KR" altLang="en-US" smtClean="0"/>
               <a:t>넷째 수준</a:t>
             </a:r>
           </a:p>
           <a:p>
             <a:pPr lvl="4"/>
             <a:r>
-              <a:rPr lang="ko-KR" altLang="en-US"/>
+              <a:rPr lang="ko-KR" altLang="en-US" smtClean="0"/>
               <a:t>다섯째 수준</a:t>
             </a:r>
+            <a:endParaRPr lang="ko-KR" altLang="en-US"/>
           </a:p>
         </p:txBody>
       </p:sp>
@@ -2188,7 +2188,7 @@
           <a:p>
             <a:pPr lvl="0"/>
             <a:r>
-              <a:rPr lang="ko-KR" altLang="en-US"/>
+              <a:rPr lang="ko-KR" altLang="en-US" smtClean="0"/>
               <a:t>마스터 텍스트 스타일을 편집합니다</a:t>
             </a:r>
           </a:p>
@@ -2309,9 +2309,10 @@
           </a:lstStyle>
           <a:p>
             <a:r>
-              <a:rPr lang="ko-KR" altLang="en-US"/>
+              <a:rPr lang="ko-KR" altLang="en-US" smtClean="0"/>
               <a:t>마스터 제목 스타일 편집</a:t>
             </a:r>
+            <a:endParaRPr lang="ko-KR" altLang="en-US"/>
           </a:p>
         </p:txBody>
       </p:sp>
@@ -2435,7 +2436,7 @@
           <a:p>
             <a:pPr lvl="0"/>
             <a:r>
-              <a:rPr lang="ko-KR" altLang="en-US"/>
+              <a:rPr lang="ko-KR" altLang="en-US" smtClean="0"/>
               <a:t>마스터 텍스트 스타일을 편집합니다</a:t>
             </a:r>
           </a:p>
@@ -2562,9 +2563,10 @@
           <a:lstStyle/>
           <a:p>
             <a:r>
-              <a:rPr lang="ko-KR" altLang="en-US"/>
+              <a:rPr lang="ko-KR" altLang="en-US" smtClean="0"/>
               <a:t>마스터 제목 스타일 편집</a:t>
             </a:r>
+            <a:endParaRPr lang="ko-KR" altLang="en-US"/>
           </a:p>
         </p:txBody>
       </p:sp>
@@ -2595,37 +2597,38 @@
           <a:p>
             <a:pPr lvl="0"/>
             <a:r>
-              <a:rPr lang="ko-KR" altLang="en-US"/>
+              <a:rPr lang="ko-KR" altLang="en-US" smtClean="0"/>
               <a:t>마스터 텍스트 스타일을 편집합니다</a:t>
             </a:r>
           </a:p>
           <a:p>
             <a:pPr lvl="1"/>
             <a:r>
-              <a:rPr lang="ko-KR" altLang="en-US"/>
+              <a:rPr lang="ko-KR" altLang="en-US" smtClean="0"/>
               <a:t>둘째 수준</a:t>
             </a:r>
           </a:p>
           <a:p>
             <a:pPr lvl="2"/>
             <a:r>
-              <a:rPr lang="ko-KR" altLang="en-US"/>
+              <a:rPr lang="ko-KR" altLang="en-US" smtClean="0"/>
               <a:t>셋째 수준</a:t>
             </a:r>
           </a:p>
           <a:p>
             <a:pPr lvl="3"/>
             <a:r>
-              <a:rPr lang="ko-KR" altLang="en-US"/>
+              <a:rPr lang="ko-KR" altLang="en-US" smtClean="0"/>
               <a:t>넷째 수준</a:t>
             </a:r>
           </a:p>
           <a:p>
             <a:pPr lvl="4"/>
             <a:r>
-              <a:rPr lang="ko-KR" altLang="en-US"/>
+              <a:rPr lang="ko-KR" altLang="en-US" smtClean="0"/>
               <a:t>다섯째 수준</a:t>
             </a:r>
+            <a:endParaRPr lang="ko-KR" altLang="en-US"/>
           </a:p>
         </p:txBody>
       </p:sp>
@@ -3085,7 +3088,7 @@
           <p:cNvPr id="10" name="TextBox 9">
             <a:extLst>
               <a:ext uri="{FF2B5EF4-FFF2-40B4-BE49-F238E27FC236}">
-                <a16:creationId xmlns:a16="http://schemas.microsoft.com/office/drawing/2014/main" id="{A99AB9D3-C706-4670-8F19-553BC73F9C7B}"/>
+                <a16:creationId xmlns:a16="http://schemas.microsoft.com/office/drawing/2014/main" xmlns="" id="{A99AB9D3-C706-4670-8F19-553BC73F9C7B}"/>
               </a:ext>
             </a:extLst>
           </p:cNvPr>
@@ -3109,7 +3112,7 @@
           <a:lstStyle/>
           <a:p>
             <a:r>
-              <a:rPr lang="ko-KR" altLang="en-US" sz="3200" b="1" dirty="0" err="1"/>
+              <a:rPr lang="ko-KR" altLang="en-US" sz="3200" b="1" dirty="0" err="1" smtClean="0"/>
               <a:t>메인화면</a:t>
             </a:r>
             <a:endParaRPr lang="ko-KR" altLang="en-US" sz="3200" b="1" dirty="0"/>
@@ -3121,7 +3124,7 @@
           <p:cNvPr id="11" name="TextBox 10">
             <a:extLst>
               <a:ext uri="{FF2B5EF4-FFF2-40B4-BE49-F238E27FC236}">
-                <a16:creationId xmlns:a16="http://schemas.microsoft.com/office/drawing/2014/main" id="{A99AB9D3-C706-4670-8F19-553BC73F9C7B}"/>
+                <a16:creationId xmlns:a16="http://schemas.microsoft.com/office/drawing/2014/main" xmlns="" id="{A99AB9D3-C706-4670-8F19-553BC73F9C7B}"/>
               </a:ext>
             </a:extLst>
           </p:cNvPr>
@@ -3148,23 +3151,23 @@
               <a:buAutoNum type="arabicPeriod"/>
             </a:pPr>
             <a:r>
-              <a:rPr lang="ko-KR" altLang="en-US" b="1" dirty="0" err="1"/>
+              <a:rPr lang="ko-KR" altLang="en-US" b="1" dirty="0" err="1" smtClean="0"/>
               <a:t>네비게이션</a:t>
             </a:r>
             <a:r>
-              <a:rPr lang="ko-KR" altLang="en-US" b="1" dirty="0"/>
+              <a:rPr lang="ko-KR" altLang="en-US" b="1" dirty="0" smtClean="0"/>
               <a:t> 메뉴</a:t>
             </a:r>
             <a:r>
-              <a:rPr lang="en-US" altLang="ko-KR" b="1" dirty="0"/>
+              <a:rPr lang="en-US" altLang="ko-KR" b="1" dirty="0" smtClean="0"/>
               <a:t>(</a:t>
             </a:r>
             <a:r>
-              <a:rPr lang="ko-KR" altLang="en-US" b="1" dirty="0"/>
+              <a:rPr lang="ko-KR" altLang="en-US" b="1" dirty="0" smtClean="0"/>
               <a:t>애니메이션</a:t>
             </a:r>
             <a:r>
-              <a:rPr lang="en-US" altLang="ko-KR" b="1" dirty="0"/>
+              <a:rPr lang="en-US" altLang="ko-KR" b="1" dirty="0" smtClean="0"/>
               <a:t>)</a:t>
             </a:r>
           </a:p>
@@ -3179,27 +3182,31 @@
               <a:buAutoNum type="arabicPeriod"/>
             </a:pPr>
             <a:r>
-              <a:rPr lang="ko-KR" altLang="en-US" b="1" dirty="0" err="1"/>
-              <a:t>위젯화면</a:t>
-            </a:r>
-            <a:r>
-              <a:rPr lang="en-US" altLang="ko-KR" b="1" dirty="0"/>
+              <a:rPr lang="ko-KR" altLang="en-US" b="1" dirty="0" smtClean="0"/>
+              <a:t>내용화면</a:t>
+            </a:r>
+            <a:r>
+              <a:rPr lang="en-US" altLang="ko-KR" b="1" dirty="0" smtClean="0"/>
               <a:t>(</a:t>
             </a:r>
             <a:r>
-              <a:rPr lang="ko-KR" altLang="en-US" b="1" dirty="0"/>
+              <a:rPr lang="ko-KR" altLang="en-US" b="1" dirty="0" smtClean="0"/>
               <a:t>비디오</a:t>
             </a:r>
             <a:r>
-              <a:rPr lang="en-US" altLang="ko-KR" b="1" dirty="0"/>
+              <a:rPr lang="en-US" altLang="ko-KR" b="1" dirty="0" smtClean="0"/>
               <a:t>, </a:t>
             </a:r>
             <a:r>
-              <a:rPr lang="ko-KR" altLang="en-US" b="1" dirty="0"/>
+              <a:rPr lang="ko-KR" altLang="en-US" b="1" dirty="0" err="1" smtClean="0"/>
               <a:t>위젯</a:t>
             </a:r>
             <a:r>
-              <a:rPr lang="en-US" altLang="ko-KR" b="1" dirty="0"/>
+              <a:rPr lang="ko-KR" altLang="en-US" b="1" dirty="0" smtClean="0"/>
+              <a:t> 겹침</a:t>
+            </a:r>
+            <a:r>
+              <a:rPr lang="en-US" altLang="ko-KR" b="1" dirty="0" smtClean="0"/>
               <a:t>)</a:t>
             </a:r>
             <a:endParaRPr lang="ko-KR" altLang="en-US" b="1" dirty="0"/>
@@ -3216,6 +3223,13 @@
   <p:clrMapOvr>
     <a:masterClrMapping/>
   </p:clrMapOvr>
+  <p:timing>
+    <p:tnLst>
+      <p:par>
+        <p:cTn id="1" dur="indefinite" restart="never" nodeType="tmRoot"/>
+      </p:par>
+    </p:tnLst>
+  </p:timing>
 </p:sld>
 </file>
 
@@ -3241,7 +3255,7 @@
           <p:cNvPr id="10" name="TextBox 9">
             <a:extLst>
               <a:ext uri="{FF2B5EF4-FFF2-40B4-BE49-F238E27FC236}">
-                <a16:creationId xmlns:a16="http://schemas.microsoft.com/office/drawing/2014/main" id="{A99AB9D3-C706-4670-8F19-553BC73F9C7B}"/>
+                <a16:creationId xmlns:a16="http://schemas.microsoft.com/office/drawing/2014/main" xmlns="" id="{A99AB9D3-C706-4670-8F19-553BC73F9C7B}"/>
               </a:ext>
             </a:extLst>
           </p:cNvPr>
@@ -3265,23 +3279,23 @@
           <a:lstStyle/>
           <a:p>
             <a:r>
-              <a:rPr lang="ko-KR" altLang="en-US" sz="3200" b="1" dirty="0" err="1"/>
+              <a:rPr lang="ko-KR" altLang="en-US" sz="3200" b="1" dirty="0" err="1" smtClean="0"/>
               <a:t>메인화면</a:t>
             </a:r>
             <a:r>
-              <a:rPr lang="en-US" altLang="ko-KR" sz="3200" b="1" dirty="0"/>
+              <a:rPr lang="en-US" altLang="ko-KR" sz="3200" b="1" dirty="0" smtClean="0"/>
               <a:t>(</a:t>
             </a:r>
             <a:r>
-              <a:rPr lang="ko-KR" altLang="en-US" sz="3200" b="1" dirty="0" err="1"/>
+              <a:rPr lang="ko-KR" altLang="en-US" sz="3200" b="1" dirty="0" err="1" smtClean="0"/>
               <a:t>네비게이션</a:t>
             </a:r>
             <a:r>
-              <a:rPr lang="ko-KR" altLang="en-US" sz="3200" b="1" dirty="0"/>
+              <a:rPr lang="ko-KR" altLang="en-US" sz="3200" b="1" dirty="0" smtClean="0"/>
               <a:t> 메뉴</a:t>
             </a:r>
             <a:r>
-              <a:rPr lang="en-US" altLang="ko-KR" sz="3200" b="1" dirty="0"/>
+              <a:rPr lang="en-US" altLang="ko-KR" sz="3200" b="1" dirty="0" smtClean="0"/>
               <a:t>)</a:t>
             </a:r>
             <a:endParaRPr lang="ko-KR" altLang="en-US" sz="3200" b="1" dirty="0"/>
@@ -3293,7 +3307,7 @@
           <p:cNvPr id="11" name="TextBox 10">
             <a:extLst>
               <a:ext uri="{FF2B5EF4-FFF2-40B4-BE49-F238E27FC236}">
-                <a16:creationId xmlns:a16="http://schemas.microsoft.com/office/drawing/2014/main" id="{A99AB9D3-C706-4670-8F19-553BC73F9C7B}"/>
+                <a16:creationId xmlns:a16="http://schemas.microsoft.com/office/drawing/2014/main" xmlns="" id="{A99AB9D3-C706-4670-8F19-553BC73F9C7B}"/>
               </a:ext>
             </a:extLst>
           </p:cNvPr>
@@ -3317,12 +3331,44 @@
           <a:lstStyle/>
           <a:p>
             <a:r>
-              <a:rPr lang="ko-KR" altLang="en-US" b="1" dirty="0"/>
+              <a:rPr lang="ko-KR" altLang="en-US" b="1" dirty="0" smtClean="0"/>
               <a:t>구조 </a:t>
             </a:r>
             <a:r>
-              <a:rPr lang="en-US" altLang="ko-KR" b="1" dirty="0"/>
-              <a:t>- &lt;div&gt;  &lt;ul&gt;  &lt;ul&gt;  &lt;ul&gt;  &lt;ul&gt;  &lt;/div&gt;</a:t>
+              <a:rPr lang="en-US" altLang="ko-KR" b="1" dirty="0" smtClean="0"/>
+              <a:t>- &lt;div&gt;  &lt;</a:t>
+            </a:r>
+            <a:r>
+              <a:rPr lang="en-US" altLang="ko-KR" b="1" dirty="0" err="1" smtClean="0"/>
+              <a:t>ul</a:t>
+            </a:r>
+            <a:r>
+              <a:rPr lang="en-US" altLang="ko-KR" b="1" dirty="0" smtClean="0"/>
+              <a:t>&gt;  &lt;</a:t>
+            </a:r>
+            <a:r>
+              <a:rPr lang="en-US" altLang="ko-KR" b="1" dirty="0" err="1" smtClean="0"/>
+              <a:t>ul</a:t>
+            </a:r>
+            <a:r>
+              <a:rPr lang="en-US" altLang="ko-KR" b="1" dirty="0" smtClean="0"/>
+              <a:t>&gt;  &lt;</a:t>
+            </a:r>
+            <a:r>
+              <a:rPr lang="en-US" altLang="ko-KR" b="1" dirty="0" err="1" smtClean="0"/>
+              <a:t>ul</a:t>
+            </a:r>
+            <a:r>
+              <a:rPr lang="en-US" altLang="ko-KR" b="1" dirty="0" smtClean="0"/>
+              <a:t>&gt;  &lt;</a:t>
+            </a:r>
+            <a:r>
+              <a:rPr lang="en-US" altLang="ko-KR" b="1" dirty="0" err="1" smtClean="0"/>
+              <a:t>ul</a:t>
+            </a:r>
+            <a:r>
+              <a:rPr lang="en-US" altLang="ko-KR" b="1" dirty="0" smtClean="0"/>
+              <a:t>&gt;  &lt;div&gt;</a:t>
             </a:r>
             <a:endParaRPr lang="ko-KR" altLang="en-US" b="1" dirty="0"/>
           </a:p>
@@ -3369,534 +3415,11 @@
           </a:extLst>
         </p:spPr>
       </p:pic>
-      <p:sp>
-        <p:nvSpPr>
-          <p:cNvPr id="2" name="TextBox 1"/>
-          <p:cNvSpPr txBox="1"/>
-          <p:nvPr/>
-        </p:nvSpPr>
-        <p:spPr>
-          <a:xfrm>
-            <a:off x="539552" y="4149080"/>
-            <a:ext cx="8136904" cy="1569660"/>
-          </a:xfrm>
-          <a:prstGeom prst="rect">
-            <a:avLst/>
-          </a:prstGeom>
-          <a:noFill/>
-        </p:spPr>
-        <p:txBody>
-          <a:bodyPr wrap="square" rtlCol="0">
-            <a:spAutoFit/>
-          </a:bodyPr>
-          <a:lstStyle/>
-          <a:p>
-            <a:r>
-              <a:rPr lang="en-US" altLang="ko-KR" sz="1600" dirty="0" err="1"/>
-              <a:t>ul</a:t>
-            </a:r>
-            <a:r>
-              <a:rPr lang="en-US" altLang="ko-KR" sz="1600" dirty="0"/>
-              <a:t>(</a:t>
-            </a:r>
-            <a:r>
-              <a:rPr lang="en-US" altLang="ko-KR" sz="1600" dirty="0" err="1"/>
-              <a:t>undordered</a:t>
-            </a:r>
-            <a:r>
-              <a:rPr lang="en-US" altLang="ko-KR" sz="1600" dirty="0"/>
-              <a:t> list)</a:t>
-            </a:r>
-            <a:r>
-              <a:rPr lang="ko-KR" altLang="en-US" sz="1600" dirty="0"/>
-              <a:t>에 마우스가 들어가고 나가는 것을 감지하는 </a:t>
-            </a:r>
-            <a:r>
-              <a:rPr lang="en-US" altLang="ko-KR" sz="1600" dirty="0" err="1"/>
-              <a:t>eventListener</a:t>
-            </a:r>
-            <a:r>
-              <a:rPr lang="ko-KR" altLang="en-US" sz="1600" dirty="0"/>
-              <a:t>를 설정</a:t>
-            </a:r>
-            <a:endParaRPr lang="en-US" altLang="ko-KR" sz="1600" dirty="0"/>
-          </a:p>
-          <a:p>
-            <a:endParaRPr lang="en-US" altLang="ko-KR" sz="1600" dirty="0"/>
-          </a:p>
-          <a:p>
-            <a:r>
-              <a:rPr lang="ko-KR" altLang="en-US" sz="1600" dirty="0"/>
-              <a:t> 들어올 때</a:t>
-            </a:r>
-            <a:r>
-              <a:rPr lang="en-US" altLang="ko-KR" sz="1600" dirty="0"/>
-              <a:t>(background-color: </a:t>
-            </a:r>
-            <a:r>
-              <a:rPr lang="ko-KR" altLang="en-US" sz="1600" dirty="0"/>
-              <a:t>투명</a:t>
-            </a:r>
-            <a:r>
-              <a:rPr lang="en-US" altLang="ko-KR" sz="1600" dirty="0"/>
-              <a:t> -&gt; </a:t>
-            </a:r>
-            <a:r>
-              <a:rPr lang="ko-KR" altLang="en-US" sz="1600" dirty="0"/>
-              <a:t>흰색</a:t>
-            </a:r>
-            <a:r>
-              <a:rPr lang="en-US" altLang="ko-KR" sz="1600" dirty="0"/>
-              <a:t>)</a:t>
-            </a:r>
-          </a:p>
-          <a:p>
-            <a:r>
-              <a:rPr lang="ko-KR" altLang="en-US" sz="1600" dirty="0"/>
-              <a:t> 나갈 때</a:t>
-            </a:r>
-            <a:r>
-              <a:rPr lang="en-US" altLang="ko-KR" sz="1600" dirty="0"/>
-              <a:t>(background-color: </a:t>
-            </a:r>
-            <a:r>
-              <a:rPr lang="ko-KR" altLang="en-US" sz="1600" dirty="0"/>
-              <a:t>흰색</a:t>
-            </a:r>
-            <a:r>
-              <a:rPr lang="en-US" altLang="ko-KR" sz="1600" dirty="0"/>
-              <a:t> -&gt; </a:t>
-            </a:r>
-            <a:r>
-              <a:rPr lang="ko-KR" altLang="en-US" sz="1600" dirty="0"/>
-              <a:t>투명</a:t>
-            </a:r>
-            <a:r>
-              <a:rPr lang="en-US" altLang="ko-KR" sz="1600" dirty="0"/>
-              <a:t>)</a:t>
-            </a:r>
-          </a:p>
-          <a:p>
-            <a:endParaRPr lang="en-US" altLang="ko-KR" sz="1600" dirty="0"/>
-          </a:p>
-          <a:p>
-            <a:r>
-              <a:rPr lang="ko-KR" altLang="en-US" sz="1600" dirty="0"/>
-              <a:t>세부 메뉴 </a:t>
-            </a:r>
-            <a:r>
-              <a:rPr lang="en-US" altLang="ko-KR" sz="1600" dirty="0"/>
-              <a:t>&lt;li&gt;</a:t>
-            </a:r>
-            <a:r>
-              <a:rPr lang="ko-KR" altLang="en-US" sz="1600" dirty="0"/>
-              <a:t>각각에도 설정하여 마우스 </a:t>
-            </a:r>
-            <a:r>
-              <a:rPr lang="ko-KR" altLang="en-US" sz="1600" dirty="0" err="1"/>
-              <a:t>위치시</a:t>
-            </a:r>
-            <a:r>
-              <a:rPr lang="ko-KR" altLang="en-US" sz="1600" dirty="0"/>
-              <a:t> 주황색으로 </a:t>
-            </a:r>
-            <a:r>
-              <a:rPr lang="ko-KR" altLang="en-US" sz="1600" dirty="0" err="1"/>
-              <a:t>글자색</a:t>
-            </a:r>
-            <a:r>
-              <a:rPr lang="ko-KR" altLang="en-US" sz="1600" dirty="0"/>
-              <a:t> 변하도록</a:t>
-            </a:r>
-          </a:p>
-        </p:txBody>
-      </p:sp>
-      <p:grpSp>
-        <p:nvGrpSpPr>
-          <p:cNvPr id="3" name="그룹 2">
-            <a:extLst>
-              <a:ext uri="{FF2B5EF4-FFF2-40B4-BE49-F238E27FC236}">
-                <a16:creationId xmlns:a16="http://schemas.microsoft.com/office/drawing/2014/main" id="{E74FB973-E970-48FC-BC0C-548E47C43B5D}"/>
-              </a:ext>
-            </a:extLst>
-          </p:cNvPr>
-          <p:cNvGrpSpPr/>
-          <p:nvPr/>
-        </p:nvGrpSpPr>
-        <p:grpSpPr>
-          <a:xfrm>
-            <a:off x="539552" y="2276872"/>
-            <a:ext cx="8136904" cy="1294179"/>
-            <a:chOff x="539552" y="2276872"/>
-            <a:chExt cx="8136904" cy="1294179"/>
-          </a:xfrm>
-        </p:grpSpPr>
-        <p:pic>
-          <p:nvPicPr>
-            <p:cNvPr id="2051" name="Picture 3" descr="C:\Users\ezen-033\Desktop\ezen2\TripMate\gr2_lhj\캡처2.PNG"/>
-            <p:cNvPicPr>
-              <a:picLocks noChangeAspect="1" noChangeArrowheads="1"/>
-            </p:cNvPicPr>
-            <p:nvPr/>
-          </p:nvPicPr>
-          <p:blipFill>
-            <a:blip r:embed="rId3">
-              <a:extLst>
-                <a:ext uri="{28A0092B-C50C-407E-A947-70E740481C1C}">
-                  <a14:useLocalDpi xmlns:a14="http://schemas.microsoft.com/office/drawing/2010/main" val="0"/>
-                </a:ext>
-              </a:extLst>
-            </a:blip>
-            <a:srcRect/>
-            <a:stretch>
-              <a:fillRect/>
-            </a:stretch>
-          </p:blipFill>
-          <p:spPr bwMode="auto">
-            <a:xfrm>
-              <a:off x="539552" y="2276872"/>
-              <a:ext cx="8136904" cy="1294179"/>
-            </a:xfrm>
-            <a:prstGeom prst="rect">
-              <a:avLst/>
-            </a:prstGeom>
-            <a:noFill/>
-            <a:extLst>
-              <a:ext uri="{909E8E84-426E-40DD-AFC4-6F175D3DCCD1}">
-                <a14:hiddenFill xmlns:a14="http://schemas.microsoft.com/office/drawing/2010/main">
-                  <a:solidFill>
-                    <a:srgbClr val="FFFFFF"/>
-                  </a:solidFill>
-                </a14:hiddenFill>
-              </a:ext>
-            </a:extLst>
-          </p:spPr>
-        </p:pic>
-        <p:sp>
-          <p:nvSpPr>
-            <p:cNvPr id="4" name="직사각형 3"/>
-            <p:cNvSpPr/>
-            <p:nvPr/>
-          </p:nvSpPr>
-          <p:spPr>
-            <a:xfrm>
-              <a:off x="1403648" y="2564904"/>
-              <a:ext cx="1872208" cy="1006147"/>
-            </a:xfrm>
-            <a:prstGeom prst="rect">
-              <a:avLst/>
-            </a:prstGeom>
-            <a:noFill/>
-            <a:ln>
-              <a:solidFill>
-                <a:srgbClr val="FF0000"/>
-              </a:solidFill>
-            </a:ln>
-          </p:spPr>
-          <p:style>
-            <a:lnRef idx="2">
-              <a:schemeClr val="accent1">
-                <a:shade val="50000"/>
-              </a:schemeClr>
-            </a:lnRef>
-            <a:fillRef idx="1">
-              <a:schemeClr val="accent1"/>
-            </a:fillRef>
-            <a:effectRef idx="0">
-              <a:schemeClr val="accent1"/>
-            </a:effectRef>
-            <a:fontRef idx="minor">
-              <a:schemeClr val="lt1"/>
-            </a:fontRef>
-          </p:style>
-          <p:txBody>
-            <a:bodyPr rtlCol="0" anchor="ctr"/>
-            <a:lstStyle/>
-            <a:p>
-              <a:pPr algn="ctr"/>
-              <a:endParaRPr lang="ko-KR" altLang="en-US"/>
-            </a:p>
-          </p:txBody>
-        </p:sp>
-      </p:grpSp>
-    </p:spTree>
-    <p:extLst>
-      <p:ext uri="{BB962C8B-B14F-4D97-AF65-F5344CB8AC3E}">
-        <p14:creationId xmlns:p14="http://schemas.microsoft.com/office/powerpoint/2010/main" val="1249309407"/>
-      </p:ext>
-    </p:extLst>
-  </p:cSld>
-  <p:clrMapOvr>
-    <a:masterClrMapping/>
-  </p:clrMapOvr>
-</p:sld>
-</file>
-
-<file path=ppt/slides/slide3.xml><?xml version="1.0" encoding="utf-8"?>
-<p:sld xmlns:a="http://schemas.openxmlformats.org/drawingml/2006/main" xmlns:r="http://schemas.openxmlformats.org/officeDocument/2006/relationships" xmlns:p="http://schemas.openxmlformats.org/presentationml/2006/main">
-  <p:cSld>
-    <p:spTree>
-      <p:nvGrpSpPr>
-        <p:cNvPr id="1" name=""/>
-        <p:cNvGrpSpPr/>
-        <p:nvPr/>
-      </p:nvGrpSpPr>
-      <p:grpSpPr>
-        <a:xfrm>
-          <a:off x="0" y="0"/>
-          <a:ext cx="0" cy="0"/>
-          <a:chOff x="0" y="0"/>
-          <a:chExt cx="0" cy="0"/>
-        </a:xfrm>
-      </p:grpSpPr>
-      <p:sp>
-        <p:nvSpPr>
-          <p:cNvPr id="10" name="TextBox 9">
-            <a:extLst>
-              <a:ext uri="{FF2B5EF4-FFF2-40B4-BE49-F238E27FC236}">
-                <a16:creationId xmlns:a16="http://schemas.microsoft.com/office/drawing/2014/main" id="{A99AB9D3-C706-4670-8F19-553BC73F9C7B}"/>
-              </a:ext>
-            </a:extLst>
-          </p:cNvPr>
-          <p:cNvSpPr txBox="1"/>
-          <p:nvPr/>
-        </p:nvSpPr>
-        <p:spPr>
-          <a:xfrm>
-            <a:off x="390309" y="260648"/>
-            <a:ext cx="7305773" cy="584775"/>
-          </a:xfrm>
-          <a:prstGeom prst="rect">
-            <a:avLst/>
-          </a:prstGeom>
-          <a:noFill/>
-        </p:spPr>
-        <p:txBody>
-          <a:bodyPr wrap="square" rtlCol="0">
-            <a:spAutoFit/>
-          </a:bodyPr>
-          <a:lstStyle/>
-          <a:p>
-            <a:r>
-              <a:rPr lang="ko-KR" altLang="en-US" sz="3200" b="1" dirty="0" err="1"/>
-              <a:t>메인화면</a:t>
-            </a:r>
-            <a:r>
-              <a:rPr lang="en-US" altLang="ko-KR" sz="3200" b="1" dirty="0"/>
-              <a:t>(</a:t>
-            </a:r>
-            <a:r>
-              <a:rPr lang="ko-KR" altLang="en-US" sz="3200" b="1" dirty="0" err="1"/>
-              <a:t>네비게이션</a:t>
-            </a:r>
-            <a:r>
-              <a:rPr lang="ko-KR" altLang="en-US" sz="3200" b="1" dirty="0"/>
-              <a:t> 메뉴</a:t>
-            </a:r>
-            <a:r>
-              <a:rPr lang="en-US" altLang="ko-KR" sz="3200" b="1" dirty="0"/>
-              <a:t>)</a:t>
-            </a:r>
-            <a:endParaRPr lang="ko-KR" altLang="en-US" sz="3200" b="1" dirty="0"/>
-          </a:p>
-        </p:txBody>
-      </p:sp>
-      <p:sp>
-        <p:nvSpPr>
-          <p:cNvPr id="2" name="TextBox 1"/>
-          <p:cNvSpPr txBox="1"/>
-          <p:nvPr/>
-        </p:nvSpPr>
-        <p:spPr>
-          <a:xfrm>
-            <a:off x="401877" y="2439779"/>
-            <a:ext cx="8136904" cy="584775"/>
-          </a:xfrm>
-          <a:prstGeom prst="rect">
-            <a:avLst/>
-          </a:prstGeom>
-          <a:noFill/>
-        </p:spPr>
-        <p:txBody>
-          <a:bodyPr wrap="square" rtlCol="0">
-            <a:spAutoFit/>
-          </a:bodyPr>
-          <a:lstStyle/>
-          <a:p>
-            <a:r>
-              <a:rPr lang="en-US" altLang="ko-KR" sz="1600" b="1" dirty="0"/>
-              <a:t>Transition</a:t>
-            </a:r>
-            <a:r>
-              <a:rPr lang="ko-KR" altLang="en-US" sz="1600" b="1" dirty="0"/>
-              <a:t>을 이용한 간단한 애니메이션 구현</a:t>
-            </a:r>
-            <a:endParaRPr lang="en-US" altLang="ko-KR" sz="1600" b="1" dirty="0"/>
-          </a:p>
-          <a:p>
-            <a:r>
-              <a:rPr lang="en-US" altLang="ko-KR" sz="1600" b="1" dirty="0"/>
-              <a:t>(</a:t>
-            </a:r>
-            <a:r>
-              <a:rPr lang="ko-KR" altLang="en-US" sz="1600" b="1" dirty="0"/>
-              <a:t>모양</a:t>
-            </a:r>
-            <a:r>
-              <a:rPr lang="en-US" altLang="ko-KR" sz="1600" b="1" dirty="0"/>
-              <a:t>, </a:t>
-            </a:r>
-            <a:r>
-              <a:rPr lang="ko-KR" altLang="en-US" sz="1600" b="1" dirty="0"/>
-              <a:t>크기</a:t>
-            </a:r>
-            <a:r>
-              <a:rPr lang="en-US" altLang="ko-KR" sz="1600" b="1" dirty="0"/>
-              <a:t>, </a:t>
-            </a:r>
-            <a:r>
-              <a:rPr lang="ko-KR" altLang="en-US" sz="1600" b="1" dirty="0"/>
-              <a:t>색상의 변화를 일정시간에 걸쳐서 일어나게 하는 속성</a:t>
-            </a:r>
-            <a:r>
-              <a:rPr lang="en-US" altLang="ko-KR" sz="1600" b="1" dirty="0"/>
-              <a:t>)                                            </a:t>
-            </a:r>
-            <a:endParaRPr lang="ko-KR" altLang="en-US" sz="1600" b="1" dirty="0"/>
-          </a:p>
-        </p:txBody>
-      </p:sp>
-      <p:grpSp>
-        <p:nvGrpSpPr>
-          <p:cNvPr id="6" name="그룹 5">
-            <a:extLst>
-              <a:ext uri="{FF2B5EF4-FFF2-40B4-BE49-F238E27FC236}">
-                <a16:creationId xmlns:a16="http://schemas.microsoft.com/office/drawing/2014/main" id="{19FD3E5F-AD47-4CF5-9C62-01C43E51F47C}"/>
-              </a:ext>
-            </a:extLst>
-          </p:cNvPr>
-          <p:cNvGrpSpPr/>
-          <p:nvPr/>
-        </p:nvGrpSpPr>
-        <p:grpSpPr>
-          <a:xfrm>
-            <a:off x="503548" y="980728"/>
-            <a:ext cx="8136904" cy="1294179"/>
-            <a:chOff x="539552" y="2276872"/>
-            <a:chExt cx="8136904" cy="1294179"/>
-          </a:xfrm>
-        </p:grpSpPr>
-        <p:pic>
-          <p:nvPicPr>
-            <p:cNvPr id="7" name="Picture 3" descr="C:\Users\ezen-033\Desktop\ezen2\TripMate\gr2_lhj\캡처2.PNG">
-              <a:extLst>
-                <a:ext uri="{FF2B5EF4-FFF2-40B4-BE49-F238E27FC236}">
-                  <a16:creationId xmlns:a16="http://schemas.microsoft.com/office/drawing/2014/main" id="{C4148ABC-46BA-4CF6-B4B0-97A53963A6D7}"/>
-                </a:ext>
-              </a:extLst>
-            </p:cNvPr>
-            <p:cNvPicPr>
-              <a:picLocks noChangeAspect="1" noChangeArrowheads="1"/>
-            </p:cNvPicPr>
-            <p:nvPr/>
-          </p:nvPicPr>
-          <p:blipFill>
-            <a:blip r:embed="rId2">
-              <a:extLst>
-                <a:ext uri="{28A0092B-C50C-407E-A947-70E740481C1C}">
-                  <a14:useLocalDpi xmlns:a14="http://schemas.microsoft.com/office/drawing/2010/main" val="0"/>
-                </a:ext>
-              </a:extLst>
-            </a:blip>
-            <a:srcRect/>
-            <a:stretch>
-              <a:fillRect/>
-            </a:stretch>
-          </p:blipFill>
-          <p:spPr bwMode="auto">
-            <a:xfrm>
-              <a:off x="539552" y="2276872"/>
-              <a:ext cx="8136904" cy="1294179"/>
-            </a:xfrm>
-            <a:prstGeom prst="rect">
-              <a:avLst/>
-            </a:prstGeom>
-            <a:noFill/>
-            <a:extLst>
-              <a:ext uri="{909E8E84-426E-40DD-AFC4-6F175D3DCCD1}">
-                <a14:hiddenFill xmlns:a14="http://schemas.microsoft.com/office/drawing/2010/main">
-                  <a:solidFill>
-                    <a:srgbClr val="FFFFFF"/>
-                  </a:solidFill>
-                </a14:hiddenFill>
-              </a:ext>
-            </a:extLst>
-          </p:spPr>
-        </p:pic>
-        <p:sp>
-          <p:nvSpPr>
-            <p:cNvPr id="8" name="직사각형 7">
-              <a:extLst>
-                <a:ext uri="{FF2B5EF4-FFF2-40B4-BE49-F238E27FC236}">
-                  <a16:creationId xmlns:a16="http://schemas.microsoft.com/office/drawing/2014/main" id="{BCF731FC-1FC0-4835-A82A-9CA1BE1D2339}"/>
-                </a:ext>
-              </a:extLst>
-            </p:cNvPr>
-            <p:cNvSpPr/>
-            <p:nvPr/>
-          </p:nvSpPr>
-          <p:spPr>
-            <a:xfrm>
-              <a:off x="1403648" y="2564904"/>
-              <a:ext cx="1872208" cy="1006147"/>
-            </a:xfrm>
-            <a:prstGeom prst="rect">
-              <a:avLst/>
-            </a:prstGeom>
-            <a:noFill/>
-            <a:ln>
-              <a:solidFill>
-                <a:srgbClr val="FF0000"/>
-              </a:solidFill>
-            </a:ln>
-          </p:spPr>
-          <p:style>
-            <a:lnRef idx="2">
-              <a:schemeClr val="accent1">
-                <a:shade val="50000"/>
-              </a:schemeClr>
-            </a:lnRef>
-            <a:fillRef idx="1">
-              <a:schemeClr val="accent1"/>
-            </a:fillRef>
-            <a:effectRef idx="0">
-              <a:schemeClr val="accent1"/>
-            </a:effectRef>
-            <a:fontRef idx="minor">
-              <a:schemeClr val="lt1"/>
-            </a:fontRef>
-          </p:style>
-          <p:txBody>
-            <a:bodyPr rtlCol="0" anchor="ctr"/>
-            <a:lstStyle/>
-            <a:p>
-              <a:pPr algn="ctr"/>
-              <a:endParaRPr lang="ko-KR" altLang="en-US"/>
-            </a:p>
-          </p:txBody>
-        </p:sp>
-      </p:grpSp>
       <p:pic>
         <p:nvPicPr>
-          <p:cNvPr id="4" name="그림 3">
-            <a:extLst>
-              <a:ext uri="{FF2B5EF4-FFF2-40B4-BE49-F238E27FC236}">
-                <a16:creationId xmlns:a16="http://schemas.microsoft.com/office/drawing/2014/main" id="{5D643D9C-2813-44BA-879B-793774AEEEA7}"/>
-              </a:ext>
-            </a:extLst>
-          </p:cNvPr>
+          <p:cNvPr id="2051" name="Picture 3" descr="C:\Users\ezen-033\Desktop\ezen2\TripMate\gr2_lhj\캡처2.PNG"/>
           <p:cNvPicPr>
-            <a:picLocks noChangeAspect="1"/>
+            <a:picLocks noChangeAspect="1" noChangeArrowheads="1"/>
           </p:cNvPicPr>
           <p:nvPr/>
         </p:nvPicPr>
@@ -3908,72 +3431,41 @@
               </a:ext>
             </a:extLst>
           </a:blip>
+          <a:srcRect/>
           <a:stretch>
             <a:fillRect/>
           </a:stretch>
         </p:blipFill>
-        <p:spPr>
+        <p:spPr bwMode="auto">
           <a:xfrm>
-            <a:off x="390309" y="3212976"/>
-            <a:ext cx="3272895" cy="2430012"/>
+            <a:off x="539552" y="2276872"/>
+            <a:ext cx="8136904" cy="1294179"/>
           </a:xfrm>
           <a:prstGeom prst="rect">
             <a:avLst/>
           </a:prstGeom>
+          <a:noFill/>
+          <a:extLst>
+            <a:ext uri="{909E8E84-426E-40DD-AFC4-6F175D3DCCD1}">
+              <a14:hiddenFill xmlns:a14="http://schemas.microsoft.com/office/drawing/2010/main">
+                <a:solidFill>
+                  <a:srgbClr val="FFFFFF"/>
+                </a:solidFill>
+              </a14:hiddenFill>
+            </a:ext>
+          </a:extLst>
         </p:spPr>
       </p:pic>
-      <p:pic>
-        <p:nvPicPr>
-          <p:cNvPr id="12" name="그림 11">
-            <a:extLst>
-              <a:ext uri="{FF2B5EF4-FFF2-40B4-BE49-F238E27FC236}">
-                <a16:creationId xmlns:a16="http://schemas.microsoft.com/office/drawing/2014/main" id="{2BA8C4AA-DFC1-4360-9D1C-21281209C64B}"/>
-              </a:ext>
-            </a:extLst>
-          </p:cNvPr>
-          <p:cNvPicPr>
-            <a:picLocks noChangeAspect="1"/>
-          </p:cNvPicPr>
+      <p:sp>
+        <p:nvSpPr>
+          <p:cNvPr id="2" name="TextBox 1"/>
+          <p:cNvSpPr txBox="1"/>
           <p:nvPr/>
-        </p:nvPicPr>
-        <p:blipFill>
-          <a:blip r:embed="rId4">
-            <a:extLst>
-              <a:ext uri="{28A0092B-C50C-407E-A947-70E740481C1C}">
-                <a14:useLocalDpi xmlns:a14="http://schemas.microsoft.com/office/drawing/2010/main" val="0"/>
-              </a:ext>
-            </a:extLst>
-          </a:blip>
-          <a:stretch>
-            <a:fillRect/>
-          </a:stretch>
-        </p:blipFill>
+        </p:nvSpPr>
         <p:spPr>
           <a:xfrm>
-            <a:off x="4043195" y="3284984"/>
-            <a:ext cx="4680680" cy="2049632"/>
-          </a:xfrm>
-          <a:prstGeom prst="rect">
-            <a:avLst/>
-          </a:prstGeom>
-        </p:spPr>
-      </p:pic>
-      <p:sp>
-        <p:nvSpPr>
-          <p:cNvPr id="15" name="TextBox 14">
-            <a:extLst>
-              <a:ext uri="{FF2B5EF4-FFF2-40B4-BE49-F238E27FC236}">
-                <a16:creationId xmlns:a16="http://schemas.microsoft.com/office/drawing/2014/main" id="{C0E44709-549B-4F6B-AB38-C5B26F89772A}"/>
-              </a:ext>
-            </a:extLst>
-          </p:cNvPr>
-          <p:cNvSpPr txBox="1"/>
-          <p:nvPr/>
-        </p:nvSpPr>
-        <p:spPr>
-          <a:xfrm>
-            <a:off x="3663204" y="5030003"/>
-            <a:ext cx="5261812" cy="338554"/>
+            <a:off x="539552" y="4149080"/>
+            <a:ext cx="8136904" cy="1569660"/>
           </a:xfrm>
           <a:prstGeom prst="rect">
             <a:avLst/>
@@ -3987,48 +3479,164 @@
           <a:lstStyle/>
           <a:p>
             <a:r>
+              <a:rPr lang="en-US" altLang="ko-KR" sz="1600" dirty="0" err="1" smtClean="0"/>
+              <a:t>ul</a:t>
+            </a:r>
+            <a:r>
+              <a:rPr lang="en-US" altLang="ko-KR" sz="1600" dirty="0" smtClean="0"/>
+              <a:t>(</a:t>
+            </a:r>
+            <a:r>
+              <a:rPr lang="en-US" altLang="ko-KR" sz="1600" dirty="0" err="1" smtClean="0"/>
+              <a:t>undordered</a:t>
+            </a:r>
+            <a:r>
+              <a:rPr lang="en-US" altLang="ko-KR" sz="1600" dirty="0" smtClean="0"/>
+              <a:t> list)</a:t>
+            </a:r>
+            <a:r>
+              <a:rPr lang="ko-KR" altLang="en-US" sz="1600" dirty="0" smtClean="0"/>
+              <a:t>에 마우스가 들어가고 나가는 것을 감지하는 </a:t>
+            </a:r>
+            <a:r>
+              <a:rPr lang="en-US" altLang="ko-KR" sz="1600" dirty="0" err="1" smtClean="0"/>
+              <a:t>eventListener</a:t>
+            </a:r>
+            <a:r>
+              <a:rPr lang="ko-KR" altLang="en-US" sz="1600" dirty="0" smtClean="0"/>
+              <a:t>를 설정</a:t>
+            </a:r>
+            <a:endParaRPr lang="en-US" altLang="ko-KR" sz="1600" dirty="0" smtClean="0"/>
+          </a:p>
+          <a:p>
+            <a:endParaRPr lang="en-US" altLang="ko-KR" sz="1600" dirty="0"/>
+          </a:p>
+          <a:p>
+            <a:r>
+              <a:rPr lang="ko-KR" altLang="en-US" sz="1600" dirty="0" smtClean="0"/>
+              <a:t> 들어올 때</a:t>
+            </a:r>
+            <a:r>
+              <a:rPr lang="en-US" altLang="ko-KR" sz="1600" dirty="0" smtClean="0"/>
+              <a:t>(background-color: </a:t>
+            </a:r>
+            <a:r>
+              <a:rPr lang="ko-KR" altLang="en-US" sz="1600" dirty="0" smtClean="0"/>
+              <a:t>투명</a:t>
+            </a:r>
+            <a:r>
               <a:rPr lang="en-US" altLang="ko-KR" sz="1600" dirty="0"/>
-              <a:t>Opacity – </a:t>
-            </a:r>
+              <a:t> </a:t>
+            </a:r>
+            <a:r>
+              <a:rPr lang="en-US" altLang="ko-KR" sz="1600" dirty="0" smtClean="0"/>
+              <a:t>-&gt; </a:t>
+            </a:r>
+            <a:r>
+              <a:rPr lang="ko-KR" altLang="en-US" sz="1600" dirty="0" smtClean="0"/>
+              <a:t>흰색</a:t>
+            </a:r>
+            <a:r>
+              <a:rPr lang="en-US" altLang="ko-KR" sz="1600" dirty="0" smtClean="0"/>
+              <a:t>)</a:t>
+            </a:r>
+          </a:p>
+          <a:p>
             <a:r>
               <a:rPr lang="ko-KR" altLang="en-US" sz="1600" dirty="0"/>
-              <a:t>요소의 투명도 </a:t>
+              <a:t> </a:t>
+            </a:r>
+            <a:r>
+              <a:rPr lang="ko-KR" altLang="en-US" sz="1600" dirty="0" smtClean="0"/>
+              <a:t>나</a:t>
+            </a:r>
+            <a:r>
+              <a:rPr lang="ko-KR" altLang="en-US" sz="1600" dirty="0"/>
+              <a:t>갈</a:t>
+            </a:r>
+            <a:r>
+              <a:rPr lang="ko-KR" altLang="en-US" sz="1600" dirty="0" smtClean="0"/>
+              <a:t> </a:t>
+            </a:r>
+            <a:r>
+              <a:rPr lang="ko-KR" altLang="en-US" sz="1600" dirty="0"/>
+              <a:t>때</a:t>
             </a:r>
             <a:r>
               <a:rPr lang="en-US" altLang="ko-KR" sz="1600" dirty="0"/>
-              <a:t>1</a:t>
+              <a:t>(background-color: </a:t>
+            </a:r>
+            <a:r>
+              <a:rPr lang="ko-KR" altLang="en-US" sz="1600" dirty="0" smtClean="0"/>
+              <a:t>흰</a:t>
             </a:r>
             <a:r>
               <a:rPr lang="ko-KR" altLang="en-US" sz="1600" dirty="0"/>
-              <a:t>이 기본값</a:t>
+              <a:t>색</a:t>
+            </a:r>
+            <a:r>
+              <a:rPr lang="en-US" altLang="ko-KR" sz="1600" dirty="0" smtClean="0"/>
+              <a:t> </a:t>
             </a:r>
             <a:r>
               <a:rPr lang="en-US" altLang="ko-KR" sz="1600" dirty="0"/>
-              <a:t>, 0</a:t>
-            </a:r>
-            <a:r>
-              <a:rPr lang="ko-KR" altLang="en-US" sz="1600" dirty="0"/>
-              <a:t>일 때 완전 투명</a:t>
-            </a:r>
-          </a:p>
-        </p:txBody>
-      </p:sp>
-      <p:sp>
-        <p:nvSpPr>
-          <p:cNvPr id="3" name="직사각형 2">
-            <a:extLst>
-              <a:ext uri="{FF2B5EF4-FFF2-40B4-BE49-F238E27FC236}">
-                <a16:creationId xmlns:a16="http://schemas.microsoft.com/office/drawing/2014/main" id="{81B5BB20-A6FC-40C2-B247-CCAE84A65832}"/>
-              </a:ext>
-            </a:extLst>
-          </p:cNvPr>
+              <a:t>-&gt; </a:t>
+            </a:r>
+            <a:r>
+              <a:rPr lang="ko-KR" altLang="en-US" sz="1600" dirty="0" smtClean="0"/>
+              <a:t>투명</a:t>
+            </a:r>
+            <a:r>
+              <a:rPr lang="en-US" altLang="ko-KR" sz="1600" dirty="0" smtClean="0"/>
+              <a:t>)</a:t>
+            </a:r>
+          </a:p>
+          <a:p>
+            <a:endParaRPr lang="en-US" altLang="ko-KR" sz="1600" dirty="0"/>
+          </a:p>
+          <a:p>
+            <a:r>
+              <a:rPr lang="ko-KR" altLang="en-US" sz="1600" dirty="0" smtClean="0"/>
+              <a:t>세부 메뉴 </a:t>
+            </a:r>
+            <a:r>
+              <a:rPr lang="en-US" altLang="ko-KR" sz="1600" dirty="0" smtClean="0"/>
+              <a:t>&lt;li&gt;</a:t>
+            </a:r>
+            <a:r>
+              <a:rPr lang="ko-KR" altLang="en-US" sz="1600" dirty="0" smtClean="0"/>
+              <a:t>각각에도 설정하여 마우스 </a:t>
+            </a:r>
+            <a:r>
+              <a:rPr lang="ko-KR" altLang="en-US" sz="1600" dirty="0" err="1" smtClean="0"/>
+              <a:t>위치시</a:t>
+            </a:r>
+            <a:r>
+              <a:rPr lang="ko-KR" altLang="en-US" sz="1600" dirty="0" smtClean="0"/>
+              <a:t> 주황색으로 </a:t>
+            </a:r>
+            <a:r>
+              <a:rPr lang="ko-KR" altLang="en-US" sz="1600" dirty="0" err="1" smtClean="0"/>
+              <a:t>글자색</a:t>
+            </a:r>
+            <a:r>
+              <a:rPr lang="ko-KR" altLang="en-US" sz="1600" dirty="0" smtClean="0"/>
+              <a:t> 변하도록</a:t>
+            </a:r>
+            <a:endParaRPr lang="ko-KR" altLang="en-US" sz="1600" dirty="0"/>
+          </a:p>
+        </p:txBody>
+      </p:sp>
+      <p:sp>
+        <p:nvSpPr>
+          <p:cNvPr id="4" name="직사각형 3"/>
           <p:cNvSpPr/>
           <p:nvPr/>
         </p:nvSpPr>
         <p:spPr>
           <a:xfrm>
-            <a:off x="899592" y="4725144"/>
-            <a:ext cx="2160240" cy="304859"/>
+            <a:off x="1403648" y="2564904"/>
+            <a:ext cx="1872208" cy="1006147"/>
           </a:xfrm>
           <a:prstGeom prst="rect">
             <a:avLst/>
@@ -4065,72 +3673,27 @@
           </a:p>
         </p:txBody>
       </p:sp>
-      <p:sp>
-        <p:nvSpPr>
-          <p:cNvPr id="13" name="직사각형 12">
-            <a:extLst>
-              <a:ext uri="{FF2B5EF4-FFF2-40B4-BE49-F238E27FC236}">
-                <a16:creationId xmlns:a16="http://schemas.microsoft.com/office/drawing/2014/main" id="{451BC8D3-0A7B-47F3-A74B-35580F97562F}"/>
-              </a:ext>
-            </a:extLst>
-          </p:cNvPr>
-          <p:cNvSpPr/>
-          <p:nvPr/>
-        </p:nvSpPr>
-        <p:spPr>
-          <a:xfrm>
-            <a:off x="4067944" y="3412173"/>
-            <a:ext cx="3816424" cy="457090"/>
-          </a:xfrm>
-          <a:prstGeom prst="rect">
-            <a:avLst/>
-          </a:prstGeom>
-          <a:noFill/>
-          <a:ln>
-            <a:solidFill>
-              <a:srgbClr val="FF0000"/>
-            </a:solidFill>
-          </a:ln>
-        </p:spPr>
-        <p:style>
-          <a:lnRef idx="2">
-            <a:schemeClr val="accent1">
-              <a:shade val="50000"/>
-            </a:schemeClr>
-          </a:lnRef>
-          <a:fillRef idx="1">
-            <a:schemeClr val="accent1"/>
-          </a:fillRef>
-          <a:effectRef idx="0">
-            <a:schemeClr val="accent1"/>
-          </a:effectRef>
-          <a:fontRef idx="minor">
-            <a:schemeClr val="lt1"/>
-          </a:fontRef>
-        </p:style>
-        <p:txBody>
-          <a:bodyPr rtlCol="0" anchor="ctr"/>
-          <a:lstStyle/>
-          <a:p>
-            <a:pPr algn="ctr"/>
-            <a:endParaRPr lang="ko-KR" altLang="en-US"/>
-          </a:p>
-        </p:txBody>
-      </p:sp>
     </p:spTree>
     <p:extLst>
       <p:ext uri="{BB962C8B-B14F-4D97-AF65-F5344CB8AC3E}">
-        <p14:creationId xmlns:p14="http://schemas.microsoft.com/office/powerpoint/2010/main" val="1691350354"/>
+        <p14:creationId xmlns:p14="http://schemas.microsoft.com/office/powerpoint/2010/main" val="1249309407"/>
       </p:ext>
     </p:extLst>
   </p:cSld>
   <p:clrMapOvr>
     <a:masterClrMapping/>
   </p:clrMapOvr>
+  <p:timing>
+    <p:tnLst>
+      <p:par>
+        <p:cTn id="1" dur="indefinite" restart="never" nodeType="tmRoot"/>
+      </p:par>
+    </p:tnLst>
+  </p:timing>
 </p:sld>
 </file>
 
-<file path=ppt/slides/slide4.xml><?xml version="1.0" encoding="utf-8"?>
+<file path=ppt/slides/slide3.xml><?xml version="1.0" encoding="utf-8"?>
 <p:sld xmlns:a="http://schemas.openxmlformats.org/drawingml/2006/main" xmlns:r="http://schemas.openxmlformats.org/officeDocument/2006/relationships" xmlns:p="http://schemas.openxmlformats.org/presentationml/2006/main">
   <p:cSld>
     <p:spTree>
@@ -4152,7 +3715,7 @@
           <p:cNvPr id="10" name="TextBox 9">
             <a:extLst>
               <a:ext uri="{FF2B5EF4-FFF2-40B4-BE49-F238E27FC236}">
-                <a16:creationId xmlns:a16="http://schemas.microsoft.com/office/drawing/2014/main" id="{A99AB9D3-C706-4670-8F19-553BC73F9C7B}"/>
+                <a16:creationId xmlns:a16="http://schemas.microsoft.com/office/drawing/2014/main" xmlns="" id="{A99AB9D3-C706-4670-8F19-553BC73F9C7B}"/>
               </a:ext>
             </a:extLst>
           </p:cNvPr>
@@ -4176,67 +3739,35 @@
           <a:lstStyle/>
           <a:p>
             <a:r>
-              <a:rPr lang="ko-KR" altLang="en-US" sz="3200" b="1" dirty="0" err="1"/>
+              <a:rPr lang="ko-KR" altLang="en-US" sz="3200" b="1" dirty="0" err="1" smtClean="0"/>
               <a:t>메인화면</a:t>
             </a:r>
             <a:r>
-              <a:rPr lang="en-US" altLang="ko-KR" sz="3200" b="1" dirty="0"/>
+              <a:rPr lang="en-US" altLang="ko-KR" sz="3200" b="1" dirty="0" smtClean="0"/>
               <a:t>(</a:t>
             </a:r>
             <a:r>
-              <a:rPr lang="ko-KR" altLang="en-US" sz="3200" b="1" dirty="0" err="1"/>
-              <a:t>위젯화면</a:t>
-            </a:r>
-            <a:r>
-              <a:rPr lang="en-US" altLang="ko-KR" sz="3200" b="1" dirty="0"/>
+              <a:rPr lang="ko-KR" altLang="en-US" sz="3200" b="1" dirty="0" err="1" smtClean="0"/>
+              <a:t>네비게이션</a:t>
+            </a:r>
+            <a:r>
+              <a:rPr lang="ko-KR" altLang="en-US" sz="3200" b="1" dirty="0" smtClean="0"/>
+              <a:t> 메뉴</a:t>
+            </a:r>
+            <a:r>
+              <a:rPr lang="en-US" altLang="ko-KR" sz="3200" b="1" dirty="0" smtClean="0"/>
               <a:t>)</a:t>
             </a:r>
             <a:endParaRPr lang="ko-KR" altLang="en-US" sz="3200" b="1" dirty="0"/>
           </a:p>
         </p:txBody>
       </p:sp>
-      <p:pic>
-        <p:nvPicPr>
-          <p:cNvPr id="11" name="그림 10">
+      <p:sp>
+        <p:nvSpPr>
+          <p:cNvPr id="11" name="TextBox 10">
             <a:extLst>
               <a:ext uri="{FF2B5EF4-FFF2-40B4-BE49-F238E27FC236}">
-                <a16:creationId xmlns:a16="http://schemas.microsoft.com/office/drawing/2014/main" id="{4626B8BF-E89F-4C5F-B5CC-4902E974A0C8}"/>
-              </a:ext>
-            </a:extLst>
-          </p:cNvPr>
-          <p:cNvPicPr>
-            <a:picLocks noChangeAspect="1"/>
-          </p:cNvPicPr>
-          <p:nvPr/>
-        </p:nvPicPr>
-        <p:blipFill>
-          <a:blip r:embed="rId2">
-            <a:extLst>
-              <a:ext uri="{28A0092B-C50C-407E-A947-70E740481C1C}">
-                <a14:useLocalDpi xmlns:a14="http://schemas.microsoft.com/office/drawing/2010/main" val="0"/>
-              </a:ext>
-            </a:extLst>
-          </a:blip>
-          <a:stretch>
-            <a:fillRect/>
-          </a:stretch>
-        </p:blipFill>
-        <p:spPr>
-          <a:xfrm>
-            <a:off x="422275" y="909054"/>
-            <a:ext cx="8299450" cy="3312034"/>
-          </a:xfrm>
-          <a:prstGeom prst="rect">
-            <a:avLst/>
-          </a:prstGeom>
-        </p:spPr>
-      </p:pic>
-      <p:sp>
-        <p:nvSpPr>
-          <p:cNvPr id="14" name="TextBox 13">
-            <a:extLst>
-              <a:ext uri="{FF2B5EF4-FFF2-40B4-BE49-F238E27FC236}">
-                <a16:creationId xmlns:a16="http://schemas.microsoft.com/office/drawing/2014/main" id="{07E281A5-FE2E-4CE2-B5DE-312C1255B303}"/>
+                <a16:creationId xmlns:a16="http://schemas.microsoft.com/office/drawing/2014/main" xmlns="" id="{A99AB9D3-C706-4670-8F19-553BC73F9C7B}"/>
               </a:ext>
             </a:extLst>
           </p:cNvPr>
@@ -4245,8 +3776,8 @@
         </p:nvSpPr>
         <p:spPr>
           <a:xfrm>
-            <a:off x="401877" y="4509120"/>
-            <a:ext cx="8136904" cy="1015663"/>
+            <a:off x="539552" y="3645024"/>
+            <a:ext cx="8136904" cy="369332"/>
           </a:xfrm>
           <a:prstGeom prst="rect">
             <a:avLst/>
@@ -4260,549 +3791,237 @@
           <a:lstStyle/>
           <a:p>
             <a:r>
-              <a:rPr lang="en-US" altLang="ko-KR" sz="2000" b="1" dirty="0"/>
-              <a:t>3</a:t>
-            </a:r>
-            <a:r>
-              <a:rPr lang="ko-KR" altLang="en-US" sz="2000" b="1" dirty="0"/>
-              <a:t>개의 태그가 겹쳐진 화면</a:t>
-            </a:r>
-            <a:endParaRPr lang="en-US" altLang="ko-KR" sz="2000" b="1" dirty="0"/>
-          </a:p>
-          <a:p>
-            <a:endParaRPr lang="en-US" altLang="ko-KR" sz="2000" b="1" dirty="0"/>
-          </a:p>
-          <a:p>
-            <a:r>
-              <a:rPr lang="ko-KR" altLang="en-US" sz="2000" b="1" dirty="0"/>
-              <a:t>안쪽부터    비디오</a:t>
-            </a:r>
-            <a:r>
-              <a:rPr lang="en-US" altLang="ko-KR" sz="2000" b="1" dirty="0"/>
-              <a:t>-</a:t>
-            </a:r>
-            <a:r>
-              <a:rPr lang="ko-KR" altLang="en-US" sz="2000" b="1" dirty="0"/>
-              <a:t>위젯</a:t>
-            </a:r>
-            <a:r>
-              <a:rPr lang="en-US" altLang="ko-KR" sz="2000" b="1" dirty="0"/>
-              <a:t>-</a:t>
-            </a:r>
-            <a:r>
-              <a:rPr lang="ko-KR" altLang="en-US" sz="2000" b="1" dirty="0" err="1"/>
-              <a:t>네비게이션메뉴</a:t>
-            </a:r>
-            <a:endParaRPr lang="ko-KR" altLang="en-US" sz="2000" b="1" dirty="0"/>
+              <a:rPr lang="ko-KR" altLang="en-US" b="1" dirty="0" smtClean="0"/>
+              <a:t>구조 </a:t>
+            </a:r>
+            <a:r>
+              <a:rPr lang="en-US" altLang="ko-KR" b="1" dirty="0" smtClean="0"/>
+              <a:t>- &lt;div&gt;  &lt;</a:t>
+            </a:r>
+            <a:r>
+              <a:rPr lang="en-US" altLang="ko-KR" b="1" dirty="0" err="1" smtClean="0"/>
+              <a:t>ul</a:t>
+            </a:r>
+            <a:r>
+              <a:rPr lang="en-US" altLang="ko-KR" b="1" dirty="0" smtClean="0"/>
+              <a:t>&gt;  &lt;</a:t>
+            </a:r>
+            <a:r>
+              <a:rPr lang="en-US" altLang="ko-KR" b="1" dirty="0" err="1" smtClean="0"/>
+              <a:t>ul</a:t>
+            </a:r>
+            <a:r>
+              <a:rPr lang="en-US" altLang="ko-KR" b="1" dirty="0" smtClean="0"/>
+              <a:t>&gt;  &lt;</a:t>
+            </a:r>
+            <a:r>
+              <a:rPr lang="en-US" altLang="ko-KR" b="1" dirty="0" err="1" smtClean="0"/>
+              <a:t>ul</a:t>
+            </a:r>
+            <a:r>
+              <a:rPr lang="en-US" altLang="ko-KR" b="1" dirty="0" smtClean="0"/>
+              <a:t>&gt;  &lt;</a:t>
+            </a:r>
+            <a:r>
+              <a:rPr lang="en-US" altLang="ko-KR" b="1" dirty="0" err="1" smtClean="0"/>
+              <a:t>ul</a:t>
+            </a:r>
+            <a:r>
+              <a:rPr lang="en-US" altLang="ko-KR" b="1" dirty="0" smtClean="0"/>
+              <a:t>&gt;  &lt;div&gt;</a:t>
+            </a:r>
+            <a:endParaRPr lang="ko-KR" altLang="en-US" b="1" dirty="0"/>
+          </a:p>
+        </p:txBody>
+      </p:sp>
+      <p:sp>
+        <p:nvSpPr>
+          <p:cNvPr id="2" name="TextBox 1"/>
+          <p:cNvSpPr txBox="1"/>
+          <p:nvPr/>
+        </p:nvSpPr>
+        <p:spPr>
+          <a:xfrm>
+            <a:off x="539552" y="4149080"/>
+            <a:ext cx="8136904" cy="1569660"/>
+          </a:xfrm>
+          <a:prstGeom prst="rect">
+            <a:avLst/>
+          </a:prstGeom>
+          <a:noFill/>
+        </p:spPr>
+        <p:txBody>
+          <a:bodyPr wrap="square" rtlCol="0">
+            <a:spAutoFit/>
+          </a:bodyPr>
+          <a:lstStyle/>
+          <a:p>
+            <a:r>
+              <a:rPr lang="en-US" altLang="ko-KR" sz="1600" dirty="0" err="1" smtClean="0"/>
+              <a:t>ul</a:t>
+            </a:r>
+            <a:r>
+              <a:rPr lang="en-US" altLang="ko-KR" sz="1600" dirty="0" smtClean="0"/>
+              <a:t>(</a:t>
+            </a:r>
+            <a:r>
+              <a:rPr lang="en-US" altLang="ko-KR" sz="1600" dirty="0" err="1" smtClean="0"/>
+              <a:t>undordered</a:t>
+            </a:r>
+            <a:r>
+              <a:rPr lang="en-US" altLang="ko-KR" sz="1600" dirty="0" smtClean="0"/>
+              <a:t> list)</a:t>
+            </a:r>
+            <a:r>
+              <a:rPr lang="ko-KR" altLang="en-US" sz="1600" dirty="0" smtClean="0"/>
+              <a:t>에 마우스가 들어가고 나가는 것을 감지하는 </a:t>
+            </a:r>
+            <a:r>
+              <a:rPr lang="en-US" altLang="ko-KR" sz="1600" dirty="0" err="1" smtClean="0"/>
+              <a:t>eventListener</a:t>
+            </a:r>
+            <a:r>
+              <a:rPr lang="ko-KR" altLang="en-US" sz="1600" dirty="0" smtClean="0"/>
+              <a:t>를 설정</a:t>
+            </a:r>
+            <a:endParaRPr lang="en-US" altLang="ko-KR" sz="1600" dirty="0" smtClean="0"/>
+          </a:p>
+          <a:p>
+            <a:endParaRPr lang="en-US" altLang="ko-KR" sz="1600" dirty="0"/>
+          </a:p>
+          <a:p>
+            <a:r>
+              <a:rPr lang="ko-KR" altLang="en-US" sz="1600" dirty="0" smtClean="0"/>
+              <a:t> 들어올 때</a:t>
+            </a:r>
+            <a:r>
+              <a:rPr lang="en-US" altLang="ko-KR" sz="1600" dirty="0" smtClean="0"/>
+              <a:t>(background-color: </a:t>
+            </a:r>
+            <a:r>
+              <a:rPr lang="ko-KR" altLang="en-US" sz="1600" dirty="0" smtClean="0"/>
+              <a:t>투명</a:t>
+            </a:r>
+            <a:r>
+              <a:rPr lang="en-US" altLang="ko-KR" sz="1600" dirty="0"/>
+              <a:t> </a:t>
+            </a:r>
+            <a:r>
+              <a:rPr lang="en-US" altLang="ko-KR" sz="1600" dirty="0" smtClean="0"/>
+              <a:t>-&gt; </a:t>
+            </a:r>
+            <a:r>
+              <a:rPr lang="ko-KR" altLang="en-US" sz="1600" dirty="0" smtClean="0"/>
+              <a:t>흰색</a:t>
+            </a:r>
+            <a:r>
+              <a:rPr lang="en-US" altLang="ko-KR" sz="1600" dirty="0" smtClean="0"/>
+              <a:t>)</a:t>
+            </a:r>
+          </a:p>
+          <a:p>
+            <a:r>
+              <a:rPr lang="ko-KR" altLang="en-US" sz="1600" dirty="0"/>
+              <a:t> </a:t>
+            </a:r>
+            <a:r>
+              <a:rPr lang="ko-KR" altLang="en-US" sz="1600" dirty="0" smtClean="0"/>
+              <a:t>나</a:t>
+            </a:r>
+            <a:r>
+              <a:rPr lang="ko-KR" altLang="en-US" sz="1600" dirty="0"/>
+              <a:t>갈</a:t>
+            </a:r>
+            <a:r>
+              <a:rPr lang="ko-KR" altLang="en-US" sz="1600" dirty="0" smtClean="0"/>
+              <a:t> </a:t>
+            </a:r>
+            <a:r>
+              <a:rPr lang="ko-KR" altLang="en-US" sz="1600" dirty="0"/>
+              <a:t>때</a:t>
+            </a:r>
+            <a:r>
+              <a:rPr lang="en-US" altLang="ko-KR" sz="1600" dirty="0"/>
+              <a:t>(background-color: </a:t>
+            </a:r>
+            <a:r>
+              <a:rPr lang="ko-KR" altLang="en-US" sz="1600" dirty="0" smtClean="0"/>
+              <a:t>흰</a:t>
+            </a:r>
+            <a:r>
+              <a:rPr lang="ko-KR" altLang="en-US" sz="1600" dirty="0"/>
+              <a:t>색</a:t>
+            </a:r>
+            <a:r>
+              <a:rPr lang="en-US" altLang="ko-KR" sz="1600" dirty="0" smtClean="0"/>
+              <a:t> </a:t>
+            </a:r>
+            <a:r>
+              <a:rPr lang="en-US" altLang="ko-KR" sz="1600" dirty="0"/>
+              <a:t>-&gt; </a:t>
+            </a:r>
+            <a:r>
+              <a:rPr lang="ko-KR" altLang="en-US" sz="1600" dirty="0" smtClean="0"/>
+              <a:t>투명</a:t>
+            </a:r>
+            <a:r>
+              <a:rPr lang="en-US" altLang="ko-KR" sz="1600" dirty="0" smtClean="0"/>
+              <a:t>)</a:t>
+            </a:r>
+          </a:p>
+          <a:p>
+            <a:endParaRPr lang="en-US" altLang="ko-KR" sz="1600" dirty="0"/>
+          </a:p>
+          <a:p>
+            <a:r>
+              <a:rPr lang="ko-KR" altLang="en-US" sz="1600" dirty="0" smtClean="0"/>
+              <a:t>세부 메뉴 </a:t>
+            </a:r>
+            <a:r>
+              <a:rPr lang="en-US" altLang="ko-KR" sz="1600" dirty="0" smtClean="0"/>
+              <a:t>&lt;li&gt;</a:t>
+            </a:r>
+            <a:r>
+              <a:rPr lang="ko-KR" altLang="en-US" sz="1600" dirty="0" smtClean="0"/>
+              <a:t>각각에도 설정하여 마우스 </a:t>
+            </a:r>
+            <a:r>
+              <a:rPr lang="ko-KR" altLang="en-US" sz="1600" dirty="0" err="1" smtClean="0"/>
+              <a:t>위치시</a:t>
+            </a:r>
+            <a:r>
+              <a:rPr lang="ko-KR" altLang="en-US" sz="1600" dirty="0" smtClean="0"/>
+              <a:t> 주황색으로 </a:t>
+            </a:r>
+            <a:r>
+              <a:rPr lang="ko-KR" altLang="en-US" sz="1600" dirty="0" err="1" smtClean="0"/>
+              <a:t>글자색</a:t>
+            </a:r>
+            <a:r>
+              <a:rPr lang="ko-KR" altLang="en-US" sz="1600" dirty="0" smtClean="0"/>
+              <a:t> 변하도록</a:t>
+            </a:r>
+            <a:endParaRPr lang="ko-KR" altLang="en-US" sz="1600" dirty="0"/>
           </a:p>
         </p:txBody>
       </p:sp>
     </p:spTree>
     <p:extLst>
       <p:ext uri="{BB962C8B-B14F-4D97-AF65-F5344CB8AC3E}">
-        <p14:creationId xmlns:p14="http://schemas.microsoft.com/office/powerpoint/2010/main" val="431838405"/>
+        <p14:creationId xmlns:p14="http://schemas.microsoft.com/office/powerpoint/2010/main" val="1691350354"/>
       </p:ext>
     </p:extLst>
   </p:cSld>
   <p:clrMapOvr>
     <a:masterClrMapping/>
   </p:clrMapOvr>
-</p:sld>
-</file>
-
-<file path=ppt/slides/slide5.xml><?xml version="1.0" encoding="utf-8"?>
-<p:sld xmlns:a="http://schemas.openxmlformats.org/drawingml/2006/main" xmlns:r="http://schemas.openxmlformats.org/officeDocument/2006/relationships" xmlns:p="http://schemas.openxmlformats.org/presentationml/2006/main">
-  <p:cSld>
-    <p:spTree>
-      <p:nvGrpSpPr>
-        <p:cNvPr id="1" name=""/>
-        <p:cNvGrpSpPr/>
-        <p:nvPr/>
-      </p:nvGrpSpPr>
-      <p:grpSpPr>
-        <a:xfrm>
-          <a:off x="0" y="0"/>
-          <a:ext cx="0" cy="0"/>
-          <a:chOff x="0" y="0"/>
-          <a:chExt cx="0" cy="0"/>
-        </a:xfrm>
-      </p:grpSpPr>
-      <p:sp>
-        <p:nvSpPr>
-          <p:cNvPr id="10" name="TextBox 9">
-            <a:extLst>
-              <a:ext uri="{FF2B5EF4-FFF2-40B4-BE49-F238E27FC236}">
-                <a16:creationId xmlns:a16="http://schemas.microsoft.com/office/drawing/2014/main" id="{A99AB9D3-C706-4670-8F19-553BC73F9C7B}"/>
-              </a:ext>
-            </a:extLst>
-          </p:cNvPr>
-          <p:cNvSpPr txBox="1"/>
-          <p:nvPr/>
-        </p:nvSpPr>
-        <p:spPr>
-          <a:xfrm>
-            <a:off x="390309" y="260648"/>
-            <a:ext cx="7305773" cy="584775"/>
-          </a:xfrm>
-          <a:prstGeom prst="rect">
-            <a:avLst/>
-          </a:prstGeom>
-          <a:noFill/>
-        </p:spPr>
-        <p:txBody>
-          <a:bodyPr wrap="square" rtlCol="0">
-            <a:spAutoFit/>
-          </a:bodyPr>
-          <a:lstStyle/>
-          <a:p>
-            <a:r>
-              <a:rPr lang="ko-KR" altLang="en-US" sz="3200" b="1" dirty="0" err="1"/>
-              <a:t>메인화면</a:t>
-            </a:r>
-            <a:r>
-              <a:rPr lang="en-US" altLang="ko-KR" sz="3200" b="1" dirty="0"/>
-              <a:t>(</a:t>
-            </a:r>
-            <a:r>
-              <a:rPr lang="ko-KR" altLang="en-US" sz="3200" b="1" dirty="0" err="1"/>
-              <a:t>위젯화면</a:t>
-            </a:r>
-            <a:r>
-              <a:rPr lang="en-US" altLang="ko-KR" sz="3200" b="1" dirty="0"/>
-              <a:t>)</a:t>
-            </a:r>
-            <a:endParaRPr lang="ko-KR" altLang="en-US" sz="3200" b="1" dirty="0"/>
-          </a:p>
-        </p:txBody>
-      </p:sp>
-      <p:sp>
-        <p:nvSpPr>
-          <p:cNvPr id="14" name="TextBox 13">
-            <a:extLst>
-              <a:ext uri="{FF2B5EF4-FFF2-40B4-BE49-F238E27FC236}">
-                <a16:creationId xmlns:a16="http://schemas.microsoft.com/office/drawing/2014/main" id="{07E281A5-FE2E-4CE2-B5DE-312C1255B303}"/>
-              </a:ext>
-            </a:extLst>
-          </p:cNvPr>
-          <p:cNvSpPr txBox="1"/>
-          <p:nvPr/>
-        </p:nvSpPr>
-        <p:spPr>
-          <a:xfrm>
-            <a:off x="364489" y="1052736"/>
-            <a:ext cx="4063495" cy="2554545"/>
-          </a:xfrm>
-          <a:prstGeom prst="rect">
-            <a:avLst/>
-          </a:prstGeom>
-          <a:noFill/>
-        </p:spPr>
-        <p:txBody>
-          <a:bodyPr wrap="square" rtlCol="0">
-            <a:spAutoFit/>
-          </a:bodyPr>
-          <a:lstStyle/>
-          <a:p>
-            <a:r>
-              <a:rPr lang="en-US" altLang="ko-KR" sz="2000" b="1" dirty="0"/>
-              <a:t>&lt;div class=“parent”&gt;</a:t>
-            </a:r>
-          </a:p>
-          <a:p>
-            <a:r>
-              <a:rPr lang="en-US" altLang="ko-KR" sz="2000" b="1" dirty="0"/>
-              <a:t>  &lt;video&gt; &lt;/video&gt;</a:t>
-            </a:r>
-          </a:p>
-          <a:p>
-            <a:r>
-              <a:rPr lang="en-US" altLang="ko-KR" sz="2000" b="1" dirty="0"/>
-              <a:t>  &lt;div class=“widget”&gt;&lt;/div&gt;</a:t>
-            </a:r>
-          </a:p>
-          <a:p>
-            <a:r>
-              <a:rPr lang="en-US" altLang="ko-KR" sz="2000" b="1" dirty="0"/>
-              <a:t>  &lt;div class=“</a:t>
-            </a:r>
-            <a:r>
-              <a:rPr lang="en-US" altLang="ko-KR" sz="2000" b="1" dirty="0" err="1"/>
-              <a:t>navi</a:t>
-            </a:r>
-            <a:r>
-              <a:rPr lang="en-US" altLang="ko-KR" sz="2000" b="1" dirty="0"/>
-              <a:t>”&gt;&lt;/div&gt;</a:t>
-            </a:r>
-          </a:p>
-          <a:p>
-            <a:r>
-              <a:rPr lang="en-US" altLang="ko-KR" sz="2000" b="1" dirty="0"/>
-              <a:t>&lt;/div&gt;</a:t>
-            </a:r>
-          </a:p>
-          <a:p>
-            <a:r>
-              <a:rPr lang="ko-KR" altLang="en-US" sz="2000" b="1" dirty="0"/>
-              <a:t>      아래로 쌓임</a:t>
-            </a:r>
-            <a:r>
-              <a:rPr lang="en-US" altLang="ko-KR" sz="2000" b="1" dirty="0"/>
-              <a:t>..</a:t>
-            </a:r>
-          </a:p>
-          <a:p>
-            <a:endParaRPr lang="en-US" altLang="ko-KR" sz="2000" b="1" dirty="0"/>
-          </a:p>
-          <a:p>
-            <a:endParaRPr lang="ko-KR" altLang="en-US" sz="2000" b="1" dirty="0"/>
-          </a:p>
-        </p:txBody>
-      </p:sp>
-      <p:pic>
-        <p:nvPicPr>
-          <p:cNvPr id="3" name="그림 2">
-            <a:extLst>
-              <a:ext uri="{FF2B5EF4-FFF2-40B4-BE49-F238E27FC236}">
-                <a16:creationId xmlns:a16="http://schemas.microsoft.com/office/drawing/2014/main" id="{1F92FA2D-E502-4F24-B229-E9A4F7DDFEB7}"/>
-              </a:ext>
-            </a:extLst>
-          </p:cNvPr>
-          <p:cNvPicPr>
-            <a:picLocks noChangeAspect="1"/>
-          </p:cNvPicPr>
-          <p:nvPr/>
-        </p:nvPicPr>
-        <p:blipFill>
-          <a:blip r:embed="rId2">
-            <a:extLst>
-              <a:ext uri="{28A0092B-C50C-407E-A947-70E740481C1C}">
-                <a14:useLocalDpi xmlns:a14="http://schemas.microsoft.com/office/drawing/2010/main" val="0"/>
-              </a:ext>
-            </a:extLst>
-          </a:blip>
-          <a:stretch>
-            <a:fillRect/>
-          </a:stretch>
-        </p:blipFill>
-        <p:spPr>
-          <a:xfrm>
-            <a:off x="450866" y="3439131"/>
-            <a:ext cx="3581400" cy="2848877"/>
-          </a:xfrm>
-          <a:prstGeom prst="rect">
-            <a:avLst/>
-          </a:prstGeom>
-        </p:spPr>
-      </p:pic>
-      <p:sp>
-        <p:nvSpPr>
-          <p:cNvPr id="4" name="직사각형 3">
-            <a:extLst>
-              <a:ext uri="{FF2B5EF4-FFF2-40B4-BE49-F238E27FC236}">
-                <a16:creationId xmlns:a16="http://schemas.microsoft.com/office/drawing/2014/main" id="{9BE9E7EF-C9C5-4BCA-92BE-C4ABCF4DFF21}"/>
-              </a:ext>
-            </a:extLst>
-          </p:cNvPr>
-          <p:cNvSpPr/>
-          <p:nvPr/>
-        </p:nvSpPr>
-        <p:spPr>
-          <a:xfrm>
-            <a:off x="827584" y="3933056"/>
-            <a:ext cx="1872208" cy="273511"/>
-          </a:xfrm>
-          <a:prstGeom prst="rect">
-            <a:avLst/>
-          </a:prstGeom>
-          <a:noFill/>
-          <a:ln>
-            <a:solidFill>
-              <a:srgbClr val="FF0000"/>
-            </a:solidFill>
-          </a:ln>
-        </p:spPr>
-        <p:style>
-          <a:lnRef idx="2">
-            <a:schemeClr val="accent1">
-              <a:shade val="50000"/>
-            </a:schemeClr>
-          </a:lnRef>
-          <a:fillRef idx="1">
-            <a:schemeClr val="accent1"/>
-          </a:fillRef>
-          <a:effectRef idx="0">
-            <a:schemeClr val="accent1"/>
-          </a:effectRef>
-          <a:fontRef idx="minor">
-            <a:schemeClr val="lt1"/>
-          </a:fontRef>
-        </p:style>
-        <p:txBody>
-          <a:bodyPr rtlCol="0" anchor="ctr"/>
-          <a:lstStyle/>
-          <a:p>
-            <a:pPr algn="ctr"/>
-            <a:endParaRPr lang="ko-KR" altLang="en-US"/>
-          </a:p>
-        </p:txBody>
-      </p:sp>
-      <p:sp>
-        <p:nvSpPr>
-          <p:cNvPr id="8" name="TextBox 7">
-            <a:extLst>
-              <a:ext uri="{FF2B5EF4-FFF2-40B4-BE49-F238E27FC236}">
-                <a16:creationId xmlns:a16="http://schemas.microsoft.com/office/drawing/2014/main" id="{973114C0-CB8C-49BE-BC14-1ED455151F7F}"/>
-              </a:ext>
-            </a:extLst>
-          </p:cNvPr>
-          <p:cNvSpPr txBox="1"/>
-          <p:nvPr/>
-        </p:nvSpPr>
-        <p:spPr>
-          <a:xfrm>
-            <a:off x="4572001" y="980728"/>
-            <a:ext cx="3888432" cy="1015663"/>
-          </a:xfrm>
-          <a:prstGeom prst="rect">
-            <a:avLst/>
-          </a:prstGeom>
-          <a:noFill/>
-        </p:spPr>
-        <p:txBody>
-          <a:bodyPr wrap="square" rtlCol="0">
-            <a:spAutoFit/>
-          </a:bodyPr>
-          <a:lstStyle/>
-          <a:p>
-            <a:r>
-              <a:rPr lang="ko-KR" altLang="en-US" sz="2000" b="1" dirty="0"/>
-              <a:t>요소의 </a:t>
-            </a:r>
-            <a:r>
-              <a:rPr lang="en-US" altLang="ko-KR" sz="2000" b="1" dirty="0"/>
-              <a:t>z</a:t>
-            </a:r>
-            <a:r>
-              <a:rPr lang="ko-KR" altLang="en-US" sz="2000" b="1" dirty="0" err="1"/>
-              <a:t>축이변함</a:t>
-            </a:r>
-            <a:endParaRPr lang="en-US" altLang="ko-KR" sz="2000" b="1" dirty="0"/>
-          </a:p>
-          <a:p>
-            <a:r>
-              <a:rPr lang="en-US" altLang="ko-KR" sz="2000" b="1" dirty="0">
-                <a:sym typeface="Wingdings" panose="05000000000000000000" pitchFamily="2" charset="2"/>
-              </a:rPr>
-              <a:t></a:t>
-            </a:r>
-            <a:r>
-              <a:rPr lang="ko-KR" altLang="en-US" sz="2000" b="1" dirty="0">
-                <a:sym typeface="Wingdings" panose="05000000000000000000" pitchFamily="2" charset="2"/>
-              </a:rPr>
-              <a:t>부모 요소 내에서 자유롭게 이동</a:t>
-            </a:r>
-            <a:r>
-              <a:rPr lang="en-US" altLang="ko-KR" sz="2000" b="1" dirty="0">
-                <a:sym typeface="Wingdings" panose="05000000000000000000" pitchFamily="2" charset="2"/>
-              </a:rPr>
-              <a:t>.</a:t>
-            </a:r>
-            <a:endParaRPr lang="ko-KR" altLang="en-US" sz="2000" b="1" dirty="0"/>
-          </a:p>
-        </p:txBody>
-      </p:sp>
-      <p:sp>
-        <p:nvSpPr>
-          <p:cNvPr id="9" name="TextBox 8">
-            <a:extLst>
-              <a:ext uri="{FF2B5EF4-FFF2-40B4-BE49-F238E27FC236}">
-                <a16:creationId xmlns:a16="http://schemas.microsoft.com/office/drawing/2014/main" id="{C4FC6407-3243-4B7D-B982-C802939B666A}"/>
-              </a:ext>
-            </a:extLst>
-          </p:cNvPr>
-          <p:cNvSpPr txBox="1"/>
-          <p:nvPr/>
-        </p:nvSpPr>
-        <p:spPr>
-          <a:xfrm>
-            <a:off x="4644008" y="2492896"/>
-            <a:ext cx="3888432" cy="584775"/>
-          </a:xfrm>
-          <a:prstGeom prst="rect">
-            <a:avLst/>
-          </a:prstGeom>
-          <a:noFill/>
-        </p:spPr>
-        <p:txBody>
-          <a:bodyPr wrap="square" rtlCol="0">
-            <a:spAutoFit/>
-          </a:bodyPr>
-          <a:lstStyle/>
-          <a:p>
-            <a:r>
-              <a:rPr lang="en-US" altLang="ko-KR" sz="3200" b="1" dirty="0"/>
-              <a:t>&lt;video&gt;&lt;/video&gt;</a:t>
-            </a:r>
-            <a:endParaRPr lang="en-US" altLang="ko-KR" sz="2000" b="1" dirty="0"/>
-          </a:p>
-        </p:txBody>
-      </p:sp>
-      <p:sp>
-        <p:nvSpPr>
-          <p:cNvPr id="12" name="TextBox 11">
-            <a:extLst>
-              <a:ext uri="{FF2B5EF4-FFF2-40B4-BE49-F238E27FC236}">
-                <a16:creationId xmlns:a16="http://schemas.microsoft.com/office/drawing/2014/main" id="{B14112A4-D786-4E42-AC71-C12378233452}"/>
-              </a:ext>
-            </a:extLst>
-          </p:cNvPr>
-          <p:cNvSpPr txBox="1"/>
-          <p:nvPr/>
-        </p:nvSpPr>
-        <p:spPr>
-          <a:xfrm>
-            <a:off x="4796408" y="2645296"/>
-            <a:ext cx="4240088" cy="584775"/>
-          </a:xfrm>
-          <a:prstGeom prst="rect">
-            <a:avLst/>
-          </a:prstGeom>
-          <a:noFill/>
-        </p:spPr>
-        <p:txBody>
-          <a:bodyPr wrap="square" rtlCol="0">
-            <a:spAutoFit/>
-          </a:bodyPr>
-          <a:lstStyle/>
-          <a:p>
-            <a:r>
-              <a:rPr lang="en-US" altLang="ko-KR" sz="3200" b="1" dirty="0"/>
-              <a:t>&lt;widget&gt;&lt;/widget&gt;</a:t>
-            </a:r>
-            <a:endParaRPr lang="en-US" altLang="ko-KR" sz="2000" b="1" dirty="0"/>
-          </a:p>
-        </p:txBody>
-      </p:sp>
-      <p:sp>
-        <p:nvSpPr>
-          <p:cNvPr id="13" name="TextBox 12">
-            <a:extLst>
-              <a:ext uri="{FF2B5EF4-FFF2-40B4-BE49-F238E27FC236}">
-                <a16:creationId xmlns:a16="http://schemas.microsoft.com/office/drawing/2014/main" id="{8427E105-6A8E-45D9-BE6C-A98E002E72FF}"/>
-              </a:ext>
-            </a:extLst>
-          </p:cNvPr>
-          <p:cNvSpPr txBox="1"/>
-          <p:nvPr/>
-        </p:nvSpPr>
-        <p:spPr>
-          <a:xfrm>
-            <a:off x="4948808" y="2797696"/>
-            <a:ext cx="4240088" cy="584775"/>
-          </a:xfrm>
-          <a:prstGeom prst="rect">
-            <a:avLst/>
-          </a:prstGeom>
-          <a:noFill/>
-        </p:spPr>
-        <p:txBody>
-          <a:bodyPr wrap="square" rtlCol="0">
-            <a:spAutoFit/>
-          </a:bodyPr>
-          <a:lstStyle/>
-          <a:p>
-            <a:r>
-              <a:rPr lang="en-US" altLang="ko-KR" sz="3200" b="1" dirty="0"/>
-              <a:t>&lt;</a:t>
-            </a:r>
-            <a:r>
-              <a:rPr lang="en-US" altLang="ko-KR" sz="3200" b="1" dirty="0" err="1"/>
-              <a:t>navi</a:t>
-            </a:r>
-            <a:r>
-              <a:rPr lang="en-US" altLang="ko-KR" sz="3200" b="1" dirty="0"/>
-              <a:t>&gt;&lt;/</a:t>
-            </a:r>
-            <a:r>
-              <a:rPr lang="en-US" altLang="ko-KR" sz="3200" b="1" dirty="0" err="1"/>
-              <a:t>navi</a:t>
-            </a:r>
-            <a:r>
-              <a:rPr lang="en-US" altLang="ko-KR" sz="3200" b="1" dirty="0"/>
-              <a:t>&gt;</a:t>
-            </a:r>
-            <a:endParaRPr lang="en-US" altLang="ko-KR" sz="2000" b="1" dirty="0"/>
-          </a:p>
-        </p:txBody>
-      </p:sp>
-      <p:sp>
-        <p:nvSpPr>
-          <p:cNvPr id="15" name="TextBox 14">
-            <a:extLst>
-              <a:ext uri="{FF2B5EF4-FFF2-40B4-BE49-F238E27FC236}">
-                <a16:creationId xmlns:a16="http://schemas.microsoft.com/office/drawing/2014/main" id="{D637CFB7-ACBC-43D8-996D-002ECAF10759}"/>
-              </a:ext>
-            </a:extLst>
-          </p:cNvPr>
-          <p:cNvSpPr txBox="1"/>
-          <p:nvPr/>
-        </p:nvSpPr>
-        <p:spPr>
-          <a:xfrm>
-            <a:off x="4724401" y="3637473"/>
-            <a:ext cx="3888432" cy="1015663"/>
-          </a:xfrm>
-          <a:prstGeom prst="rect">
-            <a:avLst/>
-          </a:prstGeom>
-          <a:noFill/>
-        </p:spPr>
-        <p:txBody>
-          <a:bodyPr wrap="square" rtlCol="0">
-            <a:spAutoFit/>
-          </a:bodyPr>
-          <a:lstStyle/>
-          <a:p>
-            <a:r>
-              <a:rPr lang="en-US" altLang="ko-KR" sz="2000" b="1" dirty="0"/>
-              <a:t>Z-index</a:t>
-            </a:r>
-            <a:r>
-              <a:rPr lang="ko-KR" altLang="en-US" sz="2000" b="1" dirty="0"/>
-              <a:t>속성을 조정하여</a:t>
-            </a:r>
-            <a:endParaRPr lang="en-US" altLang="ko-KR" sz="2000" b="1" dirty="0"/>
-          </a:p>
-          <a:p>
-            <a:r>
-              <a:rPr lang="ko-KR" altLang="en-US" sz="2000" b="1" dirty="0"/>
-              <a:t>위에 오는 요소를 선택 가능</a:t>
-            </a:r>
-            <a:endParaRPr lang="en-US" altLang="ko-KR" sz="2000" b="1" dirty="0"/>
-          </a:p>
-          <a:p>
-            <a:r>
-              <a:rPr lang="ko-KR" altLang="en-US" sz="2000" b="1" dirty="0"/>
-              <a:t>크면 위에 옴</a:t>
-            </a:r>
-            <a:r>
-              <a:rPr lang="en-US" altLang="ko-KR" sz="2000" b="1" dirty="0"/>
-              <a:t>.</a:t>
-            </a:r>
-            <a:endParaRPr lang="ko-KR" altLang="en-US" sz="2000" b="1" dirty="0"/>
-          </a:p>
-        </p:txBody>
-      </p:sp>
-    </p:spTree>
-    <p:extLst>
-      <p:ext uri="{BB962C8B-B14F-4D97-AF65-F5344CB8AC3E}">
-        <p14:creationId xmlns:p14="http://schemas.microsoft.com/office/powerpoint/2010/main" val="3670841216"/>
-      </p:ext>
-    </p:extLst>
-  </p:cSld>
-  <p:clrMapOvr>
-    <a:masterClrMapping/>
-  </p:clrMapOvr>
+  <p:timing>
+    <p:tnLst>
+      <p:par>
+        <p:cTn id="1" dur="indefinite" restart="never" nodeType="tmRoot"/>
+      </p:par>
+    </p:tnLst>
+  </p:timing>
 </p:sld>
 </file>
 
